--- a/Lec-3-5-requirements.pptx
+++ b/Lec-3-5-requirements.pptx
@@ -5,7 +5,7 @@
     <p:sldMasterId id="2147483648" r:id="rId1"/>
   </p:sldMasterIdLst>
   <p:notesMasterIdLst>
-    <p:notesMasterId r:id="rId33"/>
+    <p:notesMasterId r:id="rId45"/>
   </p:notesMasterIdLst>
   <p:sldIdLst>
     <p:sldId id="337" r:id="rId2"/>
@@ -39,6 +39,18 @@
     <p:sldId id="384" r:id="rId30"/>
     <p:sldId id="385" r:id="rId31"/>
     <p:sldId id="386" r:id="rId32"/>
+    <p:sldId id="387" r:id="rId33"/>
+    <p:sldId id="388" r:id="rId34"/>
+    <p:sldId id="389" r:id="rId35"/>
+    <p:sldId id="390" r:id="rId36"/>
+    <p:sldId id="391" r:id="rId37"/>
+    <p:sldId id="392" r:id="rId38"/>
+    <p:sldId id="393" r:id="rId39"/>
+    <p:sldId id="396" r:id="rId40"/>
+    <p:sldId id="394" r:id="rId41"/>
+    <p:sldId id="395" r:id="rId42"/>
+    <p:sldId id="397" r:id="rId43"/>
+    <p:sldId id="398" r:id="rId44"/>
   </p:sldIdLst>
   <p:sldSz cx="9144000" cy="6858000" type="screen4x3"/>
   <p:notesSz cx="6858000" cy="9144000"/>
@@ -320,7 +332,7 @@
               <a:pPr>
                 <a:defRPr/>
               </a:pPr>
-              <a:t>1/13/2026</a:t>
+              <a:t>1/14/2026</a:t>
             </a:fld>
             <a:endParaRPr lang="en-US"/>
           </a:p>
@@ -13814,7 +13826,7 @@
                                         <p:tgtEl>
                                           <p:spTgt spid="3">
                                             <p:txEl>
-                                              <p:charRg st="165" end="224"/>
+                                              <p:pRg st="6" end="6"/>
                                             </p:txEl>
                                           </p:spTgt>
                                         </p:tgtEl>
@@ -17590,6 +17602,4965 @@
 </p:sld>
 </file>
 
+<file path=ppt/slides/slide32.xml><?xml version="1.0" encoding="utf-8"?>
+<p:sld xmlns:a="http://schemas.openxmlformats.org/drawingml/2006/main" xmlns:r="http://schemas.openxmlformats.org/officeDocument/2006/relationships" xmlns:p="http://schemas.openxmlformats.org/presentationml/2006/main">
+  <p:cSld>
+    <p:spTree>
+      <p:nvGrpSpPr>
+        <p:cNvPr id="1" name=""/>
+        <p:cNvGrpSpPr/>
+        <p:nvPr/>
+      </p:nvGrpSpPr>
+      <p:grpSpPr>
+        <a:xfrm>
+          <a:off x="0" y="0"/>
+          <a:ext cx="0" cy="0"/>
+          <a:chOff x="0" y="0"/>
+          <a:chExt cx="0" cy="0"/>
+        </a:xfrm>
+      </p:grpSpPr>
+      <p:sp>
+        <p:nvSpPr>
+          <p:cNvPr id="2" name="Title 1">
+            <a:extLst>
+              <a:ext uri="{FF2B5EF4-FFF2-40B4-BE49-F238E27FC236}">
+                <a16:creationId xmlns:a16="http://schemas.microsoft.com/office/drawing/2014/main" id="{5BEA77F9-D067-4F29-9413-81CF9989FC71}"/>
+              </a:ext>
+            </a:extLst>
+          </p:cNvPr>
+          <p:cNvSpPr>
+            <a:spLocks noGrp="1"/>
+          </p:cNvSpPr>
+          <p:nvPr>
+            <p:ph type="title"/>
+          </p:nvPr>
+        </p:nvSpPr>
+        <p:spPr/>
+        <p:txBody>
+          <a:bodyPr/>
+          <a:lstStyle/>
+          <a:p>
+            <a:r>
+              <a:rPr lang="en-US" dirty="0"/>
+              <a:t>The software development lifecycle</a:t>
+            </a:r>
+          </a:p>
+        </p:txBody>
+      </p:sp>
+      <p:sp>
+        <p:nvSpPr>
+          <p:cNvPr id="3" name="Date Placeholder 2">
+            <a:extLst>
+              <a:ext uri="{FF2B5EF4-FFF2-40B4-BE49-F238E27FC236}">
+                <a16:creationId xmlns:a16="http://schemas.microsoft.com/office/drawing/2014/main" id="{E1253B47-5555-4B3D-9848-2764F9BDAB74}"/>
+              </a:ext>
+            </a:extLst>
+          </p:cNvPr>
+          <p:cNvSpPr>
+            <a:spLocks noGrp="1"/>
+          </p:cNvSpPr>
+          <p:nvPr>
+            <p:ph type="dt" sz="half" idx="10"/>
+          </p:nvPr>
+        </p:nvSpPr>
+        <p:spPr/>
+        <p:txBody>
+          <a:bodyPr/>
+          <a:lstStyle/>
+          <a:p>
+            <a:pPr>
+              <a:defRPr/>
+            </a:pPr>
+            <a:r>
+              <a:rPr lang="en-US"/>
+              <a:t>21/12/2020</a:t>
+            </a:r>
+          </a:p>
+        </p:txBody>
+      </p:sp>
+      <p:sp>
+        <p:nvSpPr>
+          <p:cNvPr id="4" name="Slide Number Placeholder 3">
+            <a:extLst>
+              <a:ext uri="{FF2B5EF4-FFF2-40B4-BE49-F238E27FC236}">
+                <a16:creationId xmlns:a16="http://schemas.microsoft.com/office/drawing/2014/main" id="{AB3897E2-C287-436F-B453-FC710297A7E3}"/>
+              </a:ext>
+            </a:extLst>
+          </p:cNvPr>
+          <p:cNvSpPr>
+            <a:spLocks noGrp="1"/>
+          </p:cNvSpPr>
+          <p:nvPr>
+            <p:ph type="sldNum" sz="quarter" idx="12"/>
+          </p:nvPr>
+        </p:nvSpPr>
+        <p:spPr/>
+        <p:txBody>
+          <a:bodyPr/>
+          <a:lstStyle/>
+          <a:p>
+            <a:pPr>
+              <a:defRPr/>
+            </a:pPr>
+            <a:fld id="{E79D9D01-1391-45E0-A9C5-C04635A43651}" type="slidenum">
+              <a:rPr lang="en-US" altLang="en-US" smtClean="0"/>
+              <a:pPr>
+                <a:defRPr/>
+              </a:pPr>
+              <a:t>32</a:t>
+            </a:fld>
+            <a:endParaRPr lang="en-US" altLang="en-US"/>
+          </a:p>
+        </p:txBody>
+      </p:sp>
+      <p:sp>
+        <p:nvSpPr>
+          <p:cNvPr id="5" name="Text Placeholder 4">
+            <a:extLst>
+              <a:ext uri="{FF2B5EF4-FFF2-40B4-BE49-F238E27FC236}">
+                <a16:creationId xmlns:a16="http://schemas.microsoft.com/office/drawing/2014/main" id="{B9C92651-9FA6-4E9E-B113-A7EB60175E47}"/>
+              </a:ext>
+            </a:extLst>
+          </p:cNvPr>
+          <p:cNvSpPr>
+            <a:spLocks noGrp="1"/>
+          </p:cNvSpPr>
+          <p:nvPr>
+            <p:ph type="body" sz="quarter" idx="13"/>
+          </p:nvPr>
+        </p:nvSpPr>
+        <p:spPr/>
+        <p:txBody>
+          <a:bodyPr/>
+          <a:lstStyle/>
+          <a:p>
+            <a:r>
+              <a:rPr lang="en-US" dirty="0"/>
+              <a:t>What is an SDLC?</a:t>
+            </a:r>
+          </a:p>
+          <a:p>
+            <a:endParaRPr lang="en-US" dirty="0"/>
+          </a:p>
+          <a:p>
+            <a:r>
+              <a:rPr lang="en-US" dirty="0"/>
+              <a:t>What makes embedded SDLC special?</a:t>
+            </a:r>
+          </a:p>
+        </p:txBody>
+      </p:sp>
+    </p:spTree>
+    <p:extLst>
+      <p:ext uri="{BB962C8B-B14F-4D97-AF65-F5344CB8AC3E}">
+        <p14:creationId xmlns:p14="http://schemas.microsoft.com/office/powerpoint/2010/main" val="3219975267"/>
+      </p:ext>
+    </p:extLst>
+  </p:cSld>
+  <p:clrMapOvr>
+    <a:masterClrMapping/>
+  </p:clrMapOvr>
+  <p:timing>
+    <p:tnLst>
+      <p:par>
+        <p:cTn id="1" dur="indefinite" restart="never" nodeType="tmRoot">
+          <p:childTnLst>
+            <p:seq concurrent="1" nextAc="seek">
+              <p:cTn id="2" dur="indefinite" nodeType="mainSeq">
+                <p:childTnLst>
+                  <p:par>
+                    <p:cTn id="3" fill="hold">
+                      <p:stCondLst>
+                        <p:cond delay="indefinite"/>
+                      </p:stCondLst>
+                      <p:childTnLst>
+                        <p:par>
+                          <p:cTn id="4" fill="hold">
+                            <p:stCondLst>
+                              <p:cond delay="0"/>
+                            </p:stCondLst>
+                            <p:childTnLst>
+                              <p:par>
+                                <p:cTn id="5" presetID="1" presetClass="entr" presetSubtype="0" fill="hold" grpId="0" nodeType="clickEffect">
+                                  <p:stCondLst>
+                                    <p:cond delay="0"/>
+                                  </p:stCondLst>
+                                  <p:childTnLst>
+                                    <p:set>
+                                      <p:cBhvr>
+                                        <p:cTn id="6" dur="1" fill="hold">
+                                          <p:stCondLst>
+                                            <p:cond delay="0"/>
+                                          </p:stCondLst>
+                                        </p:cTn>
+                                        <p:tgtEl>
+                                          <p:spTgt spid="5">
+                                            <p:txEl>
+                                              <p:pRg st="0" end="0"/>
+                                            </p:txEl>
+                                          </p:spTgt>
+                                        </p:tgtEl>
+                                        <p:attrNameLst>
+                                          <p:attrName>style.visibility</p:attrName>
+                                        </p:attrNameLst>
+                                      </p:cBhvr>
+                                      <p:to>
+                                        <p:strVal val="visible"/>
+                                      </p:to>
+                                    </p:set>
+                                  </p:childTnLst>
+                                </p:cTn>
+                              </p:par>
+                            </p:childTnLst>
+                          </p:cTn>
+                        </p:par>
+                      </p:childTnLst>
+                    </p:cTn>
+                  </p:par>
+                  <p:par>
+                    <p:cTn id="7" fill="hold">
+                      <p:stCondLst>
+                        <p:cond delay="indefinite"/>
+                      </p:stCondLst>
+                      <p:childTnLst>
+                        <p:par>
+                          <p:cTn id="8" fill="hold">
+                            <p:stCondLst>
+                              <p:cond delay="0"/>
+                            </p:stCondLst>
+                            <p:childTnLst>
+                              <p:par>
+                                <p:cTn id="9" presetID="1" presetClass="entr" presetSubtype="0" fill="hold" grpId="0" nodeType="clickEffect">
+                                  <p:stCondLst>
+                                    <p:cond delay="0"/>
+                                  </p:stCondLst>
+                                  <p:childTnLst>
+                                    <p:set>
+                                      <p:cBhvr>
+                                        <p:cTn id="10" dur="1" fill="hold">
+                                          <p:stCondLst>
+                                            <p:cond delay="0"/>
+                                          </p:stCondLst>
+                                        </p:cTn>
+                                        <p:tgtEl>
+                                          <p:spTgt spid="5">
+                                            <p:txEl>
+                                              <p:pRg st="2" end="2"/>
+                                            </p:txEl>
+                                          </p:spTgt>
+                                        </p:tgtEl>
+                                        <p:attrNameLst>
+                                          <p:attrName>style.visibility</p:attrName>
+                                        </p:attrNameLst>
+                                      </p:cBhvr>
+                                      <p:to>
+                                        <p:strVal val="visible"/>
+                                      </p:to>
+                                    </p:set>
+                                  </p:childTnLst>
+                                </p:cTn>
+                              </p:par>
+                            </p:childTnLst>
+                          </p:cTn>
+                        </p:par>
+                      </p:childTnLst>
+                    </p:cTn>
+                  </p:par>
+                </p:childTnLst>
+              </p:cTn>
+              <p:prevCondLst>
+                <p:cond evt="onPrev" delay="0">
+                  <p:tgtEl>
+                    <p:sldTgt/>
+                  </p:tgtEl>
+                </p:cond>
+              </p:prevCondLst>
+              <p:nextCondLst>
+                <p:cond evt="onNext" delay="0">
+                  <p:tgtEl>
+                    <p:sldTgt/>
+                  </p:tgtEl>
+                </p:cond>
+              </p:nextCondLst>
+            </p:seq>
+          </p:childTnLst>
+        </p:cTn>
+      </p:par>
+    </p:tnLst>
+    <p:bldLst>
+      <p:bldP spid="5" grpId="0" build="p"/>
+    </p:bldLst>
+  </p:timing>
+</p:sld>
+</file>
+
+<file path=ppt/slides/slide33.xml><?xml version="1.0" encoding="utf-8"?>
+<p:sld xmlns:a="http://schemas.openxmlformats.org/drawingml/2006/main" xmlns:r="http://schemas.openxmlformats.org/officeDocument/2006/relationships" xmlns:p="http://schemas.openxmlformats.org/presentationml/2006/main">
+  <p:cSld>
+    <p:spTree>
+      <p:nvGrpSpPr>
+        <p:cNvPr id="1" name=""/>
+        <p:cNvGrpSpPr/>
+        <p:nvPr/>
+      </p:nvGrpSpPr>
+      <p:grpSpPr>
+        <a:xfrm>
+          <a:off x="0" y="0"/>
+          <a:ext cx="0" cy="0"/>
+          <a:chOff x="0" y="0"/>
+          <a:chExt cx="0" cy="0"/>
+        </a:xfrm>
+      </p:grpSpPr>
+      <p:sp>
+        <p:nvSpPr>
+          <p:cNvPr id="2" name="Title 1">
+            <a:extLst>
+              <a:ext uri="{FF2B5EF4-FFF2-40B4-BE49-F238E27FC236}">
+                <a16:creationId xmlns:a16="http://schemas.microsoft.com/office/drawing/2014/main" id="{1A228CF9-C9B5-4052-A518-0CE149A47A30}"/>
+              </a:ext>
+            </a:extLst>
+          </p:cNvPr>
+          <p:cNvSpPr>
+            <a:spLocks noGrp="1"/>
+          </p:cNvSpPr>
+          <p:nvPr>
+            <p:ph type="title"/>
+          </p:nvPr>
+        </p:nvSpPr>
+        <p:spPr/>
+        <p:txBody>
+          <a:bodyPr/>
+          <a:lstStyle/>
+          <a:p>
+            <a:r>
+              <a:rPr lang="en-US" dirty="0"/>
+              <a:t>What is a Software Development Life Cycle (SDLC)?</a:t>
+            </a:r>
+          </a:p>
+        </p:txBody>
+      </p:sp>
+      <p:sp>
+        <p:nvSpPr>
+          <p:cNvPr id="3" name="Content Placeholder 2">
+            <a:extLst>
+              <a:ext uri="{FF2B5EF4-FFF2-40B4-BE49-F238E27FC236}">
+                <a16:creationId xmlns:a16="http://schemas.microsoft.com/office/drawing/2014/main" id="{C1DE49F7-5FC0-4437-90E6-72B1C702F1D8}"/>
+              </a:ext>
+            </a:extLst>
+          </p:cNvPr>
+          <p:cNvSpPr>
+            <a:spLocks noGrp="1"/>
+          </p:cNvSpPr>
+          <p:nvPr>
+            <p:ph idx="1"/>
+          </p:nvPr>
+        </p:nvSpPr>
+        <p:spPr/>
+        <p:txBody>
+          <a:bodyPr/>
+          <a:lstStyle/>
+          <a:p>
+            <a:r>
+              <a:rPr lang="en-US" sz="2800" dirty="0"/>
+              <a:t>Software is not built in a vacuum, but follows certain process models</a:t>
+            </a:r>
+          </a:p>
+          <a:p>
+            <a:r>
+              <a:rPr lang="en-US" sz="2800" dirty="0"/>
+              <a:t>Choice of process determines </a:t>
+            </a:r>
+            <a:r>
+              <a:rPr lang="en-US" sz="2800" i="1" dirty="0"/>
+              <a:t>when</a:t>
+            </a:r>
+            <a:r>
+              <a:rPr lang="en-US" sz="2800" dirty="0"/>
+              <a:t> mistakes are found or how change is handled</a:t>
+            </a:r>
+          </a:p>
+          <a:p>
+            <a:r>
+              <a:rPr lang="en-US" sz="2800" dirty="0"/>
+              <a:t>SDLC: A structured process used by teams to design, develop, test and maintain high-quality software</a:t>
+            </a:r>
+          </a:p>
+          <a:p>
+            <a:r>
+              <a:rPr lang="en-US" sz="2800" dirty="0"/>
+              <a:t>For example, a simple model:</a:t>
+            </a:r>
+            <a:br>
+              <a:rPr lang="en-US" sz="2800" dirty="0"/>
+            </a:br>
+            <a:r>
+              <a:rPr lang="en-US" sz="2800" dirty="0"/>
+              <a:t>Requirements → Design → Code → Test → Deploy → Maintain</a:t>
+            </a:r>
+          </a:p>
+        </p:txBody>
+      </p:sp>
+      <p:sp>
+        <p:nvSpPr>
+          <p:cNvPr id="4" name="Date Placeholder 3">
+            <a:extLst>
+              <a:ext uri="{FF2B5EF4-FFF2-40B4-BE49-F238E27FC236}">
+                <a16:creationId xmlns:a16="http://schemas.microsoft.com/office/drawing/2014/main" id="{30EC243B-765C-4FF9-8D6F-9C0FC0E9B366}"/>
+              </a:ext>
+            </a:extLst>
+          </p:cNvPr>
+          <p:cNvSpPr>
+            <a:spLocks noGrp="1"/>
+          </p:cNvSpPr>
+          <p:nvPr>
+            <p:ph type="dt" sz="half" idx="10"/>
+          </p:nvPr>
+        </p:nvSpPr>
+        <p:spPr/>
+        <p:txBody>
+          <a:bodyPr/>
+          <a:lstStyle/>
+          <a:p>
+            <a:pPr>
+              <a:defRPr/>
+            </a:pPr>
+            <a:r>
+              <a:rPr lang="en-US"/>
+              <a:t>21/12/2020</a:t>
+            </a:r>
+          </a:p>
+        </p:txBody>
+      </p:sp>
+      <p:sp>
+        <p:nvSpPr>
+          <p:cNvPr id="5" name="Slide Number Placeholder 4">
+            <a:extLst>
+              <a:ext uri="{FF2B5EF4-FFF2-40B4-BE49-F238E27FC236}">
+                <a16:creationId xmlns:a16="http://schemas.microsoft.com/office/drawing/2014/main" id="{A2848DE2-FDCA-4D7D-A3B0-9D41E73DD7BA}"/>
+              </a:ext>
+            </a:extLst>
+          </p:cNvPr>
+          <p:cNvSpPr>
+            <a:spLocks noGrp="1"/>
+          </p:cNvSpPr>
+          <p:nvPr>
+            <p:ph type="sldNum" sz="quarter" idx="12"/>
+          </p:nvPr>
+        </p:nvSpPr>
+        <p:spPr/>
+        <p:txBody>
+          <a:bodyPr/>
+          <a:lstStyle/>
+          <a:p>
+            <a:pPr>
+              <a:defRPr/>
+            </a:pPr>
+            <a:fld id="{CA887A73-1AE0-46F8-856A-18EA1CF30A1B}" type="slidenum">
+              <a:rPr lang="en-US" altLang="en-US" smtClean="0"/>
+              <a:pPr>
+                <a:defRPr/>
+              </a:pPr>
+              <a:t>33</a:t>
+            </a:fld>
+            <a:endParaRPr lang="en-US" altLang="en-US"/>
+          </a:p>
+        </p:txBody>
+      </p:sp>
+    </p:spTree>
+    <p:extLst>
+      <p:ext uri="{BB962C8B-B14F-4D97-AF65-F5344CB8AC3E}">
+        <p14:creationId xmlns:p14="http://schemas.microsoft.com/office/powerpoint/2010/main" val="1082817005"/>
+      </p:ext>
+    </p:extLst>
+  </p:cSld>
+  <p:clrMapOvr>
+    <a:masterClrMapping/>
+  </p:clrMapOvr>
+  <p:timing>
+    <p:tnLst>
+      <p:par>
+        <p:cTn id="1" dur="indefinite" restart="never" nodeType="tmRoot">
+          <p:childTnLst>
+            <p:seq concurrent="1" nextAc="seek">
+              <p:cTn id="2" dur="indefinite" nodeType="mainSeq">
+                <p:childTnLst>
+                  <p:par>
+                    <p:cTn id="3" fill="hold">
+                      <p:stCondLst>
+                        <p:cond delay="indefinite"/>
+                      </p:stCondLst>
+                      <p:childTnLst>
+                        <p:par>
+                          <p:cTn id="4" fill="hold">
+                            <p:stCondLst>
+                              <p:cond delay="0"/>
+                            </p:stCondLst>
+                            <p:childTnLst>
+                              <p:par>
+                                <p:cTn id="5" presetID="1" presetClass="entr" presetSubtype="0" fill="hold" grpId="0" nodeType="clickEffect">
+                                  <p:stCondLst>
+                                    <p:cond delay="0"/>
+                                  </p:stCondLst>
+                                  <p:childTnLst>
+                                    <p:set>
+                                      <p:cBhvr>
+                                        <p:cTn id="6" dur="1" fill="hold">
+                                          <p:stCondLst>
+                                            <p:cond delay="0"/>
+                                          </p:stCondLst>
+                                        </p:cTn>
+                                        <p:tgtEl>
+                                          <p:spTgt spid="3">
+                                            <p:txEl>
+                                              <p:pRg st="0" end="0"/>
+                                            </p:txEl>
+                                          </p:spTgt>
+                                        </p:tgtEl>
+                                        <p:attrNameLst>
+                                          <p:attrName>style.visibility</p:attrName>
+                                        </p:attrNameLst>
+                                      </p:cBhvr>
+                                      <p:to>
+                                        <p:strVal val="visible"/>
+                                      </p:to>
+                                    </p:set>
+                                  </p:childTnLst>
+                                </p:cTn>
+                              </p:par>
+                            </p:childTnLst>
+                          </p:cTn>
+                        </p:par>
+                      </p:childTnLst>
+                    </p:cTn>
+                  </p:par>
+                  <p:par>
+                    <p:cTn id="7" fill="hold">
+                      <p:stCondLst>
+                        <p:cond delay="indefinite"/>
+                      </p:stCondLst>
+                      <p:childTnLst>
+                        <p:par>
+                          <p:cTn id="8" fill="hold">
+                            <p:stCondLst>
+                              <p:cond delay="0"/>
+                            </p:stCondLst>
+                            <p:childTnLst>
+                              <p:par>
+                                <p:cTn id="9" presetID="1" presetClass="entr" presetSubtype="0" fill="hold" grpId="0" nodeType="clickEffect">
+                                  <p:stCondLst>
+                                    <p:cond delay="0"/>
+                                  </p:stCondLst>
+                                  <p:childTnLst>
+                                    <p:set>
+                                      <p:cBhvr>
+                                        <p:cTn id="10" dur="1" fill="hold">
+                                          <p:stCondLst>
+                                            <p:cond delay="0"/>
+                                          </p:stCondLst>
+                                        </p:cTn>
+                                        <p:tgtEl>
+                                          <p:spTgt spid="3">
+                                            <p:txEl>
+                                              <p:pRg st="1" end="1"/>
+                                            </p:txEl>
+                                          </p:spTgt>
+                                        </p:tgtEl>
+                                        <p:attrNameLst>
+                                          <p:attrName>style.visibility</p:attrName>
+                                        </p:attrNameLst>
+                                      </p:cBhvr>
+                                      <p:to>
+                                        <p:strVal val="visible"/>
+                                      </p:to>
+                                    </p:set>
+                                  </p:childTnLst>
+                                </p:cTn>
+                              </p:par>
+                            </p:childTnLst>
+                          </p:cTn>
+                        </p:par>
+                      </p:childTnLst>
+                    </p:cTn>
+                  </p:par>
+                  <p:par>
+                    <p:cTn id="11" fill="hold">
+                      <p:stCondLst>
+                        <p:cond delay="indefinite"/>
+                      </p:stCondLst>
+                      <p:childTnLst>
+                        <p:par>
+                          <p:cTn id="12" fill="hold">
+                            <p:stCondLst>
+                              <p:cond delay="0"/>
+                            </p:stCondLst>
+                            <p:childTnLst>
+                              <p:par>
+                                <p:cTn id="13" presetID="1" presetClass="entr" presetSubtype="0" fill="hold" grpId="0" nodeType="clickEffect">
+                                  <p:stCondLst>
+                                    <p:cond delay="0"/>
+                                  </p:stCondLst>
+                                  <p:childTnLst>
+                                    <p:set>
+                                      <p:cBhvr>
+                                        <p:cTn id="14" dur="1" fill="hold">
+                                          <p:stCondLst>
+                                            <p:cond delay="0"/>
+                                          </p:stCondLst>
+                                        </p:cTn>
+                                        <p:tgtEl>
+                                          <p:spTgt spid="3">
+                                            <p:txEl>
+                                              <p:pRg st="2" end="2"/>
+                                            </p:txEl>
+                                          </p:spTgt>
+                                        </p:tgtEl>
+                                        <p:attrNameLst>
+                                          <p:attrName>style.visibility</p:attrName>
+                                        </p:attrNameLst>
+                                      </p:cBhvr>
+                                      <p:to>
+                                        <p:strVal val="visible"/>
+                                      </p:to>
+                                    </p:set>
+                                  </p:childTnLst>
+                                </p:cTn>
+                              </p:par>
+                            </p:childTnLst>
+                          </p:cTn>
+                        </p:par>
+                      </p:childTnLst>
+                    </p:cTn>
+                  </p:par>
+                  <p:par>
+                    <p:cTn id="15" fill="hold">
+                      <p:stCondLst>
+                        <p:cond delay="indefinite"/>
+                      </p:stCondLst>
+                      <p:childTnLst>
+                        <p:par>
+                          <p:cTn id="16" fill="hold">
+                            <p:stCondLst>
+                              <p:cond delay="0"/>
+                            </p:stCondLst>
+                            <p:childTnLst>
+                              <p:par>
+                                <p:cTn id="17" presetID="1" presetClass="entr" presetSubtype="0" fill="hold" grpId="0" nodeType="clickEffect">
+                                  <p:stCondLst>
+                                    <p:cond delay="0"/>
+                                  </p:stCondLst>
+                                  <p:childTnLst>
+                                    <p:set>
+                                      <p:cBhvr>
+                                        <p:cTn id="18" dur="1" fill="hold">
+                                          <p:stCondLst>
+                                            <p:cond delay="0"/>
+                                          </p:stCondLst>
+                                        </p:cTn>
+                                        <p:tgtEl>
+                                          <p:spTgt spid="3">
+                                            <p:txEl>
+                                              <p:pRg st="3" end="3"/>
+                                            </p:txEl>
+                                          </p:spTgt>
+                                        </p:tgtEl>
+                                        <p:attrNameLst>
+                                          <p:attrName>style.visibility</p:attrName>
+                                        </p:attrNameLst>
+                                      </p:cBhvr>
+                                      <p:to>
+                                        <p:strVal val="visible"/>
+                                      </p:to>
+                                    </p:set>
+                                  </p:childTnLst>
+                                </p:cTn>
+                              </p:par>
+                            </p:childTnLst>
+                          </p:cTn>
+                        </p:par>
+                      </p:childTnLst>
+                    </p:cTn>
+                  </p:par>
+                </p:childTnLst>
+              </p:cTn>
+              <p:prevCondLst>
+                <p:cond evt="onPrev" delay="0">
+                  <p:tgtEl>
+                    <p:sldTgt/>
+                  </p:tgtEl>
+                </p:cond>
+              </p:prevCondLst>
+              <p:nextCondLst>
+                <p:cond evt="onNext" delay="0">
+                  <p:tgtEl>
+                    <p:sldTgt/>
+                  </p:tgtEl>
+                </p:cond>
+              </p:nextCondLst>
+            </p:seq>
+          </p:childTnLst>
+        </p:cTn>
+      </p:par>
+    </p:tnLst>
+    <p:bldLst>
+      <p:bldP spid="3" grpId="0" build="p"/>
+    </p:bldLst>
+  </p:timing>
+</p:sld>
+</file>
+
+<file path=ppt/slides/slide34.xml><?xml version="1.0" encoding="utf-8"?>
+<p:sld xmlns:a="http://schemas.openxmlformats.org/drawingml/2006/main" xmlns:r="http://schemas.openxmlformats.org/officeDocument/2006/relationships" xmlns:p="http://schemas.openxmlformats.org/presentationml/2006/main">
+  <p:cSld>
+    <p:spTree>
+      <p:nvGrpSpPr>
+        <p:cNvPr id="1" name=""/>
+        <p:cNvGrpSpPr/>
+        <p:nvPr/>
+      </p:nvGrpSpPr>
+      <p:grpSpPr>
+        <a:xfrm>
+          <a:off x="0" y="0"/>
+          <a:ext cx="0" cy="0"/>
+          <a:chOff x="0" y="0"/>
+          <a:chExt cx="0" cy="0"/>
+        </a:xfrm>
+      </p:grpSpPr>
+      <p:pic>
+        <p:nvPicPr>
+          <p:cNvPr id="1026" name="Picture 2">
+            <a:extLst>
+              <a:ext uri="{FF2B5EF4-FFF2-40B4-BE49-F238E27FC236}">
+                <a16:creationId xmlns:a16="http://schemas.microsoft.com/office/drawing/2014/main" id="{46DA7F5E-14A8-446E-84CF-76A0138F78BB}"/>
+              </a:ext>
+            </a:extLst>
+          </p:cNvPr>
+          <p:cNvPicPr>
+            <a:picLocks noChangeAspect="1" noChangeArrowheads="1"/>
+          </p:cNvPicPr>
+          <p:nvPr/>
+        </p:nvPicPr>
+        <p:blipFill rotWithShape="1">
+          <a:blip r:embed="rId2">
+            <a:extLst>
+              <a:ext uri="{28A0092B-C50C-407E-A947-70E740481C1C}">
+                <a14:useLocalDpi xmlns:a14="http://schemas.microsoft.com/office/drawing/2010/main" val="0"/>
+              </a:ext>
+            </a:extLst>
+          </a:blip>
+          <a:srcRect l="1965" r="24046"/>
+          <a:stretch/>
+        </p:blipFill>
+        <p:spPr bwMode="auto">
+          <a:xfrm>
+            <a:off x="6096000" y="0"/>
+            <a:ext cx="3048000" cy="3295650"/>
+          </a:xfrm>
+          <a:prstGeom prst="rect">
+            <a:avLst/>
+          </a:prstGeom>
+          <a:noFill/>
+          <a:extLst>
+            <a:ext uri="{909E8E84-426E-40DD-AFC4-6F175D3DCCD1}">
+              <a14:hiddenFill xmlns:a14="http://schemas.microsoft.com/office/drawing/2010/main">
+                <a:solidFill>
+                  <a:srgbClr val="FFFFFF"/>
+                </a:solidFill>
+              </a14:hiddenFill>
+            </a:ext>
+          </a:extLst>
+        </p:spPr>
+      </p:pic>
+      <p:sp>
+        <p:nvSpPr>
+          <p:cNvPr id="2" name="Title 1">
+            <a:extLst>
+              <a:ext uri="{FF2B5EF4-FFF2-40B4-BE49-F238E27FC236}">
+                <a16:creationId xmlns:a16="http://schemas.microsoft.com/office/drawing/2014/main" id="{F0D46095-A71E-4302-BD3F-4264A9809509}"/>
+              </a:ext>
+            </a:extLst>
+          </p:cNvPr>
+          <p:cNvSpPr>
+            <a:spLocks noGrp="1"/>
+          </p:cNvSpPr>
+          <p:nvPr>
+            <p:ph type="title"/>
+          </p:nvPr>
+        </p:nvSpPr>
+        <p:spPr>
+          <a:xfrm>
+            <a:off x="152400" y="53975"/>
+            <a:ext cx="4872038" cy="1195386"/>
+          </a:xfrm>
+        </p:spPr>
+        <p:txBody>
+          <a:bodyPr/>
+          <a:lstStyle/>
+          <a:p>
+            <a:r>
+              <a:rPr lang="en-US" dirty="0"/>
+              <a:t>Classic SDLC:</a:t>
+            </a:r>
+            <a:br>
+              <a:rPr lang="en-US" dirty="0"/>
+            </a:br>
+            <a:r>
+              <a:rPr lang="en-US" dirty="0"/>
+              <a:t>The waterfall model</a:t>
+            </a:r>
+          </a:p>
+        </p:txBody>
+      </p:sp>
+      <p:sp>
+        <p:nvSpPr>
+          <p:cNvPr id="3" name="Content Placeholder 2">
+            <a:extLst>
+              <a:ext uri="{FF2B5EF4-FFF2-40B4-BE49-F238E27FC236}">
+                <a16:creationId xmlns:a16="http://schemas.microsoft.com/office/drawing/2014/main" id="{E272493A-B470-49DE-9A6D-4E3A0085C463}"/>
+              </a:ext>
+            </a:extLst>
+          </p:cNvPr>
+          <p:cNvSpPr>
+            <a:spLocks noGrp="1"/>
+          </p:cNvSpPr>
+          <p:nvPr>
+            <p:ph idx="1"/>
+          </p:nvPr>
+        </p:nvSpPr>
+        <p:spPr/>
+        <p:txBody>
+          <a:bodyPr>
+            <a:normAutofit fontScale="92500" lnSpcReduction="10000"/>
+          </a:bodyPr>
+          <a:lstStyle/>
+          <a:p>
+            <a:r>
+              <a:rPr lang="en-US" dirty="0"/>
+              <a:t>Linear / sequential</a:t>
+            </a:r>
+          </a:p>
+          <a:p>
+            <a:r>
+              <a:rPr lang="en-US" dirty="0"/>
+              <a:t>Each phase completed before next</a:t>
+            </a:r>
+          </a:p>
+          <a:p>
+            <a:r>
+              <a:rPr lang="en-US" dirty="0"/>
+              <a:t>Clear milestones</a:t>
+            </a:r>
+          </a:p>
+          <a:p>
+            <a:endParaRPr lang="en-US" dirty="0"/>
+          </a:p>
+          <a:p>
+            <a:r>
+              <a:rPr lang="en-US" dirty="0"/>
+              <a:t>What are the problems with this model?</a:t>
+            </a:r>
+          </a:p>
+          <a:p>
+            <a:pPr lvl="1"/>
+            <a:r>
+              <a:rPr lang="en-US" dirty="0"/>
+              <a:t>Testing occurs late (if a fundamental requirement is wrong, you find it out at the very end!)</a:t>
+            </a:r>
+          </a:p>
+          <a:p>
+            <a:pPr lvl="1"/>
+            <a:r>
+              <a:rPr lang="en-US" dirty="0"/>
+              <a:t>Expensive to rework</a:t>
+            </a:r>
+          </a:p>
+          <a:p>
+            <a:pPr lvl="1"/>
+            <a:r>
+              <a:rPr lang="en-US" dirty="0"/>
+              <a:t>Link between intent (requirements) and evidence (testing) is weak</a:t>
+            </a:r>
+          </a:p>
+          <a:p>
+            <a:pPr lvl="1"/>
+            <a:r>
+              <a:rPr lang="en-US" dirty="0"/>
+              <a:t>Rigidity: Changing anything requires rework of entire chain</a:t>
+            </a:r>
+          </a:p>
+        </p:txBody>
+      </p:sp>
+      <p:sp>
+        <p:nvSpPr>
+          <p:cNvPr id="4" name="Date Placeholder 3">
+            <a:extLst>
+              <a:ext uri="{FF2B5EF4-FFF2-40B4-BE49-F238E27FC236}">
+                <a16:creationId xmlns:a16="http://schemas.microsoft.com/office/drawing/2014/main" id="{16AE76F5-11F7-4CDC-89A5-319A5AA6FF13}"/>
+              </a:ext>
+            </a:extLst>
+          </p:cNvPr>
+          <p:cNvSpPr>
+            <a:spLocks noGrp="1"/>
+          </p:cNvSpPr>
+          <p:nvPr>
+            <p:ph type="dt" sz="half" idx="10"/>
+          </p:nvPr>
+        </p:nvSpPr>
+        <p:spPr/>
+        <p:txBody>
+          <a:bodyPr/>
+          <a:lstStyle/>
+          <a:p>
+            <a:pPr>
+              <a:defRPr/>
+            </a:pPr>
+            <a:r>
+              <a:rPr lang="en-US"/>
+              <a:t>21/12/2020</a:t>
+            </a:r>
+          </a:p>
+        </p:txBody>
+      </p:sp>
+      <p:sp>
+        <p:nvSpPr>
+          <p:cNvPr id="5" name="Slide Number Placeholder 4">
+            <a:extLst>
+              <a:ext uri="{FF2B5EF4-FFF2-40B4-BE49-F238E27FC236}">
+                <a16:creationId xmlns:a16="http://schemas.microsoft.com/office/drawing/2014/main" id="{7988EAD0-6FB3-4C4D-8C80-3132C541BB8E}"/>
+              </a:ext>
+            </a:extLst>
+          </p:cNvPr>
+          <p:cNvSpPr>
+            <a:spLocks noGrp="1"/>
+          </p:cNvSpPr>
+          <p:nvPr>
+            <p:ph type="sldNum" sz="quarter" idx="12"/>
+          </p:nvPr>
+        </p:nvSpPr>
+        <p:spPr/>
+        <p:txBody>
+          <a:bodyPr/>
+          <a:lstStyle/>
+          <a:p>
+            <a:pPr>
+              <a:defRPr/>
+            </a:pPr>
+            <a:fld id="{CA887A73-1AE0-46F8-856A-18EA1CF30A1B}" type="slidenum">
+              <a:rPr lang="en-US" altLang="en-US" smtClean="0"/>
+              <a:pPr>
+                <a:defRPr/>
+              </a:pPr>
+              <a:t>34</a:t>
+            </a:fld>
+            <a:endParaRPr lang="en-US" altLang="en-US"/>
+          </a:p>
+        </p:txBody>
+      </p:sp>
+    </p:spTree>
+    <p:extLst>
+      <p:ext uri="{BB962C8B-B14F-4D97-AF65-F5344CB8AC3E}">
+        <p14:creationId xmlns:p14="http://schemas.microsoft.com/office/powerpoint/2010/main" val="451443331"/>
+      </p:ext>
+    </p:extLst>
+  </p:cSld>
+  <p:clrMapOvr>
+    <a:masterClrMapping/>
+  </p:clrMapOvr>
+  <p:timing>
+    <p:tnLst>
+      <p:par>
+        <p:cTn id="1" dur="indefinite" restart="never" nodeType="tmRoot">
+          <p:childTnLst>
+            <p:seq concurrent="1" nextAc="seek">
+              <p:cTn id="2" dur="indefinite" nodeType="mainSeq">
+                <p:childTnLst>
+                  <p:par>
+                    <p:cTn id="3" fill="hold">
+                      <p:stCondLst>
+                        <p:cond delay="indefinite"/>
+                      </p:stCondLst>
+                      <p:childTnLst>
+                        <p:par>
+                          <p:cTn id="4" fill="hold">
+                            <p:stCondLst>
+                              <p:cond delay="0"/>
+                            </p:stCondLst>
+                            <p:childTnLst>
+                              <p:par>
+                                <p:cTn id="5" presetID="1" presetClass="entr" presetSubtype="0" fill="hold" nodeType="clickEffect">
+                                  <p:stCondLst>
+                                    <p:cond delay="0"/>
+                                  </p:stCondLst>
+                                  <p:childTnLst>
+                                    <p:set>
+                                      <p:cBhvr>
+                                        <p:cTn id="6" dur="1" fill="hold">
+                                          <p:stCondLst>
+                                            <p:cond delay="0"/>
+                                          </p:stCondLst>
+                                        </p:cTn>
+                                        <p:tgtEl>
+                                          <p:spTgt spid="1026"/>
+                                        </p:tgtEl>
+                                        <p:attrNameLst>
+                                          <p:attrName>style.visibility</p:attrName>
+                                        </p:attrNameLst>
+                                      </p:cBhvr>
+                                      <p:to>
+                                        <p:strVal val="visible"/>
+                                      </p:to>
+                                    </p:set>
+                                  </p:childTnLst>
+                                </p:cTn>
+                              </p:par>
+                            </p:childTnLst>
+                          </p:cTn>
+                        </p:par>
+                      </p:childTnLst>
+                    </p:cTn>
+                  </p:par>
+                  <p:par>
+                    <p:cTn id="7" fill="hold">
+                      <p:stCondLst>
+                        <p:cond delay="indefinite"/>
+                      </p:stCondLst>
+                      <p:childTnLst>
+                        <p:par>
+                          <p:cTn id="8" fill="hold">
+                            <p:stCondLst>
+                              <p:cond delay="0"/>
+                            </p:stCondLst>
+                            <p:childTnLst>
+                              <p:par>
+                                <p:cTn id="9" presetID="1" presetClass="entr" presetSubtype="0" fill="hold" grpId="0" nodeType="clickEffect">
+                                  <p:stCondLst>
+                                    <p:cond delay="0"/>
+                                  </p:stCondLst>
+                                  <p:childTnLst>
+                                    <p:set>
+                                      <p:cBhvr>
+                                        <p:cTn id="10" dur="1" fill="hold">
+                                          <p:stCondLst>
+                                            <p:cond delay="0"/>
+                                          </p:stCondLst>
+                                        </p:cTn>
+                                        <p:tgtEl>
+                                          <p:spTgt spid="3">
+                                            <p:txEl>
+                                              <p:pRg st="0" end="0"/>
+                                            </p:txEl>
+                                          </p:spTgt>
+                                        </p:tgtEl>
+                                        <p:attrNameLst>
+                                          <p:attrName>style.visibility</p:attrName>
+                                        </p:attrNameLst>
+                                      </p:cBhvr>
+                                      <p:to>
+                                        <p:strVal val="visible"/>
+                                      </p:to>
+                                    </p:set>
+                                  </p:childTnLst>
+                                </p:cTn>
+                              </p:par>
+                            </p:childTnLst>
+                          </p:cTn>
+                        </p:par>
+                      </p:childTnLst>
+                    </p:cTn>
+                  </p:par>
+                  <p:par>
+                    <p:cTn id="11" fill="hold">
+                      <p:stCondLst>
+                        <p:cond delay="indefinite"/>
+                      </p:stCondLst>
+                      <p:childTnLst>
+                        <p:par>
+                          <p:cTn id="12" fill="hold">
+                            <p:stCondLst>
+                              <p:cond delay="0"/>
+                            </p:stCondLst>
+                            <p:childTnLst>
+                              <p:par>
+                                <p:cTn id="13" presetID="1" presetClass="entr" presetSubtype="0" fill="hold" grpId="0" nodeType="clickEffect">
+                                  <p:stCondLst>
+                                    <p:cond delay="0"/>
+                                  </p:stCondLst>
+                                  <p:childTnLst>
+                                    <p:set>
+                                      <p:cBhvr>
+                                        <p:cTn id="14" dur="1" fill="hold">
+                                          <p:stCondLst>
+                                            <p:cond delay="0"/>
+                                          </p:stCondLst>
+                                        </p:cTn>
+                                        <p:tgtEl>
+                                          <p:spTgt spid="3">
+                                            <p:txEl>
+                                              <p:pRg st="1" end="1"/>
+                                            </p:txEl>
+                                          </p:spTgt>
+                                        </p:tgtEl>
+                                        <p:attrNameLst>
+                                          <p:attrName>style.visibility</p:attrName>
+                                        </p:attrNameLst>
+                                      </p:cBhvr>
+                                      <p:to>
+                                        <p:strVal val="visible"/>
+                                      </p:to>
+                                    </p:set>
+                                  </p:childTnLst>
+                                </p:cTn>
+                              </p:par>
+                            </p:childTnLst>
+                          </p:cTn>
+                        </p:par>
+                      </p:childTnLst>
+                    </p:cTn>
+                  </p:par>
+                  <p:par>
+                    <p:cTn id="15" fill="hold">
+                      <p:stCondLst>
+                        <p:cond delay="indefinite"/>
+                      </p:stCondLst>
+                      <p:childTnLst>
+                        <p:par>
+                          <p:cTn id="16" fill="hold">
+                            <p:stCondLst>
+                              <p:cond delay="0"/>
+                            </p:stCondLst>
+                            <p:childTnLst>
+                              <p:par>
+                                <p:cTn id="17" presetID="1" presetClass="entr" presetSubtype="0" fill="hold" grpId="0" nodeType="clickEffect">
+                                  <p:stCondLst>
+                                    <p:cond delay="0"/>
+                                  </p:stCondLst>
+                                  <p:childTnLst>
+                                    <p:set>
+                                      <p:cBhvr>
+                                        <p:cTn id="18" dur="1" fill="hold">
+                                          <p:stCondLst>
+                                            <p:cond delay="0"/>
+                                          </p:stCondLst>
+                                        </p:cTn>
+                                        <p:tgtEl>
+                                          <p:spTgt spid="3">
+                                            <p:txEl>
+                                              <p:pRg st="2" end="2"/>
+                                            </p:txEl>
+                                          </p:spTgt>
+                                        </p:tgtEl>
+                                        <p:attrNameLst>
+                                          <p:attrName>style.visibility</p:attrName>
+                                        </p:attrNameLst>
+                                      </p:cBhvr>
+                                      <p:to>
+                                        <p:strVal val="visible"/>
+                                      </p:to>
+                                    </p:set>
+                                  </p:childTnLst>
+                                </p:cTn>
+                              </p:par>
+                            </p:childTnLst>
+                          </p:cTn>
+                        </p:par>
+                      </p:childTnLst>
+                    </p:cTn>
+                  </p:par>
+                  <p:par>
+                    <p:cTn id="19" fill="hold">
+                      <p:stCondLst>
+                        <p:cond delay="indefinite"/>
+                      </p:stCondLst>
+                      <p:childTnLst>
+                        <p:par>
+                          <p:cTn id="20" fill="hold">
+                            <p:stCondLst>
+                              <p:cond delay="0"/>
+                            </p:stCondLst>
+                            <p:childTnLst>
+                              <p:par>
+                                <p:cTn id="21" presetID="1" presetClass="entr" presetSubtype="0" fill="hold" grpId="0" nodeType="clickEffect">
+                                  <p:stCondLst>
+                                    <p:cond delay="0"/>
+                                  </p:stCondLst>
+                                  <p:childTnLst>
+                                    <p:set>
+                                      <p:cBhvr>
+                                        <p:cTn id="22" dur="1" fill="hold">
+                                          <p:stCondLst>
+                                            <p:cond delay="0"/>
+                                          </p:stCondLst>
+                                        </p:cTn>
+                                        <p:tgtEl>
+                                          <p:spTgt spid="3">
+                                            <p:txEl>
+                                              <p:pRg st="4" end="4"/>
+                                            </p:txEl>
+                                          </p:spTgt>
+                                        </p:tgtEl>
+                                        <p:attrNameLst>
+                                          <p:attrName>style.visibility</p:attrName>
+                                        </p:attrNameLst>
+                                      </p:cBhvr>
+                                      <p:to>
+                                        <p:strVal val="visible"/>
+                                      </p:to>
+                                    </p:set>
+                                  </p:childTnLst>
+                                </p:cTn>
+                              </p:par>
+                            </p:childTnLst>
+                          </p:cTn>
+                        </p:par>
+                      </p:childTnLst>
+                    </p:cTn>
+                  </p:par>
+                  <p:par>
+                    <p:cTn id="23" fill="hold">
+                      <p:stCondLst>
+                        <p:cond delay="indefinite"/>
+                      </p:stCondLst>
+                      <p:childTnLst>
+                        <p:par>
+                          <p:cTn id="24" fill="hold">
+                            <p:stCondLst>
+                              <p:cond delay="0"/>
+                            </p:stCondLst>
+                            <p:childTnLst>
+                              <p:par>
+                                <p:cTn id="25" presetID="1" presetClass="entr" presetSubtype="0" fill="hold" grpId="0" nodeType="clickEffect">
+                                  <p:stCondLst>
+                                    <p:cond delay="0"/>
+                                  </p:stCondLst>
+                                  <p:childTnLst>
+                                    <p:set>
+                                      <p:cBhvr>
+                                        <p:cTn id="26" dur="1" fill="hold">
+                                          <p:stCondLst>
+                                            <p:cond delay="0"/>
+                                          </p:stCondLst>
+                                        </p:cTn>
+                                        <p:tgtEl>
+                                          <p:spTgt spid="3">
+                                            <p:txEl>
+                                              <p:pRg st="5" end="5"/>
+                                            </p:txEl>
+                                          </p:spTgt>
+                                        </p:tgtEl>
+                                        <p:attrNameLst>
+                                          <p:attrName>style.visibility</p:attrName>
+                                        </p:attrNameLst>
+                                      </p:cBhvr>
+                                      <p:to>
+                                        <p:strVal val="visible"/>
+                                      </p:to>
+                                    </p:set>
+                                  </p:childTnLst>
+                                </p:cTn>
+                              </p:par>
+                            </p:childTnLst>
+                          </p:cTn>
+                        </p:par>
+                      </p:childTnLst>
+                    </p:cTn>
+                  </p:par>
+                  <p:par>
+                    <p:cTn id="27" fill="hold">
+                      <p:stCondLst>
+                        <p:cond delay="indefinite"/>
+                      </p:stCondLst>
+                      <p:childTnLst>
+                        <p:par>
+                          <p:cTn id="28" fill="hold">
+                            <p:stCondLst>
+                              <p:cond delay="0"/>
+                            </p:stCondLst>
+                            <p:childTnLst>
+                              <p:par>
+                                <p:cTn id="29" presetID="1" presetClass="entr" presetSubtype="0" fill="hold" grpId="0" nodeType="clickEffect">
+                                  <p:stCondLst>
+                                    <p:cond delay="0"/>
+                                  </p:stCondLst>
+                                  <p:childTnLst>
+                                    <p:set>
+                                      <p:cBhvr>
+                                        <p:cTn id="30" dur="1" fill="hold">
+                                          <p:stCondLst>
+                                            <p:cond delay="0"/>
+                                          </p:stCondLst>
+                                        </p:cTn>
+                                        <p:tgtEl>
+                                          <p:spTgt spid="3">
+                                            <p:txEl>
+                                              <p:pRg st="6" end="6"/>
+                                            </p:txEl>
+                                          </p:spTgt>
+                                        </p:tgtEl>
+                                        <p:attrNameLst>
+                                          <p:attrName>style.visibility</p:attrName>
+                                        </p:attrNameLst>
+                                      </p:cBhvr>
+                                      <p:to>
+                                        <p:strVal val="visible"/>
+                                      </p:to>
+                                    </p:set>
+                                  </p:childTnLst>
+                                </p:cTn>
+                              </p:par>
+                            </p:childTnLst>
+                          </p:cTn>
+                        </p:par>
+                      </p:childTnLst>
+                    </p:cTn>
+                  </p:par>
+                  <p:par>
+                    <p:cTn id="31" fill="hold">
+                      <p:stCondLst>
+                        <p:cond delay="indefinite"/>
+                      </p:stCondLst>
+                      <p:childTnLst>
+                        <p:par>
+                          <p:cTn id="32" fill="hold">
+                            <p:stCondLst>
+                              <p:cond delay="0"/>
+                            </p:stCondLst>
+                            <p:childTnLst>
+                              <p:par>
+                                <p:cTn id="33" presetID="1" presetClass="entr" presetSubtype="0" fill="hold" grpId="0" nodeType="clickEffect">
+                                  <p:stCondLst>
+                                    <p:cond delay="0"/>
+                                  </p:stCondLst>
+                                  <p:childTnLst>
+                                    <p:set>
+                                      <p:cBhvr>
+                                        <p:cTn id="34" dur="1" fill="hold">
+                                          <p:stCondLst>
+                                            <p:cond delay="0"/>
+                                          </p:stCondLst>
+                                        </p:cTn>
+                                        <p:tgtEl>
+                                          <p:spTgt spid="3">
+                                            <p:txEl>
+                                              <p:pRg st="7" end="7"/>
+                                            </p:txEl>
+                                          </p:spTgt>
+                                        </p:tgtEl>
+                                        <p:attrNameLst>
+                                          <p:attrName>style.visibility</p:attrName>
+                                        </p:attrNameLst>
+                                      </p:cBhvr>
+                                      <p:to>
+                                        <p:strVal val="visible"/>
+                                      </p:to>
+                                    </p:set>
+                                  </p:childTnLst>
+                                </p:cTn>
+                              </p:par>
+                            </p:childTnLst>
+                          </p:cTn>
+                        </p:par>
+                      </p:childTnLst>
+                    </p:cTn>
+                  </p:par>
+                  <p:par>
+                    <p:cTn id="35" fill="hold">
+                      <p:stCondLst>
+                        <p:cond delay="indefinite"/>
+                      </p:stCondLst>
+                      <p:childTnLst>
+                        <p:par>
+                          <p:cTn id="36" fill="hold">
+                            <p:stCondLst>
+                              <p:cond delay="0"/>
+                            </p:stCondLst>
+                            <p:childTnLst>
+                              <p:par>
+                                <p:cTn id="37" presetID="1" presetClass="entr" presetSubtype="0" fill="hold" grpId="0" nodeType="clickEffect">
+                                  <p:stCondLst>
+                                    <p:cond delay="0"/>
+                                  </p:stCondLst>
+                                  <p:childTnLst>
+                                    <p:set>
+                                      <p:cBhvr>
+                                        <p:cTn id="38" dur="1" fill="hold">
+                                          <p:stCondLst>
+                                            <p:cond delay="0"/>
+                                          </p:stCondLst>
+                                        </p:cTn>
+                                        <p:tgtEl>
+                                          <p:spTgt spid="3">
+                                            <p:txEl>
+                                              <p:pRg st="8" end="8"/>
+                                            </p:txEl>
+                                          </p:spTgt>
+                                        </p:tgtEl>
+                                        <p:attrNameLst>
+                                          <p:attrName>style.visibility</p:attrName>
+                                        </p:attrNameLst>
+                                      </p:cBhvr>
+                                      <p:to>
+                                        <p:strVal val="visible"/>
+                                      </p:to>
+                                    </p:set>
+                                  </p:childTnLst>
+                                </p:cTn>
+                              </p:par>
+                            </p:childTnLst>
+                          </p:cTn>
+                        </p:par>
+                      </p:childTnLst>
+                    </p:cTn>
+                  </p:par>
+                </p:childTnLst>
+              </p:cTn>
+              <p:prevCondLst>
+                <p:cond evt="onPrev" delay="0">
+                  <p:tgtEl>
+                    <p:sldTgt/>
+                  </p:tgtEl>
+                </p:cond>
+              </p:prevCondLst>
+              <p:nextCondLst>
+                <p:cond evt="onNext" delay="0">
+                  <p:tgtEl>
+                    <p:sldTgt/>
+                  </p:tgtEl>
+                </p:cond>
+              </p:nextCondLst>
+            </p:seq>
+          </p:childTnLst>
+        </p:cTn>
+      </p:par>
+    </p:tnLst>
+    <p:bldLst>
+      <p:bldP spid="3" grpId="0" build="p"/>
+    </p:bldLst>
+  </p:timing>
+</p:sld>
+</file>
+
+<file path=ppt/slides/slide35.xml><?xml version="1.0" encoding="utf-8"?>
+<p:sld xmlns:a="http://schemas.openxmlformats.org/drawingml/2006/main" xmlns:r="http://schemas.openxmlformats.org/officeDocument/2006/relationships" xmlns:p="http://schemas.openxmlformats.org/presentationml/2006/main">
+  <p:cSld>
+    <p:spTree>
+      <p:nvGrpSpPr>
+        <p:cNvPr id="1" name=""/>
+        <p:cNvGrpSpPr/>
+        <p:nvPr/>
+      </p:nvGrpSpPr>
+      <p:grpSpPr>
+        <a:xfrm>
+          <a:off x="0" y="0"/>
+          <a:ext cx="0" cy="0"/>
+          <a:chOff x="0" y="0"/>
+          <a:chExt cx="0" cy="0"/>
+        </a:xfrm>
+      </p:grpSpPr>
+      <p:sp>
+        <p:nvSpPr>
+          <p:cNvPr id="2" name="Title 1">
+            <a:extLst>
+              <a:ext uri="{FF2B5EF4-FFF2-40B4-BE49-F238E27FC236}">
+                <a16:creationId xmlns:a16="http://schemas.microsoft.com/office/drawing/2014/main" id="{3FBED650-D94A-4251-86DF-144A3BD2605A}"/>
+              </a:ext>
+            </a:extLst>
+          </p:cNvPr>
+          <p:cNvSpPr>
+            <a:spLocks noGrp="1"/>
+          </p:cNvSpPr>
+          <p:nvPr>
+            <p:ph type="title"/>
+          </p:nvPr>
+        </p:nvSpPr>
+        <p:spPr>
+          <a:xfrm>
+            <a:off x="152400" y="53975"/>
+            <a:ext cx="5187164" cy="1195386"/>
+          </a:xfrm>
+        </p:spPr>
+        <p:txBody>
+          <a:bodyPr/>
+          <a:lstStyle/>
+          <a:p>
+            <a:r>
+              <a:rPr lang="en-US" dirty="0"/>
+              <a:t>Iterative / Incremental models</a:t>
+            </a:r>
+          </a:p>
+        </p:txBody>
+      </p:sp>
+      <p:sp>
+        <p:nvSpPr>
+          <p:cNvPr id="3" name="Content Placeholder 2">
+            <a:extLst>
+              <a:ext uri="{FF2B5EF4-FFF2-40B4-BE49-F238E27FC236}">
+                <a16:creationId xmlns:a16="http://schemas.microsoft.com/office/drawing/2014/main" id="{D2B607D4-2FAF-4D75-BAAD-AEFD24BAFA85}"/>
+              </a:ext>
+            </a:extLst>
+          </p:cNvPr>
+          <p:cNvSpPr>
+            <a:spLocks noGrp="1"/>
+          </p:cNvSpPr>
+          <p:nvPr>
+            <p:ph idx="1"/>
+          </p:nvPr>
+        </p:nvSpPr>
+        <p:spPr>
+          <a:xfrm>
+            <a:off x="152400" y="1446211"/>
+            <a:ext cx="5638800" cy="5014912"/>
+          </a:xfrm>
+        </p:spPr>
+        <p:txBody>
+          <a:bodyPr>
+            <a:normAutofit fontScale="85000" lnSpcReduction="20000"/>
+          </a:bodyPr>
+          <a:lstStyle/>
+          <a:p>
+            <a:pPr marL="0" indent="0">
+              <a:buNone/>
+            </a:pPr>
+            <a:r>
+              <a:rPr lang="en-US" dirty="0"/>
+              <a:t>Development occurs in short "Sprints“; each sprint delivers a "Minimum Viable Product" (MVP)</a:t>
+            </a:r>
+          </a:p>
+          <a:p>
+            <a:pPr marL="0" indent="0">
+              <a:buNone/>
+            </a:pPr>
+            <a:endParaRPr lang="en-US" dirty="0"/>
+          </a:p>
+          <a:p>
+            <a:pPr marL="0" indent="0">
+              <a:buNone/>
+            </a:pPr>
+            <a:r>
+              <a:rPr lang="en-US" dirty="0"/>
+              <a:t>Advantages:</a:t>
+            </a:r>
+          </a:p>
+          <a:p>
+            <a:r>
+              <a:rPr lang="en-US" dirty="0"/>
+              <a:t>Highly adaptable to changing needs</a:t>
+            </a:r>
+          </a:p>
+          <a:p>
+            <a:r>
+              <a:rPr lang="en-US" dirty="0"/>
+              <a:t>Early visible progress</a:t>
+            </a:r>
+          </a:p>
+          <a:p>
+            <a:r>
+              <a:rPr lang="en-US" dirty="0"/>
+              <a:t>Easier debugging</a:t>
+            </a:r>
+          </a:p>
+          <a:p>
+            <a:r>
+              <a:rPr lang="en-US" dirty="0"/>
+              <a:t>Stakeholders can see functionality early (requirements verification can start early)</a:t>
+            </a:r>
+          </a:p>
+          <a:p>
+            <a:r>
+              <a:rPr lang="en-US" dirty="0"/>
+              <a:t>Continuous feedback and refinement</a:t>
+            </a:r>
+          </a:p>
+        </p:txBody>
+      </p:sp>
+      <p:sp>
+        <p:nvSpPr>
+          <p:cNvPr id="4" name="Date Placeholder 3">
+            <a:extLst>
+              <a:ext uri="{FF2B5EF4-FFF2-40B4-BE49-F238E27FC236}">
+                <a16:creationId xmlns:a16="http://schemas.microsoft.com/office/drawing/2014/main" id="{FDBDF3D3-9E92-46EA-8A02-B015C4D079F4}"/>
+              </a:ext>
+            </a:extLst>
+          </p:cNvPr>
+          <p:cNvSpPr>
+            <a:spLocks noGrp="1"/>
+          </p:cNvSpPr>
+          <p:nvPr>
+            <p:ph type="dt" sz="half" idx="10"/>
+          </p:nvPr>
+        </p:nvSpPr>
+        <p:spPr/>
+        <p:txBody>
+          <a:bodyPr/>
+          <a:lstStyle/>
+          <a:p>
+            <a:pPr>
+              <a:defRPr/>
+            </a:pPr>
+            <a:r>
+              <a:rPr lang="en-US"/>
+              <a:t>21/12/2020</a:t>
+            </a:r>
+          </a:p>
+        </p:txBody>
+      </p:sp>
+      <p:sp>
+        <p:nvSpPr>
+          <p:cNvPr id="5" name="Slide Number Placeholder 4">
+            <a:extLst>
+              <a:ext uri="{FF2B5EF4-FFF2-40B4-BE49-F238E27FC236}">
+                <a16:creationId xmlns:a16="http://schemas.microsoft.com/office/drawing/2014/main" id="{93C0747C-C362-49F5-8DD5-E21883409487}"/>
+              </a:ext>
+            </a:extLst>
+          </p:cNvPr>
+          <p:cNvSpPr>
+            <a:spLocks noGrp="1"/>
+          </p:cNvSpPr>
+          <p:nvPr>
+            <p:ph type="sldNum" sz="quarter" idx="12"/>
+          </p:nvPr>
+        </p:nvSpPr>
+        <p:spPr/>
+        <p:txBody>
+          <a:bodyPr/>
+          <a:lstStyle/>
+          <a:p>
+            <a:pPr>
+              <a:defRPr/>
+            </a:pPr>
+            <a:fld id="{CA887A73-1AE0-46F8-856A-18EA1CF30A1B}" type="slidenum">
+              <a:rPr lang="en-US" altLang="en-US" smtClean="0"/>
+              <a:pPr>
+                <a:defRPr/>
+              </a:pPr>
+              <a:t>35</a:t>
+            </a:fld>
+            <a:endParaRPr lang="en-US" altLang="en-US"/>
+          </a:p>
+        </p:txBody>
+      </p:sp>
+      <p:pic>
+        <p:nvPicPr>
+          <p:cNvPr id="7" name="Picture 6">
+            <a:extLst>
+              <a:ext uri="{FF2B5EF4-FFF2-40B4-BE49-F238E27FC236}">
+                <a16:creationId xmlns:a16="http://schemas.microsoft.com/office/drawing/2014/main" id="{85642EC1-3BF2-4602-9074-A96DAF2150E0}"/>
+              </a:ext>
+            </a:extLst>
+          </p:cNvPr>
+          <p:cNvPicPr>
+            <a:picLocks noChangeAspect="1"/>
+          </p:cNvPicPr>
+          <p:nvPr/>
+        </p:nvPicPr>
+        <p:blipFill rotWithShape="1">
+          <a:blip r:embed="rId2"/>
+          <a:srcRect t="1" b="81734"/>
+          <a:stretch/>
+        </p:blipFill>
+        <p:spPr>
+          <a:xfrm>
+            <a:off x="6019800" y="1991823"/>
+            <a:ext cx="3130296" cy="827577"/>
+          </a:xfrm>
+          <a:prstGeom prst="rect">
+            <a:avLst/>
+          </a:prstGeom>
+        </p:spPr>
+      </p:pic>
+      <p:pic>
+        <p:nvPicPr>
+          <p:cNvPr id="8" name="Picture 2" descr="Volumetric Infusion Pump | NXP FRDM | Maker Pro">
+            <a:extLst>
+              <a:ext uri="{FF2B5EF4-FFF2-40B4-BE49-F238E27FC236}">
+                <a16:creationId xmlns:a16="http://schemas.microsoft.com/office/drawing/2014/main" id="{671D864E-F974-4A38-AFED-3E87DD866069}"/>
+              </a:ext>
+            </a:extLst>
+          </p:cNvPr>
+          <p:cNvPicPr>
+            <a:picLocks noChangeAspect="1" noChangeArrowheads="1"/>
+          </p:cNvPicPr>
+          <p:nvPr/>
+        </p:nvPicPr>
+        <p:blipFill>
+          <a:blip r:embed="rId3">
+            <a:extLst>
+              <a:ext uri="{28A0092B-C50C-407E-A947-70E740481C1C}">
+                <a14:useLocalDpi xmlns:a14="http://schemas.microsoft.com/office/drawing/2010/main" val="0"/>
+              </a:ext>
+            </a:extLst>
+          </a:blip>
+          <a:srcRect/>
+          <a:stretch>
+            <a:fillRect/>
+          </a:stretch>
+        </p:blipFill>
+        <p:spPr bwMode="auto">
+          <a:xfrm>
+            <a:off x="6019800" y="1"/>
+            <a:ext cx="3124200" cy="1939608"/>
+          </a:xfrm>
+          <a:prstGeom prst="rect">
+            <a:avLst/>
+          </a:prstGeom>
+          <a:noFill/>
+          <a:extLst>
+            <a:ext uri="{909E8E84-426E-40DD-AFC4-6F175D3DCCD1}">
+              <a14:hiddenFill xmlns:a14="http://schemas.microsoft.com/office/drawing/2010/main">
+                <a:solidFill>
+                  <a:srgbClr val="FFFFFF"/>
+                </a:solidFill>
+              </a14:hiddenFill>
+            </a:ext>
+          </a:extLst>
+        </p:spPr>
+      </p:pic>
+      <p:pic>
+        <p:nvPicPr>
+          <p:cNvPr id="9" name="Picture 8">
+            <a:extLst>
+              <a:ext uri="{FF2B5EF4-FFF2-40B4-BE49-F238E27FC236}">
+                <a16:creationId xmlns:a16="http://schemas.microsoft.com/office/drawing/2014/main" id="{80C37AE4-F0FE-4E43-A2BB-6F8A065781B1}"/>
+              </a:ext>
+            </a:extLst>
+          </p:cNvPr>
+          <p:cNvPicPr>
+            <a:picLocks noChangeAspect="1"/>
+          </p:cNvPicPr>
+          <p:nvPr/>
+        </p:nvPicPr>
+        <p:blipFill rotWithShape="1">
+          <a:blip r:embed="rId2"/>
+          <a:srcRect t="2" b="61552"/>
+          <a:stretch/>
+        </p:blipFill>
+        <p:spPr>
+          <a:xfrm>
+            <a:off x="6016752" y="1991823"/>
+            <a:ext cx="3130296" cy="1741977"/>
+          </a:xfrm>
+          <a:prstGeom prst="rect">
+            <a:avLst/>
+          </a:prstGeom>
+        </p:spPr>
+      </p:pic>
+      <p:pic>
+        <p:nvPicPr>
+          <p:cNvPr id="10" name="Picture 9">
+            <a:extLst>
+              <a:ext uri="{FF2B5EF4-FFF2-40B4-BE49-F238E27FC236}">
+                <a16:creationId xmlns:a16="http://schemas.microsoft.com/office/drawing/2014/main" id="{08669A8D-A693-4302-8D7E-F2F5D91B79E1}"/>
+              </a:ext>
+            </a:extLst>
+          </p:cNvPr>
+          <p:cNvPicPr>
+            <a:picLocks noChangeAspect="1"/>
+          </p:cNvPicPr>
+          <p:nvPr/>
+        </p:nvPicPr>
+        <p:blipFill rotWithShape="1">
+          <a:blip r:embed="rId2"/>
+          <a:srcRect t="39407" b="39883"/>
+          <a:stretch/>
+        </p:blipFill>
+        <p:spPr>
+          <a:xfrm>
+            <a:off x="6013704" y="3786014"/>
+            <a:ext cx="3130296" cy="938386"/>
+          </a:xfrm>
+          <a:prstGeom prst="rect">
+            <a:avLst/>
+          </a:prstGeom>
+        </p:spPr>
+      </p:pic>
+      <p:pic>
+        <p:nvPicPr>
+          <p:cNvPr id="11" name="Picture 10">
+            <a:extLst>
+              <a:ext uri="{FF2B5EF4-FFF2-40B4-BE49-F238E27FC236}">
+                <a16:creationId xmlns:a16="http://schemas.microsoft.com/office/drawing/2014/main" id="{E7C27A31-5BCB-4760-8164-25684E526FA3}"/>
+              </a:ext>
+            </a:extLst>
+          </p:cNvPr>
+          <p:cNvPicPr>
+            <a:picLocks noChangeAspect="1"/>
+          </p:cNvPicPr>
+          <p:nvPr/>
+        </p:nvPicPr>
+        <p:blipFill rotWithShape="1">
+          <a:blip r:embed="rId2"/>
+          <a:srcRect t="60450" b="18840"/>
+          <a:stretch/>
+        </p:blipFill>
+        <p:spPr>
+          <a:xfrm>
+            <a:off x="6013704" y="4752627"/>
+            <a:ext cx="3130296" cy="938386"/>
+          </a:xfrm>
+          <a:prstGeom prst="rect">
+            <a:avLst/>
+          </a:prstGeom>
+        </p:spPr>
+      </p:pic>
+      <p:pic>
+        <p:nvPicPr>
+          <p:cNvPr id="12" name="Picture 11">
+            <a:extLst>
+              <a:ext uri="{FF2B5EF4-FFF2-40B4-BE49-F238E27FC236}">
+                <a16:creationId xmlns:a16="http://schemas.microsoft.com/office/drawing/2014/main" id="{B5EF300F-4DEB-4002-9562-164693D4B835}"/>
+              </a:ext>
+            </a:extLst>
+          </p:cNvPr>
+          <p:cNvPicPr>
+            <a:picLocks noChangeAspect="1"/>
+          </p:cNvPicPr>
+          <p:nvPr/>
+        </p:nvPicPr>
+        <p:blipFill rotWithShape="1">
+          <a:blip r:embed="rId2"/>
+          <a:srcRect t="60450" b="-910"/>
+          <a:stretch/>
+        </p:blipFill>
+        <p:spPr>
+          <a:xfrm>
+            <a:off x="6013704" y="4737547"/>
+            <a:ext cx="3130296" cy="1833258"/>
+          </a:xfrm>
+          <a:prstGeom prst="rect">
+            <a:avLst/>
+          </a:prstGeom>
+        </p:spPr>
+      </p:pic>
+    </p:spTree>
+    <p:extLst>
+      <p:ext uri="{BB962C8B-B14F-4D97-AF65-F5344CB8AC3E}">
+        <p14:creationId xmlns:p14="http://schemas.microsoft.com/office/powerpoint/2010/main" val="2142611551"/>
+      </p:ext>
+    </p:extLst>
+  </p:cSld>
+  <p:clrMapOvr>
+    <a:masterClrMapping/>
+  </p:clrMapOvr>
+  <p:timing>
+    <p:tnLst>
+      <p:par>
+        <p:cTn id="1" dur="indefinite" restart="never" nodeType="tmRoot">
+          <p:childTnLst>
+            <p:seq concurrent="1" nextAc="seek">
+              <p:cTn id="2" dur="indefinite" nodeType="mainSeq">
+                <p:childTnLst>
+                  <p:par>
+                    <p:cTn id="3" fill="hold">
+                      <p:stCondLst>
+                        <p:cond delay="indefinite"/>
+                      </p:stCondLst>
+                      <p:childTnLst>
+                        <p:par>
+                          <p:cTn id="4" fill="hold">
+                            <p:stCondLst>
+                              <p:cond delay="0"/>
+                            </p:stCondLst>
+                            <p:childTnLst>
+                              <p:par>
+                                <p:cTn id="5" presetID="1" presetClass="entr" presetSubtype="0" fill="hold" grpId="0" nodeType="clickEffect">
+                                  <p:stCondLst>
+                                    <p:cond delay="0"/>
+                                  </p:stCondLst>
+                                  <p:childTnLst>
+                                    <p:set>
+                                      <p:cBhvr>
+                                        <p:cTn id="6" dur="1" fill="hold">
+                                          <p:stCondLst>
+                                            <p:cond delay="0"/>
+                                          </p:stCondLst>
+                                        </p:cTn>
+                                        <p:tgtEl>
+                                          <p:spTgt spid="3">
+                                            <p:txEl>
+                                              <p:pRg st="0" end="0"/>
+                                            </p:txEl>
+                                          </p:spTgt>
+                                        </p:tgtEl>
+                                        <p:attrNameLst>
+                                          <p:attrName>style.visibility</p:attrName>
+                                        </p:attrNameLst>
+                                      </p:cBhvr>
+                                      <p:to>
+                                        <p:strVal val="visible"/>
+                                      </p:to>
+                                    </p:set>
+                                  </p:childTnLst>
+                                </p:cTn>
+                              </p:par>
+                            </p:childTnLst>
+                          </p:cTn>
+                        </p:par>
+                      </p:childTnLst>
+                    </p:cTn>
+                  </p:par>
+                  <p:par>
+                    <p:cTn id="7" fill="hold">
+                      <p:stCondLst>
+                        <p:cond delay="indefinite"/>
+                      </p:stCondLst>
+                      <p:childTnLst>
+                        <p:par>
+                          <p:cTn id="8" fill="hold">
+                            <p:stCondLst>
+                              <p:cond delay="0"/>
+                            </p:stCondLst>
+                            <p:childTnLst>
+                              <p:par>
+                                <p:cTn id="9" presetID="1" presetClass="entr" presetSubtype="0" fill="hold" nodeType="clickEffect">
+                                  <p:stCondLst>
+                                    <p:cond delay="0"/>
+                                  </p:stCondLst>
+                                  <p:childTnLst>
+                                    <p:set>
+                                      <p:cBhvr>
+                                        <p:cTn id="10" dur="1" fill="hold">
+                                          <p:stCondLst>
+                                            <p:cond delay="0"/>
+                                          </p:stCondLst>
+                                        </p:cTn>
+                                        <p:tgtEl>
+                                          <p:spTgt spid="8"/>
+                                        </p:tgtEl>
+                                        <p:attrNameLst>
+                                          <p:attrName>style.visibility</p:attrName>
+                                        </p:attrNameLst>
+                                      </p:cBhvr>
+                                      <p:to>
+                                        <p:strVal val="visible"/>
+                                      </p:to>
+                                    </p:set>
+                                  </p:childTnLst>
+                                </p:cTn>
+                              </p:par>
+                            </p:childTnLst>
+                          </p:cTn>
+                        </p:par>
+                      </p:childTnLst>
+                    </p:cTn>
+                  </p:par>
+                  <p:par>
+                    <p:cTn id="11" fill="hold">
+                      <p:stCondLst>
+                        <p:cond delay="indefinite"/>
+                      </p:stCondLst>
+                      <p:childTnLst>
+                        <p:par>
+                          <p:cTn id="12" fill="hold">
+                            <p:stCondLst>
+                              <p:cond delay="0"/>
+                            </p:stCondLst>
+                            <p:childTnLst>
+                              <p:par>
+                                <p:cTn id="13" presetID="1" presetClass="entr" presetSubtype="0" fill="hold" nodeType="clickEffect">
+                                  <p:stCondLst>
+                                    <p:cond delay="0"/>
+                                  </p:stCondLst>
+                                  <p:childTnLst>
+                                    <p:set>
+                                      <p:cBhvr>
+                                        <p:cTn id="14" dur="1" fill="hold">
+                                          <p:stCondLst>
+                                            <p:cond delay="0"/>
+                                          </p:stCondLst>
+                                        </p:cTn>
+                                        <p:tgtEl>
+                                          <p:spTgt spid="7"/>
+                                        </p:tgtEl>
+                                        <p:attrNameLst>
+                                          <p:attrName>style.visibility</p:attrName>
+                                        </p:attrNameLst>
+                                      </p:cBhvr>
+                                      <p:to>
+                                        <p:strVal val="visible"/>
+                                      </p:to>
+                                    </p:set>
+                                  </p:childTnLst>
+                                </p:cTn>
+                              </p:par>
+                            </p:childTnLst>
+                          </p:cTn>
+                        </p:par>
+                      </p:childTnLst>
+                    </p:cTn>
+                  </p:par>
+                  <p:par>
+                    <p:cTn id="15" fill="hold">
+                      <p:stCondLst>
+                        <p:cond delay="indefinite"/>
+                      </p:stCondLst>
+                      <p:childTnLst>
+                        <p:par>
+                          <p:cTn id="16" fill="hold">
+                            <p:stCondLst>
+                              <p:cond delay="0"/>
+                            </p:stCondLst>
+                            <p:childTnLst>
+                              <p:par>
+                                <p:cTn id="17" presetID="1" presetClass="entr" presetSubtype="0" fill="hold" nodeType="clickEffect">
+                                  <p:stCondLst>
+                                    <p:cond delay="0"/>
+                                  </p:stCondLst>
+                                  <p:childTnLst>
+                                    <p:set>
+                                      <p:cBhvr>
+                                        <p:cTn id="18" dur="1" fill="hold">
+                                          <p:stCondLst>
+                                            <p:cond delay="0"/>
+                                          </p:stCondLst>
+                                        </p:cTn>
+                                        <p:tgtEl>
+                                          <p:spTgt spid="9"/>
+                                        </p:tgtEl>
+                                        <p:attrNameLst>
+                                          <p:attrName>style.visibility</p:attrName>
+                                        </p:attrNameLst>
+                                      </p:cBhvr>
+                                      <p:to>
+                                        <p:strVal val="visible"/>
+                                      </p:to>
+                                    </p:set>
+                                  </p:childTnLst>
+                                </p:cTn>
+                              </p:par>
+                            </p:childTnLst>
+                          </p:cTn>
+                        </p:par>
+                      </p:childTnLst>
+                    </p:cTn>
+                  </p:par>
+                  <p:par>
+                    <p:cTn id="19" fill="hold">
+                      <p:stCondLst>
+                        <p:cond delay="indefinite"/>
+                      </p:stCondLst>
+                      <p:childTnLst>
+                        <p:par>
+                          <p:cTn id="20" fill="hold">
+                            <p:stCondLst>
+                              <p:cond delay="0"/>
+                            </p:stCondLst>
+                            <p:childTnLst>
+                              <p:par>
+                                <p:cTn id="21" presetID="1" presetClass="entr" presetSubtype="0" fill="hold" nodeType="clickEffect">
+                                  <p:stCondLst>
+                                    <p:cond delay="0"/>
+                                  </p:stCondLst>
+                                  <p:childTnLst>
+                                    <p:set>
+                                      <p:cBhvr>
+                                        <p:cTn id="22" dur="1" fill="hold">
+                                          <p:stCondLst>
+                                            <p:cond delay="0"/>
+                                          </p:stCondLst>
+                                        </p:cTn>
+                                        <p:tgtEl>
+                                          <p:spTgt spid="10"/>
+                                        </p:tgtEl>
+                                        <p:attrNameLst>
+                                          <p:attrName>style.visibility</p:attrName>
+                                        </p:attrNameLst>
+                                      </p:cBhvr>
+                                      <p:to>
+                                        <p:strVal val="visible"/>
+                                      </p:to>
+                                    </p:set>
+                                  </p:childTnLst>
+                                </p:cTn>
+                              </p:par>
+                            </p:childTnLst>
+                          </p:cTn>
+                        </p:par>
+                      </p:childTnLst>
+                    </p:cTn>
+                  </p:par>
+                  <p:par>
+                    <p:cTn id="23" fill="hold">
+                      <p:stCondLst>
+                        <p:cond delay="indefinite"/>
+                      </p:stCondLst>
+                      <p:childTnLst>
+                        <p:par>
+                          <p:cTn id="24" fill="hold">
+                            <p:stCondLst>
+                              <p:cond delay="0"/>
+                            </p:stCondLst>
+                            <p:childTnLst>
+                              <p:par>
+                                <p:cTn id="25" presetID="1" presetClass="entr" presetSubtype="0" fill="hold" nodeType="clickEffect">
+                                  <p:stCondLst>
+                                    <p:cond delay="0"/>
+                                  </p:stCondLst>
+                                  <p:childTnLst>
+                                    <p:set>
+                                      <p:cBhvr>
+                                        <p:cTn id="26" dur="1" fill="hold">
+                                          <p:stCondLst>
+                                            <p:cond delay="0"/>
+                                          </p:stCondLst>
+                                        </p:cTn>
+                                        <p:tgtEl>
+                                          <p:spTgt spid="11"/>
+                                        </p:tgtEl>
+                                        <p:attrNameLst>
+                                          <p:attrName>style.visibility</p:attrName>
+                                        </p:attrNameLst>
+                                      </p:cBhvr>
+                                      <p:to>
+                                        <p:strVal val="visible"/>
+                                      </p:to>
+                                    </p:set>
+                                  </p:childTnLst>
+                                </p:cTn>
+                              </p:par>
+                            </p:childTnLst>
+                          </p:cTn>
+                        </p:par>
+                      </p:childTnLst>
+                    </p:cTn>
+                  </p:par>
+                  <p:par>
+                    <p:cTn id="27" fill="hold">
+                      <p:stCondLst>
+                        <p:cond delay="indefinite"/>
+                      </p:stCondLst>
+                      <p:childTnLst>
+                        <p:par>
+                          <p:cTn id="28" fill="hold">
+                            <p:stCondLst>
+                              <p:cond delay="0"/>
+                            </p:stCondLst>
+                            <p:childTnLst>
+                              <p:par>
+                                <p:cTn id="29" presetID="1" presetClass="entr" presetSubtype="0" fill="hold" nodeType="clickEffect">
+                                  <p:stCondLst>
+                                    <p:cond delay="0"/>
+                                  </p:stCondLst>
+                                  <p:childTnLst>
+                                    <p:set>
+                                      <p:cBhvr>
+                                        <p:cTn id="30" dur="1" fill="hold">
+                                          <p:stCondLst>
+                                            <p:cond delay="0"/>
+                                          </p:stCondLst>
+                                        </p:cTn>
+                                        <p:tgtEl>
+                                          <p:spTgt spid="12"/>
+                                        </p:tgtEl>
+                                        <p:attrNameLst>
+                                          <p:attrName>style.visibility</p:attrName>
+                                        </p:attrNameLst>
+                                      </p:cBhvr>
+                                      <p:to>
+                                        <p:strVal val="visible"/>
+                                      </p:to>
+                                    </p:set>
+                                  </p:childTnLst>
+                                </p:cTn>
+                              </p:par>
+                            </p:childTnLst>
+                          </p:cTn>
+                        </p:par>
+                      </p:childTnLst>
+                    </p:cTn>
+                  </p:par>
+                  <p:par>
+                    <p:cTn id="31" fill="hold">
+                      <p:stCondLst>
+                        <p:cond delay="indefinite"/>
+                      </p:stCondLst>
+                      <p:childTnLst>
+                        <p:par>
+                          <p:cTn id="32" fill="hold">
+                            <p:stCondLst>
+                              <p:cond delay="0"/>
+                            </p:stCondLst>
+                            <p:childTnLst>
+                              <p:par>
+                                <p:cTn id="33" presetID="1" presetClass="entr" presetSubtype="0" fill="hold" grpId="0" nodeType="clickEffect">
+                                  <p:stCondLst>
+                                    <p:cond delay="0"/>
+                                  </p:stCondLst>
+                                  <p:childTnLst>
+                                    <p:set>
+                                      <p:cBhvr>
+                                        <p:cTn id="34" dur="1" fill="hold">
+                                          <p:stCondLst>
+                                            <p:cond delay="0"/>
+                                          </p:stCondLst>
+                                        </p:cTn>
+                                        <p:tgtEl>
+                                          <p:spTgt spid="3">
+                                            <p:txEl>
+                                              <p:pRg st="2" end="2"/>
+                                            </p:txEl>
+                                          </p:spTgt>
+                                        </p:tgtEl>
+                                        <p:attrNameLst>
+                                          <p:attrName>style.visibility</p:attrName>
+                                        </p:attrNameLst>
+                                      </p:cBhvr>
+                                      <p:to>
+                                        <p:strVal val="visible"/>
+                                      </p:to>
+                                    </p:set>
+                                  </p:childTnLst>
+                                </p:cTn>
+                              </p:par>
+                            </p:childTnLst>
+                          </p:cTn>
+                        </p:par>
+                      </p:childTnLst>
+                    </p:cTn>
+                  </p:par>
+                  <p:par>
+                    <p:cTn id="35" fill="hold">
+                      <p:stCondLst>
+                        <p:cond delay="indefinite"/>
+                      </p:stCondLst>
+                      <p:childTnLst>
+                        <p:par>
+                          <p:cTn id="36" fill="hold">
+                            <p:stCondLst>
+                              <p:cond delay="0"/>
+                            </p:stCondLst>
+                            <p:childTnLst>
+                              <p:par>
+                                <p:cTn id="37" presetID="1" presetClass="entr" presetSubtype="0" fill="hold" grpId="0" nodeType="clickEffect">
+                                  <p:stCondLst>
+                                    <p:cond delay="0"/>
+                                  </p:stCondLst>
+                                  <p:childTnLst>
+                                    <p:set>
+                                      <p:cBhvr>
+                                        <p:cTn id="38" dur="1" fill="hold">
+                                          <p:stCondLst>
+                                            <p:cond delay="0"/>
+                                          </p:stCondLst>
+                                        </p:cTn>
+                                        <p:tgtEl>
+                                          <p:spTgt spid="3">
+                                            <p:txEl>
+                                              <p:pRg st="3" end="3"/>
+                                            </p:txEl>
+                                          </p:spTgt>
+                                        </p:tgtEl>
+                                        <p:attrNameLst>
+                                          <p:attrName>style.visibility</p:attrName>
+                                        </p:attrNameLst>
+                                      </p:cBhvr>
+                                      <p:to>
+                                        <p:strVal val="visible"/>
+                                      </p:to>
+                                    </p:set>
+                                  </p:childTnLst>
+                                </p:cTn>
+                              </p:par>
+                            </p:childTnLst>
+                          </p:cTn>
+                        </p:par>
+                      </p:childTnLst>
+                    </p:cTn>
+                  </p:par>
+                  <p:par>
+                    <p:cTn id="39" fill="hold">
+                      <p:stCondLst>
+                        <p:cond delay="indefinite"/>
+                      </p:stCondLst>
+                      <p:childTnLst>
+                        <p:par>
+                          <p:cTn id="40" fill="hold">
+                            <p:stCondLst>
+                              <p:cond delay="0"/>
+                            </p:stCondLst>
+                            <p:childTnLst>
+                              <p:par>
+                                <p:cTn id="41" presetID="1" presetClass="entr" presetSubtype="0" fill="hold" grpId="0" nodeType="clickEffect">
+                                  <p:stCondLst>
+                                    <p:cond delay="0"/>
+                                  </p:stCondLst>
+                                  <p:childTnLst>
+                                    <p:set>
+                                      <p:cBhvr>
+                                        <p:cTn id="42" dur="1" fill="hold">
+                                          <p:stCondLst>
+                                            <p:cond delay="0"/>
+                                          </p:stCondLst>
+                                        </p:cTn>
+                                        <p:tgtEl>
+                                          <p:spTgt spid="3">
+                                            <p:txEl>
+                                              <p:pRg st="4" end="4"/>
+                                            </p:txEl>
+                                          </p:spTgt>
+                                        </p:tgtEl>
+                                        <p:attrNameLst>
+                                          <p:attrName>style.visibility</p:attrName>
+                                        </p:attrNameLst>
+                                      </p:cBhvr>
+                                      <p:to>
+                                        <p:strVal val="visible"/>
+                                      </p:to>
+                                    </p:set>
+                                  </p:childTnLst>
+                                </p:cTn>
+                              </p:par>
+                            </p:childTnLst>
+                          </p:cTn>
+                        </p:par>
+                      </p:childTnLst>
+                    </p:cTn>
+                  </p:par>
+                  <p:par>
+                    <p:cTn id="43" fill="hold">
+                      <p:stCondLst>
+                        <p:cond delay="indefinite"/>
+                      </p:stCondLst>
+                      <p:childTnLst>
+                        <p:par>
+                          <p:cTn id="44" fill="hold">
+                            <p:stCondLst>
+                              <p:cond delay="0"/>
+                            </p:stCondLst>
+                            <p:childTnLst>
+                              <p:par>
+                                <p:cTn id="45" presetID="1" presetClass="entr" presetSubtype="0" fill="hold" grpId="0" nodeType="clickEffect">
+                                  <p:stCondLst>
+                                    <p:cond delay="0"/>
+                                  </p:stCondLst>
+                                  <p:childTnLst>
+                                    <p:set>
+                                      <p:cBhvr>
+                                        <p:cTn id="46" dur="1" fill="hold">
+                                          <p:stCondLst>
+                                            <p:cond delay="0"/>
+                                          </p:stCondLst>
+                                        </p:cTn>
+                                        <p:tgtEl>
+                                          <p:spTgt spid="3">
+                                            <p:txEl>
+                                              <p:pRg st="5" end="5"/>
+                                            </p:txEl>
+                                          </p:spTgt>
+                                        </p:tgtEl>
+                                        <p:attrNameLst>
+                                          <p:attrName>style.visibility</p:attrName>
+                                        </p:attrNameLst>
+                                      </p:cBhvr>
+                                      <p:to>
+                                        <p:strVal val="visible"/>
+                                      </p:to>
+                                    </p:set>
+                                  </p:childTnLst>
+                                </p:cTn>
+                              </p:par>
+                            </p:childTnLst>
+                          </p:cTn>
+                        </p:par>
+                      </p:childTnLst>
+                    </p:cTn>
+                  </p:par>
+                  <p:par>
+                    <p:cTn id="47" fill="hold">
+                      <p:stCondLst>
+                        <p:cond delay="indefinite"/>
+                      </p:stCondLst>
+                      <p:childTnLst>
+                        <p:par>
+                          <p:cTn id="48" fill="hold">
+                            <p:stCondLst>
+                              <p:cond delay="0"/>
+                            </p:stCondLst>
+                            <p:childTnLst>
+                              <p:par>
+                                <p:cTn id="49" presetID="1" presetClass="entr" presetSubtype="0" fill="hold" grpId="0" nodeType="clickEffect">
+                                  <p:stCondLst>
+                                    <p:cond delay="0"/>
+                                  </p:stCondLst>
+                                  <p:childTnLst>
+                                    <p:set>
+                                      <p:cBhvr>
+                                        <p:cTn id="50" dur="1" fill="hold">
+                                          <p:stCondLst>
+                                            <p:cond delay="0"/>
+                                          </p:stCondLst>
+                                        </p:cTn>
+                                        <p:tgtEl>
+                                          <p:spTgt spid="3">
+                                            <p:txEl>
+                                              <p:pRg st="6" end="6"/>
+                                            </p:txEl>
+                                          </p:spTgt>
+                                        </p:tgtEl>
+                                        <p:attrNameLst>
+                                          <p:attrName>style.visibility</p:attrName>
+                                        </p:attrNameLst>
+                                      </p:cBhvr>
+                                      <p:to>
+                                        <p:strVal val="visible"/>
+                                      </p:to>
+                                    </p:set>
+                                  </p:childTnLst>
+                                </p:cTn>
+                              </p:par>
+                            </p:childTnLst>
+                          </p:cTn>
+                        </p:par>
+                      </p:childTnLst>
+                    </p:cTn>
+                  </p:par>
+                  <p:par>
+                    <p:cTn id="51" fill="hold">
+                      <p:stCondLst>
+                        <p:cond delay="indefinite"/>
+                      </p:stCondLst>
+                      <p:childTnLst>
+                        <p:par>
+                          <p:cTn id="52" fill="hold">
+                            <p:stCondLst>
+                              <p:cond delay="0"/>
+                            </p:stCondLst>
+                            <p:childTnLst>
+                              <p:par>
+                                <p:cTn id="53" presetID="1" presetClass="entr" presetSubtype="0" fill="hold" grpId="0" nodeType="clickEffect">
+                                  <p:stCondLst>
+                                    <p:cond delay="0"/>
+                                  </p:stCondLst>
+                                  <p:childTnLst>
+                                    <p:set>
+                                      <p:cBhvr>
+                                        <p:cTn id="54" dur="1" fill="hold">
+                                          <p:stCondLst>
+                                            <p:cond delay="0"/>
+                                          </p:stCondLst>
+                                        </p:cTn>
+                                        <p:tgtEl>
+                                          <p:spTgt spid="3">
+                                            <p:txEl>
+                                              <p:pRg st="7" end="7"/>
+                                            </p:txEl>
+                                          </p:spTgt>
+                                        </p:tgtEl>
+                                        <p:attrNameLst>
+                                          <p:attrName>style.visibility</p:attrName>
+                                        </p:attrNameLst>
+                                      </p:cBhvr>
+                                      <p:to>
+                                        <p:strVal val="visible"/>
+                                      </p:to>
+                                    </p:set>
+                                  </p:childTnLst>
+                                </p:cTn>
+                              </p:par>
+                            </p:childTnLst>
+                          </p:cTn>
+                        </p:par>
+                      </p:childTnLst>
+                    </p:cTn>
+                  </p:par>
+                </p:childTnLst>
+              </p:cTn>
+              <p:prevCondLst>
+                <p:cond evt="onPrev" delay="0">
+                  <p:tgtEl>
+                    <p:sldTgt/>
+                  </p:tgtEl>
+                </p:cond>
+              </p:prevCondLst>
+              <p:nextCondLst>
+                <p:cond evt="onNext" delay="0">
+                  <p:tgtEl>
+                    <p:sldTgt/>
+                  </p:tgtEl>
+                </p:cond>
+              </p:nextCondLst>
+            </p:seq>
+          </p:childTnLst>
+        </p:cTn>
+      </p:par>
+    </p:tnLst>
+    <p:bldLst>
+      <p:bldP spid="3" grpId="0" uiExpand="1" build="p"/>
+    </p:bldLst>
+  </p:timing>
+</p:sld>
+</file>
+
+<file path=ppt/slides/slide36.xml><?xml version="1.0" encoding="utf-8"?>
+<p:sld xmlns:a="http://schemas.openxmlformats.org/drawingml/2006/main" xmlns:r="http://schemas.openxmlformats.org/officeDocument/2006/relationships" xmlns:p="http://schemas.openxmlformats.org/presentationml/2006/main">
+  <p:cSld>
+    <p:spTree>
+      <p:nvGrpSpPr>
+        <p:cNvPr id="1" name=""/>
+        <p:cNvGrpSpPr/>
+        <p:nvPr/>
+      </p:nvGrpSpPr>
+      <p:grpSpPr>
+        <a:xfrm>
+          <a:off x="0" y="0"/>
+          <a:ext cx="0" cy="0"/>
+          <a:chOff x="0" y="0"/>
+          <a:chExt cx="0" cy="0"/>
+        </a:xfrm>
+      </p:grpSpPr>
+      <p:sp>
+        <p:nvSpPr>
+          <p:cNvPr id="2" name="Title 1">
+            <a:extLst>
+              <a:ext uri="{FF2B5EF4-FFF2-40B4-BE49-F238E27FC236}">
+                <a16:creationId xmlns:a16="http://schemas.microsoft.com/office/drawing/2014/main" id="{C2A44152-ADF2-4A65-9258-ABE7F12473A4}"/>
+              </a:ext>
+            </a:extLst>
+          </p:cNvPr>
+          <p:cNvSpPr>
+            <a:spLocks noGrp="1"/>
+          </p:cNvSpPr>
+          <p:nvPr>
+            <p:ph type="title"/>
+          </p:nvPr>
+        </p:nvSpPr>
+        <p:spPr/>
+        <p:txBody>
+          <a:bodyPr/>
+          <a:lstStyle/>
+          <a:p>
+            <a:r>
+              <a:rPr lang="en-US" dirty="0"/>
+              <a:t>Problems with the iterative approach</a:t>
+            </a:r>
+          </a:p>
+        </p:txBody>
+      </p:sp>
+      <p:sp>
+        <p:nvSpPr>
+          <p:cNvPr id="3" name="Content Placeholder 2">
+            <a:extLst>
+              <a:ext uri="{FF2B5EF4-FFF2-40B4-BE49-F238E27FC236}">
+                <a16:creationId xmlns:a16="http://schemas.microsoft.com/office/drawing/2014/main" id="{29A9BEB2-3F2A-4E9B-A083-25544040D4F1}"/>
+              </a:ext>
+            </a:extLst>
+          </p:cNvPr>
+          <p:cNvSpPr>
+            <a:spLocks noGrp="1"/>
+          </p:cNvSpPr>
+          <p:nvPr>
+            <p:ph idx="1"/>
+          </p:nvPr>
+        </p:nvSpPr>
+        <p:spPr/>
+        <p:txBody>
+          <a:bodyPr/>
+          <a:lstStyle/>
+          <a:p>
+            <a:r>
+              <a:rPr lang="en-US" dirty="0"/>
+              <a:t>Maintaining safety becomes challenging – things change in unpredictable ways</a:t>
+            </a:r>
+          </a:p>
+          <a:p>
+            <a:r>
+              <a:rPr lang="en-US" dirty="0"/>
+              <a:t>Verification planning comes late, so validation is also deferred</a:t>
+            </a:r>
+          </a:p>
+          <a:p>
+            <a:r>
+              <a:rPr lang="en-US" dirty="0"/>
+              <a:t>Hardware bottleneck:</a:t>
+            </a:r>
+          </a:p>
+          <a:p>
+            <a:pPr lvl="1"/>
+            <a:r>
+              <a:rPr lang="en-US" dirty="0"/>
+              <a:t>Embedded hardware and software are often co-designed</a:t>
+            </a:r>
+          </a:p>
+          <a:p>
+            <a:pPr lvl="1"/>
+            <a:r>
+              <a:rPr lang="en-US" dirty="0"/>
+              <a:t>Manufacturing hardware iteratively takes time</a:t>
+            </a:r>
+          </a:p>
+          <a:p>
+            <a:pPr lvl="1"/>
+            <a:r>
+              <a:rPr lang="en-US" dirty="0"/>
+              <a:t>And costs much more than making software changes</a:t>
+            </a:r>
+          </a:p>
+        </p:txBody>
+      </p:sp>
+      <p:sp>
+        <p:nvSpPr>
+          <p:cNvPr id="4" name="Date Placeholder 3">
+            <a:extLst>
+              <a:ext uri="{FF2B5EF4-FFF2-40B4-BE49-F238E27FC236}">
+                <a16:creationId xmlns:a16="http://schemas.microsoft.com/office/drawing/2014/main" id="{295AAC87-A8B1-4222-937B-6D7BDF1B84D1}"/>
+              </a:ext>
+            </a:extLst>
+          </p:cNvPr>
+          <p:cNvSpPr>
+            <a:spLocks noGrp="1"/>
+          </p:cNvSpPr>
+          <p:nvPr>
+            <p:ph type="dt" sz="half" idx="10"/>
+          </p:nvPr>
+        </p:nvSpPr>
+        <p:spPr/>
+        <p:txBody>
+          <a:bodyPr/>
+          <a:lstStyle/>
+          <a:p>
+            <a:pPr>
+              <a:defRPr/>
+            </a:pPr>
+            <a:r>
+              <a:rPr lang="en-US"/>
+              <a:t>21/12/2020</a:t>
+            </a:r>
+          </a:p>
+        </p:txBody>
+      </p:sp>
+      <p:sp>
+        <p:nvSpPr>
+          <p:cNvPr id="5" name="Slide Number Placeholder 4">
+            <a:extLst>
+              <a:ext uri="{FF2B5EF4-FFF2-40B4-BE49-F238E27FC236}">
+                <a16:creationId xmlns:a16="http://schemas.microsoft.com/office/drawing/2014/main" id="{E9B7296A-0B50-4E40-B0EA-EB1AB7AEEFCC}"/>
+              </a:ext>
+            </a:extLst>
+          </p:cNvPr>
+          <p:cNvSpPr>
+            <a:spLocks noGrp="1"/>
+          </p:cNvSpPr>
+          <p:nvPr>
+            <p:ph type="sldNum" sz="quarter" idx="12"/>
+          </p:nvPr>
+        </p:nvSpPr>
+        <p:spPr/>
+        <p:txBody>
+          <a:bodyPr/>
+          <a:lstStyle/>
+          <a:p>
+            <a:pPr>
+              <a:defRPr/>
+            </a:pPr>
+            <a:fld id="{CA887A73-1AE0-46F8-856A-18EA1CF30A1B}" type="slidenum">
+              <a:rPr lang="en-US" altLang="en-US" smtClean="0"/>
+              <a:pPr>
+                <a:defRPr/>
+              </a:pPr>
+              <a:t>36</a:t>
+            </a:fld>
+            <a:endParaRPr lang="en-US" altLang="en-US"/>
+          </a:p>
+        </p:txBody>
+      </p:sp>
+    </p:spTree>
+    <p:extLst>
+      <p:ext uri="{BB962C8B-B14F-4D97-AF65-F5344CB8AC3E}">
+        <p14:creationId xmlns:p14="http://schemas.microsoft.com/office/powerpoint/2010/main" val="1691759429"/>
+      </p:ext>
+    </p:extLst>
+  </p:cSld>
+  <p:clrMapOvr>
+    <a:masterClrMapping/>
+  </p:clrMapOvr>
+  <p:timing>
+    <p:tnLst>
+      <p:par>
+        <p:cTn id="1" dur="indefinite" restart="never" nodeType="tmRoot">
+          <p:childTnLst>
+            <p:seq concurrent="1" nextAc="seek">
+              <p:cTn id="2" dur="indefinite" nodeType="mainSeq">
+                <p:childTnLst>
+                  <p:par>
+                    <p:cTn id="3" fill="hold">
+                      <p:stCondLst>
+                        <p:cond delay="indefinite"/>
+                      </p:stCondLst>
+                      <p:childTnLst>
+                        <p:par>
+                          <p:cTn id="4" fill="hold">
+                            <p:stCondLst>
+                              <p:cond delay="0"/>
+                            </p:stCondLst>
+                            <p:childTnLst>
+                              <p:par>
+                                <p:cTn id="5" presetID="1" presetClass="entr" presetSubtype="0" fill="hold" grpId="0" nodeType="clickEffect">
+                                  <p:stCondLst>
+                                    <p:cond delay="0"/>
+                                  </p:stCondLst>
+                                  <p:childTnLst>
+                                    <p:set>
+                                      <p:cBhvr>
+                                        <p:cTn id="6" dur="1" fill="hold">
+                                          <p:stCondLst>
+                                            <p:cond delay="0"/>
+                                          </p:stCondLst>
+                                        </p:cTn>
+                                        <p:tgtEl>
+                                          <p:spTgt spid="3">
+                                            <p:txEl>
+                                              <p:pRg st="0" end="0"/>
+                                            </p:txEl>
+                                          </p:spTgt>
+                                        </p:tgtEl>
+                                        <p:attrNameLst>
+                                          <p:attrName>style.visibility</p:attrName>
+                                        </p:attrNameLst>
+                                      </p:cBhvr>
+                                      <p:to>
+                                        <p:strVal val="visible"/>
+                                      </p:to>
+                                    </p:set>
+                                  </p:childTnLst>
+                                </p:cTn>
+                              </p:par>
+                            </p:childTnLst>
+                          </p:cTn>
+                        </p:par>
+                      </p:childTnLst>
+                    </p:cTn>
+                  </p:par>
+                  <p:par>
+                    <p:cTn id="7" fill="hold">
+                      <p:stCondLst>
+                        <p:cond delay="indefinite"/>
+                      </p:stCondLst>
+                      <p:childTnLst>
+                        <p:par>
+                          <p:cTn id="8" fill="hold">
+                            <p:stCondLst>
+                              <p:cond delay="0"/>
+                            </p:stCondLst>
+                            <p:childTnLst>
+                              <p:par>
+                                <p:cTn id="9" presetID="1" presetClass="entr" presetSubtype="0" fill="hold" grpId="0" nodeType="clickEffect">
+                                  <p:stCondLst>
+                                    <p:cond delay="0"/>
+                                  </p:stCondLst>
+                                  <p:childTnLst>
+                                    <p:set>
+                                      <p:cBhvr>
+                                        <p:cTn id="10" dur="1" fill="hold">
+                                          <p:stCondLst>
+                                            <p:cond delay="0"/>
+                                          </p:stCondLst>
+                                        </p:cTn>
+                                        <p:tgtEl>
+                                          <p:spTgt spid="3">
+                                            <p:txEl>
+                                              <p:pRg st="1" end="1"/>
+                                            </p:txEl>
+                                          </p:spTgt>
+                                        </p:tgtEl>
+                                        <p:attrNameLst>
+                                          <p:attrName>style.visibility</p:attrName>
+                                        </p:attrNameLst>
+                                      </p:cBhvr>
+                                      <p:to>
+                                        <p:strVal val="visible"/>
+                                      </p:to>
+                                    </p:set>
+                                  </p:childTnLst>
+                                </p:cTn>
+                              </p:par>
+                            </p:childTnLst>
+                          </p:cTn>
+                        </p:par>
+                      </p:childTnLst>
+                    </p:cTn>
+                  </p:par>
+                  <p:par>
+                    <p:cTn id="11" fill="hold">
+                      <p:stCondLst>
+                        <p:cond delay="indefinite"/>
+                      </p:stCondLst>
+                      <p:childTnLst>
+                        <p:par>
+                          <p:cTn id="12" fill="hold">
+                            <p:stCondLst>
+                              <p:cond delay="0"/>
+                            </p:stCondLst>
+                            <p:childTnLst>
+                              <p:par>
+                                <p:cTn id="13" presetID="1" presetClass="entr" presetSubtype="0" fill="hold" grpId="0" nodeType="clickEffect">
+                                  <p:stCondLst>
+                                    <p:cond delay="0"/>
+                                  </p:stCondLst>
+                                  <p:childTnLst>
+                                    <p:set>
+                                      <p:cBhvr>
+                                        <p:cTn id="14" dur="1" fill="hold">
+                                          <p:stCondLst>
+                                            <p:cond delay="0"/>
+                                          </p:stCondLst>
+                                        </p:cTn>
+                                        <p:tgtEl>
+                                          <p:spTgt spid="3">
+                                            <p:txEl>
+                                              <p:pRg st="2" end="2"/>
+                                            </p:txEl>
+                                          </p:spTgt>
+                                        </p:tgtEl>
+                                        <p:attrNameLst>
+                                          <p:attrName>style.visibility</p:attrName>
+                                        </p:attrNameLst>
+                                      </p:cBhvr>
+                                      <p:to>
+                                        <p:strVal val="visible"/>
+                                      </p:to>
+                                    </p:set>
+                                  </p:childTnLst>
+                                </p:cTn>
+                              </p:par>
+                            </p:childTnLst>
+                          </p:cTn>
+                        </p:par>
+                      </p:childTnLst>
+                    </p:cTn>
+                  </p:par>
+                  <p:par>
+                    <p:cTn id="15" fill="hold">
+                      <p:stCondLst>
+                        <p:cond delay="indefinite"/>
+                      </p:stCondLst>
+                      <p:childTnLst>
+                        <p:par>
+                          <p:cTn id="16" fill="hold">
+                            <p:stCondLst>
+                              <p:cond delay="0"/>
+                            </p:stCondLst>
+                            <p:childTnLst>
+                              <p:par>
+                                <p:cTn id="17" presetID="1" presetClass="entr" presetSubtype="0" fill="hold" grpId="0" nodeType="clickEffect">
+                                  <p:stCondLst>
+                                    <p:cond delay="0"/>
+                                  </p:stCondLst>
+                                  <p:childTnLst>
+                                    <p:set>
+                                      <p:cBhvr>
+                                        <p:cTn id="18" dur="1" fill="hold">
+                                          <p:stCondLst>
+                                            <p:cond delay="0"/>
+                                          </p:stCondLst>
+                                        </p:cTn>
+                                        <p:tgtEl>
+                                          <p:spTgt spid="3">
+                                            <p:txEl>
+                                              <p:pRg st="3" end="3"/>
+                                            </p:txEl>
+                                          </p:spTgt>
+                                        </p:tgtEl>
+                                        <p:attrNameLst>
+                                          <p:attrName>style.visibility</p:attrName>
+                                        </p:attrNameLst>
+                                      </p:cBhvr>
+                                      <p:to>
+                                        <p:strVal val="visible"/>
+                                      </p:to>
+                                    </p:set>
+                                  </p:childTnLst>
+                                </p:cTn>
+                              </p:par>
+                            </p:childTnLst>
+                          </p:cTn>
+                        </p:par>
+                      </p:childTnLst>
+                    </p:cTn>
+                  </p:par>
+                  <p:par>
+                    <p:cTn id="19" fill="hold">
+                      <p:stCondLst>
+                        <p:cond delay="indefinite"/>
+                      </p:stCondLst>
+                      <p:childTnLst>
+                        <p:par>
+                          <p:cTn id="20" fill="hold">
+                            <p:stCondLst>
+                              <p:cond delay="0"/>
+                            </p:stCondLst>
+                            <p:childTnLst>
+                              <p:par>
+                                <p:cTn id="21" presetID="1" presetClass="entr" presetSubtype="0" fill="hold" grpId="0" nodeType="clickEffect">
+                                  <p:stCondLst>
+                                    <p:cond delay="0"/>
+                                  </p:stCondLst>
+                                  <p:childTnLst>
+                                    <p:set>
+                                      <p:cBhvr>
+                                        <p:cTn id="22" dur="1" fill="hold">
+                                          <p:stCondLst>
+                                            <p:cond delay="0"/>
+                                          </p:stCondLst>
+                                        </p:cTn>
+                                        <p:tgtEl>
+                                          <p:spTgt spid="3">
+                                            <p:txEl>
+                                              <p:pRg st="4" end="4"/>
+                                            </p:txEl>
+                                          </p:spTgt>
+                                        </p:tgtEl>
+                                        <p:attrNameLst>
+                                          <p:attrName>style.visibility</p:attrName>
+                                        </p:attrNameLst>
+                                      </p:cBhvr>
+                                      <p:to>
+                                        <p:strVal val="visible"/>
+                                      </p:to>
+                                    </p:set>
+                                  </p:childTnLst>
+                                </p:cTn>
+                              </p:par>
+                            </p:childTnLst>
+                          </p:cTn>
+                        </p:par>
+                      </p:childTnLst>
+                    </p:cTn>
+                  </p:par>
+                  <p:par>
+                    <p:cTn id="23" fill="hold">
+                      <p:stCondLst>
+                        <p:cond delay="indefinite"/>
+                      </p:stCondLst>
+                      <p:childTnLst>
+                        <p:par>
+                          <p:cTn id="24" fill="hold">
+                            <p:stCondLst>
+                              <p:cond delay="0"/>
+                            </p:stCondLst>
+                            <p:childTnLst>
+                              <p:par>
+                                <p:cTn id="25" presetID="1" presetClass="entr" presetSubtype="0" fill="hold" grpId="0" nodeType="clickEffect">
+                                  <p:stCondLst>
+                                    <p:cond delay="0"/>
+                                  </p:stCondLst>
+                                  <p:childTnLst>
+                                    <p:set>
+                                      <p:cBhvr>
+                                        <p:cTn id="26" dur="1" fill="hold">
+                                          <p:stCondLst>
+                                            <p:cond delay="0"/>
+                                          </p:stCondLst>
+                                        </p:cTn>
+                                        <p:tgtEl>
+                                          <p:spTgt spid="3">
+                                            <p:txEl>
+                                              <p:pRg st="5" end="5"/>
+                                            </p:txEl>
+                                          </p:spTgt>
+                                        </p:tgtEl>
+                                        <p:attrNameLst>
+                                          <p:attrName>style.visibility</p:attrName>
+                                        </p:attrNameLst>
+                                      </p:cBhvr>
+                                      <p:to>
+                                        <p:strVal val="visible"/>
+                                      </p:to>
+                                    </p:set>
+                                  </p:childTnLst>
+                                </p:cTn>
+                              </p:par>
+                            </p:childTnLst>
+                          </p:cTn>
+                        </p:par>
+                      </p:childTnLst>
+                    </p:cTn>
+                  </p:par>
+                </p:childTnLst>
+              </p:cTn>
+              <p:prevCondLst>
+                <p:cond evt="onPrev" delay="0">
+                  <p:tgtEl>
+                    <p:sldTgt/>
+                  </p:tgtEl>
+                </p:cond>
+              </p:prevCondLst>
+              <p:nextCondLst>
+                <p:cond evt="onNext" delay="0">
+                  <p:tgtEl>
+                    <p:sldTgt/>
+                  </p:tgtEl>
+                </p:cond>
+              </p:nextCondLst>
+            </p:seq>
+          </p:childTnLst>
+        </p:cTn>
+      </p:par>
+    </p:tnLst>
+    <p:bldLst>
+      <p:bldP spid="3" grpId="0" build="p"/>
+    </p:bldLst>
+  </p:timing>
+</p:sld>
+</file>
+
+<file path=ppt/slides/slide37.xml><?xml version="1.0" encoding="utf-8"?>
+<p:sld xmlns:a="http://schemas.openxmlformats.org/drawingml/2006/main" xmlns:r="http://schemas.openxmlformats.org/officeDocument/2006/relationships" xmlns:p="http://schemas.openxmlformats.org/presentationml/2006/main">
+  <p:cSld>
+    <p:spTree>
+      <p:nvGrpSpPr>
+        <p:cNvPr id="1" name=""/>
+        <p:cNvGrpSpPr/>
+        <p:nvPr/>
+      </p:nvGrpSpPr>
+      <p:grpSpPr>
+        <a:xfrm>
+          <a:off x="0" y="0"/>
+          <a:ext cx="0" cy="0"/>
+          <a:chOff x="0" y="0"/>
+          <a:chExt cx="0" cy="0"/>
+        </a:xfrm>
+      </p:grpSpPr>
+      <p:sp>
+        <p:nvSpPr>
+          <p:cNvPr id="2" name="Title 1">
+            <a:extLst>
+              <a:ext uri="{FF2B5EF4-FFF2-40B4-BE49-F238E27FC236}">
+                <a16:creationId xmlns:a16="http://schemas.microsoft.com/office/drawing/2014/main" id="{4BCF2FF9-830B-4AF9-86F8-B33505C3C7BA}"/>
+              </a:ext>
+            </a:extLst>
+          </p:cNvPr>
+          <p:cNvSpPr>
+            <a:spLocks noGrp="1"/>
+          </p:cNvSpPr>
+          <p:nvPr>
+            <p:ph type="title"/>
+          </p:nvPr>
+        </p:nvSpPr>
+        <p:spPr/>
+        <p:txBody>
+          <a:bodyPr/>
+          <a:lstStyle/>
+          <a:p>
+            <a:r>
+              <a:rPr lang="en-US" dirty="0"/>
+              <a:t>The spiral model</a:t>
+            </a:r>
+          </a:p>
+        </p:txBody>
+      </p:sp>
+      <p:sp>
+        <p:nvSpPr>
+          <p:cNvPr id="3" name="Content Placeholder 2">
+            <a:extLst>
+              <a:ext uri="{FF2B5EF4-FFF2-40B4-BE49-F238E27FC236}">
+                <a16:creationId xmlns:a16="http://schemas.microsoft.com/office/drawing/2014/main" id="{A3640104-AC1A-4F5F-BCC1-C158849AEC97}"/>
+              </a:ext>
+            </a:extLst>
+          </p:cNvPr>
+          <p:cNvSpPr>
+            <a:spLocks noGrp="1"/>
+          </p:cNvSpPr>
+          <p:nvPr>
+            <p:ph idx="1"/>
+          </p:nvPr>
+        </p:nvSpPr>
+        <p:spPr>
+          <a:xfrm>
+            <a:off x="152400" y="1446211"/>
+            <a:ext cx="5257800" cy="5014912"/>
+          </a:xfrm>
+        </p:spPr>
+        <p:txBody>
+          <a:bodyPr/>
+          <a:lstStyle/>
+          <a:p>
+            <a:r>
+              <a:rPr lang="en-US" sz="2400" dirty="0"/>
+              <a:t>Iterative, but focusing on risk analysis</a:t>
+            </a:r>
+            <a:br>
+              <a:rPr lang="en-US" sz="2400" dirty="0"/>
+            </a:br>
+            <a:r>
+              <a:rPr lang="en-US" sz="2400" dirty="0"/>
+              <a:t>Build → assess risks → reduce the most critical risks → repeat</a:t>
+            </a:r>
+          </a:p>
+          <a:p>
+            <a:r>
+              <a:rPr lang="en-US" sz="2400" dirty="0"/>
+              <a:t>Safety-first iterative approach</a:t>
+            </a:r>
+          </a:p>
+          <a:p>
+            <a:endParaRPr lang="en-US" sz="2400" dirty="0"/>
+          </a:p>
+          <a:p>
+            <a:r>
+              <a:rPr lang="en-US" sz="2400" dirty="0"/>
+              <a:t>Tells us what to worry about and fix first</a:t>
+            </a:r>
+          </a:p>
+          <a:p>
+            <a:r>
+              <a:rPr lang="en-US" sz="2400" dirty="0"/>
+              <a:t>Big picture is lacking</a:t>
+            </a:r>
+          </a:p>
+          <a:p>
+            <a:r>
+              <a:rPr lang="en-US" sz="2400" dirty="0"/>
+              <a:t>Not systematic enough to ensure nothing important is missing</a:t>
+            </a:r>
+          </a:p>
+        </p:txBody>
+      </p:sp>
+      <p:sp>
+        <p:nvSpPr>
+          <p:cNvPr id="4" name="Date Placeholder 3">
+            <a:extLst>
+              <a:ext uri="{FF2B5EF4-FFF2-40B4-BE49-F238E27FC236}">
+                <a16:creationId xmlns:a16="http://schemas.microsoft.com/office/drawing/2014/main" id="{591E4DB0-E23F-4737-8934-A1C7ECF1264A}"/>
+              </a:ext>
+            </a:extLst>
+          </p:cNvPr>
+          <p:cNvSpPr>
+            <a:spLocks noGrp="1"/>
+          </p:cNvSpPr>
+          <p:nvPr>
+            <p:ph type="dt" sz="half" idx="10"/>
+          </p:nvPr>
+        </p:nvSpPr>
+        <p:spPr/>
+        <p:txBody>
+          <a:bodyPr/>
+          <a:lstStyle/>
+          <a:p>
+            <a:pPr>
+              <a:defRPr/>
+            </a:pPr>
+            <a:r>
+              <a:rPr lang="en-US"/>
+              <a:t>21/12/2020</a:t>
+            </a:r>
+          </a:p>
+        </p:txBody>
+      </p:sp>
+      <p:sp>
+        <p:nvSpPr>
+          <p:cNvPr id="5" name="Slide Number Placeholder 4">
+            <a:extLst>
+              <a:ext uri="{FF2B5EF4-FFF2-40B4-BE49-F238E27FC236}">
+                <a16:creationId xmlns:a16="http://schemas.microsoft.com/office/drawing/2014/main" id="{2187D337-D62F-40CD-B055-A045D0248AAD}"/>
+              </a:ext>
+            </a:extLst>
+          </p:cNvPr>
+          <p:cNvSpPr>
+            <a:spLocks noGrp="1"/>
+          </p:cNvSpPr>
+          <p:nvPr>
+            <p:ph type="sldNum" sz="quarter" idx="12"/>
+          </p:nvPr>
+        </p:nvSpPr>
+        <p:spPr/>
+        <p:txBody>
+          <a:bodyPr/>
+          <a:lstStyle/>
+          <a:p>
+            <a:pPr>
+              <a:defRPr/>
+            </a:pPr>
+            <a:fld id="{CA887A73-1AE0-46F8-856A-18EA1CF30A1B}" type="slidenum">
+              <a:rPr lang="en-US" altLang="en-US" smtClean="0"/>
+              <a:pPr>
+                <a:defRPr/>
+              </a:pPr>
+              <a:t>37</a:t>
+            </a:fld>
+            <a:endParaRPr lang="en-US" altLang="en-US"/>
+          </a:p>
+        </p:txBody>
+      </p:sp>
+      <p:pic>
+        <p:nvPicPr>
+          <p:cNvPr id="8" name="Picture 7">
+            <a:extLst>
+              <a:ext uri="{FF2B5EF4-FFF2-40B4-BE49-F238E27FC236}">
+                <a16:creationId xmlns:a16="http://schemas.microsoft.com/office/drawing/2014/main" id="{EB1C70DD-2FDC-46EE-A72B-6CFA8020B44D}"/>
+              </a:ext>
+            </a:extLst>
+          </p:cNvPr>
+          <p:cNvPicPr>
+            <a:picLocks noChangeAspect="1"/>
+          </p:cNvPicPr>
+          <p:nvPr/>
+        </p:nvPicPr>
+        <p:blipFill>
+          <a:blip r:embed="rId2">
+            <a:extLst>
+              <a:ext uri="{28A0092B-C50C-407E-A947-70E740481C1C}">
+                <a14:useLocalDpi xmlns:a14="http://schemas.microsoft.com/office/drawing/2010/main" val="0"/>
+              </a:ext>
+            </a:extLst>
+          </a:blip>
+          <a:srcRect/>
+          <a:stretch/>
+        </p:blipFill>
+        <p:spPr>
+          <a:xfrm>
+            <a:off x="6739738" y="0"/>
+            <a:ext cx="2404262" cy="2438400"/>
+          </a:xfrm>
+          <a:prstGeom prst="rect">
+            <a:avLst/>
+          </a:prstGeom>
+        </p:spPr>
+      </p:pic>
+      <p:sp>
+        <p:nvSpPr>
+          <p:cNvPr id="11" name="Content Placeholder 2">
+            <a:extLst>
+              <a:ext uri="{FF2B5EF4-FFF2-40B4-BE49-F238E27FC236}">
+                <a16:creationId xmlns:a16="http://schemas.microsoft.com/office/drawing/2014/main" id="{22A7AC70-9121-47F2-AE86-F284DB834BED}"/>
+              </a:ext>
+            </a:extLst>
+          </p:cNvPr>
+          <p:cNvSpPr txBox="1">
+            <a:spLocks/>
+          </p:cNvSpPr>
+          <p:nvPr/>
+        </p:nvSpPr>
+        <p:spPr bwMode="auto">
+          <a:xfrm>
+            <a:off x="6248400" y="2438400"/>
+            <a:ext cx="2895600" cy="4160838"/>
+          </a:xfrm>
+          <a:prstGeom prst="rect">
+            <a:avLst/>
+          </a:prstGeom>
+          <a:noFill/>
+          <a:ln>
+            <a:noFill/>
+          </a:ln>
+          <a:extLst>
+            <a:ext uri="{909E8E84-426E-40DD-AFC4-6F175D3DCCD1}">
+              <a14:hiddenFill xmlns:a14="http://schemas.microsoft.com/office/drawing/2010/main">
+                <a:solidFill>
+                  <a:srgbClr val="FFFFFF"/>
+                </a:solidFill>
+              </a14:hiddenFill>
+            </a:ext>
+            <a:ext uri="{91240B29-F687-4F45-9708-019B960494DF}">
+              <a14:hiddenLine xmlns:a14="http://schemas.microsoft.com/office/drawing/2010/main" w="9525">
+                <a:solidFill>
+                  <a:srgbClr val="000000"/>
+                </a:solidFill>
+                <a:miter lim="800000"/>
+                <a:headEnd/>
+                <a:tailEnd/>
+              </a14:hiddenLine>
+            </a:ext>
+          </a:extLst>
+        </p:spPr>
+        <p:txBody>
+          <a:bodyPr vert="horz" wrap="square" lIns="91440" tIns="45720" rIns="91440" bIns="45720" numCol="1" anchor="t" anchorCtr="0" compatLnSpc="1">
+            <a:prstTxWarp prst="textNoShape">
+              <a:avLst/>
+            </a:prstTxWarp>
+            <a:normAutofit/>
+          </a:bodyPr>
+          <a:lstStyle>
+            <a:lvl1pPr marL="342900" indent="-342900" algn="l" rtl="0" eaLnBrk="0" fontAlgn="base" hangingPunct="0">
+              <a:spcBef>
+                <a:spcPct val="20000"/>
+              </a:spcBef>
+              <a:spcAft>
+                <a:spcPct val="0"/>
+              </a:spcAft>
+              <a:buFont typeface="Arial" panose="020B0604020202020204" pitchFamily="34" charset="0"/>
+              <a:buChar char="•"/>
+              <a:defRPr sz="3200" kern="1200">
+                <a:solidFill>
+                  <a:schemeClr val="tx1">
+                    <a:lumMod val="50000"/>
+                    <a:lumOff val="50000"/>
+                  </a:schemeClr>
+                </a:solidFill>
+                <a:latin typeface="+mn-lt"/>
+                <a:ea typeface="+mn-ea"/>
+                <a:cs typeface="+mn-cs"/>
+              </a:defRPr>
+            </a:lvl1pPr>
+            <a:lvl2pPr marL="742950" indent="-285750" algn="l" rtl="0" eaLnBrk="0" fontAlgn="base" hangingPunct="0">
+              <a:spcBef>
+                <a:spcPct val="20000"/>
+              </a:spcBef>
+              <a:spcAft>
+                <a:spcPct val="0"/>
+              </a:spcAft>
+              <a:buFont typeface="Arial" panose="020B0604020202020204" pitchFamily="34" charset="0"/>
+              <a:buChar char="–"/>
+              <a:defRPr sz="2800" kern="1200">
+                <a:solidFill>
+                  <a:schemeClr val="tx1">
+                    <a:lumMod val="50000"/>
+                    <a:lumOff val="50000"/>
+                  </a:schemeClr>
+                </a:solidFill>
+                <a:latin typeface="+mn-lt"/>
+                <a:ea typeface="+mn-ea"/>
+                <a:cs typeface="+mn-cs"/>
+              </a:defRPr>
+            </a:lvl2pPr>
+            <a:lvl3pPr marL="1143000" indent="-228600" algn="l" rtl="0" eaLnBrk="0" fontAlgn="base" hangingPunct="0">
+              <a:spcBef>
+                <a:spcPct val="20000"/>
+              </a:spcBef>
+              <a:spcAft>
+                <a:spcPct val="0"/>
+              </a:spcAft>
+              <a:buFont typeface="Arial" panose="020B0604020202020204" pitchFamily="34" charset="0"/>
+              <a:buChar char="•"/>
+              <a:defRPr sz="2400" kern="1200">
+                <a:solidFill>
+                  <a:schemeClr val="tx1">
+                    <a:lumMod val="50000"/>
+                    <a:lumOff val="50000"/>
+                  </a:schemeClr>
+                </a:solidFill>
+                <a:latin typeface="+mn-lt"/>
+                <a:ea typeface="+mn-ea"/>
+                <a:cs typeface="+mn-cs"/>
+              </a:defRPr>
+            </a:lvl3pPr>
+            <a:lvl4pPr marL="1600200" indent="-228600" algn="l" rtl="0" eaLnBrk="0" fontAlgn="base" hangingPunct="0">
+              <a:spcBef>
+                <a:spcPct val="20000"/>
+              </a:spcBef>
+              <a:spcAft>
+                <a:spcPct val="0"/>
+              </a:spcAft>
+              <a:buFont typeface="Arial" panose="020B0604020202020204" pitchFamily="34" charset="0"/>
+              <a:buChar char="–"/>
+              <a:defRPr sz="2000" kern="1200">
+                <a:solidFill>
+                  <a:schemeClr val="tx1">
+                    <a:lumMod val="50000"/>
+                    <a:lumOff val="50000"/>
+                  </a:schemeClr>
+                </a:solidFill>
+                <a:latin typeface="+mn-lt"/>
+                <a:ea typeface="+mn-ea"/>
+                <a:cs typeface="+mn-cs"/>
+              </a:defRPr>
+            </a:lvl4pPr>
+            <a:lvl5pPr marL="2057400" indent="-228600" algn="l" rtl="0" eaLnBrk="0" fontAlgn="base" hangingPunct="0">
+              <a:spcBef>
+                <a:spcPct val="20000"/>
+              </a:spcBef>
+              <a:spcAft>
+                <a:spcPct val="0"/>
+              </a:spcAft>
+              <a:buFont typeface="Arial" panose="020B0604020202020204" pitchFamily="34" charset="0"/>
+              <a:buChar char="»"/>
+              <a:defRPr sz="2000" kern="1200">
+                <a:solidFill>
+                  <a:schemeClr val="tx1">
+                    <a:lumMod val="50000"/>
+                    <a:lumOff val="50000"/>
+                  </a:schemeClr>
+                </a:solidFill>
+                <a:latin typeface="+mn-lt"/>
+                <a:ea typeface="+mn-ea"/>
+                <a:cs typeface="+mn-cs"/>
+              </a:defRPr>
+            </a:lvl5pPr>
+            <a:lvl6pPr marL="2514600" indent="-228600" algn="l" defTabSz="914400" rtl="0" eaLnBrk="1" latinLnBrk="0" hangingPunct="1">
+              <a:spcBef>
+                <a:spcPct val="20000"/>
+              </a:spcBef>
+              <a:buFont typeface="Arial" pitchFamily="34" charset="0"/>
+              <a:buChar char="•"/>
+              <a:defRPr sz="2000" kern="1200">
+                <a:solidFill>
+                  <a:schemeClr val="tx1"/>
+                </a:solidFill>
+                <a:latin typeface="+mn-lt"/>
+                <a:ea typeface="+mn-ea"/>
+                <a:cs typeface="+mn-cs"/>
+              </a:defRPr>
+            </a:lvl6pPr>
+            <a:lvl7pPr marL="2971800" indent="-228600" algn="l" defTabSz="914400" rtl="0" eaLnBrk="1" latinLnBrk="0" hangingPunct="1">
+              <a:spcBef>
+                <a:spcPct val="20000"/>
+              </a:spcBef>
+              <a:buFont typeface="Arial" pitchFamily="34" charset="0"/>
+              <a:buChar char="•"/>
+              <a:defRPr sz="2000" kern="1200">
+                <a:solidFill>
+                  <a:schemeClr val="tx1"/>
+                </a:solidFill>
+                <a:latin typeface="+mn-lt"/>
+                <a:ea typeface="+mn-ea"/>
+                <a:cs typeface="+mn-cs"/>
+              </a:defRPr>
+            </a:lvl7pPr>
+            <a:lvl8pPr marL="3429000" indent="-228600" algn="l" defTabSz="914400" rtl="0" eaLnBrk="1" latinLnBrk="0" hangingPunct="1">
+              <a:spcBef>
+                <a:spcPct val="20000"/>
+              </a:spcBef>
+              <a:buFont typeface="Arial" pitchFamily="34" charset="0"/>
+              <a:buChar char="•"/>
+              <a:defRPr sz="2000" kern="1200">
+                <a:solidFill>
+                  <a:schemeClr val="tx1"/>
+                </a:solidFill>
+                <a:latin typeface="+mn-lt"/>
+                <a:ea typeface="+mn-ea"/>
+                <a:cs typeface="+mn-cs"/>
+              </a:defRPr>
+            </a:lvl8pPr>
+            <a:lvl9pPr marL="3886200" indent="-228600" algn="l" defTabSz="914400" rtl="0" eaLnBrk="1" latinLnBrk="0" hangingPunct="1">
+              <a:spcBef>
+                <a:spcPct val="20000"/>
+              </a:spcBef>
+              <a:buFont typeface="Arial" pitchFamily="34" charset="0"/>
+              <a:buChar char="•"/>
+              <a:defRPr sz="2000" kern="1200">
+                <a:solidFill>
+                  <a:schemeClr val="tx1"/>
+                </a:solidFill>
+                <a:latin typeface="+mn-lt"/>
+                <a:ea typeface="+mn-ea"/>
+                <a:cs typeface="+mn-cs"/>
+              </a:defRPr>
+            </a:lvl9pPr>
+          </a:lstStyle>
+          <a:p>
+            <a:r>
+              <a:rPr lang="en-US" sz="1400" b="1" dirty="0"/>
+              <a:t>Early spiral</a:t>
+            </a:r>
+            <a:endParaRPr lang="en-US" sz="1400" dirty="0"/>
+          </a:p>
+          <a:p>
+            <a:pPr lvl="1">
+              <a:buFont typeface="Arial" panose="020B0604020202020204" pitchFamily="34" charset="0"/>
+              <a:buChar char="•"/>
+            </a:pPr>
+            <a:r>
+              <a:rPr lang="en-US" sz="1200" dirty="0"/>
+              <a:t>Risk: Incorrect infusion rate</a:t>
+            </a:r>
+          </a:p>
+          <a:p>
+            <a:pPr lvl="1">
+              <a:buFont typeface="Arial" panose="020B0604020202020204" pitchFamily="34" charset="0"/>
+              <a:buChar char="•"/>
+            </a:pPr>
+            <a:r>
+              <a:rPr lang="en-US" sz="1200" dirty="0"/>
+              <a:t>Action: Prototype control loop, validate accuracy</a:t>
+            </a:r>
+          </a:p>
+          <a:p>
+            <a:r>
+              <a:rPr lang="en-US" sz="1400" b="1" dirty="0"/>
+              <a:t>Next spiral</a:t>
+            </a:r>
+            <a:endParaRPr lang="en-US" sz="1400" dirty="0"/>
+          </a:p>
+          <a:p>
+            <a:pPr lvl="1">
+              <a:buFont typeface="Arial" panose="020B0604020202020204" pitchFamily="34" charset="0"/>
+              <a:buChar char="•"/>
+            </a:pPr>
+            <a:r>
+              <a:rPr lang="en-US" sz="1200" dirty="0"/>
+              <a:t>Risk: Over-temperature causing patient harm</a:t>
+            </a:r>
+          </a:p>
+          <a:p>
+            <a:pPr lvl="1">
+              <a:buFont typeface="Arial" panose="020B0604020202020204" pitchFamily="34" charset="0"/>
+              <a:buChar char="•"/>
+            </a:pPr>
+            <a:r>
+              <a:rPr lang="en-US" sz="1200" dirty="0"/>
+              <a:t>Action: Add temperature monitoring and safe shutdown logic</a:t>
+            </a:r>
+          </a:p>
+          <a:p>
+            <a:r>
+              <a:rPr lang="en-US" sz="1400" b="1" dirty="0"/>
+              <a:t>Next spiral</a:t>
+            </a:r>
+            <a:endParaRPr lang="en-US" sz="1400" dirty="0"/>
+          </a:p>
+          <a:p>
+            <a:pPr lvl="1">
+              <a:buFont typeface="Arial" panose="020B0604020202020204" pitchFamily="34" charset="0"/>
+              <a:buChar char="•"/>
+            </a:pPr>
+            <a:r>
+              <a:rPr lang="en-US" sz="1200" dirty="0"/>
+              <a:t>Risk: Sensor failure undetected</a:t>
+            </a:r>
+          </a:p>
+          <a:p>
+            <a:pPr lvl="1">
+              <a:buFont typeface="Arial" panose="020B0604020202020204" pitchFamily="34" charset="0"/>
+              <a:buChar char="•"/>
+            </a:pPr>
+            <a:r>
+              <a:rPr lang="en-US" sz="1200" dirty="0"/>
+              <a:t>Action: Add fault detection and alarm behavior</a:t>
+            </a:r>
+          </a:p>
+          <a:p>
+            <a:r>
+              <a:rPr lang="en-US" sz="1400" dirty="0"/>
+              <a:t>Each spiral:</a:t>
+            </a:r>
+          </a:p>
+          <a:p>
+            <a:pPr lvl="1">
+              <a:buFont typeface="Arial" panose="020B0604020202020204" pitchFamily="34" charset="0"/>
+              <a:buChar char="•"/>
+            </a:pPr>
+            <a:r>
+              <a:rPr lang="en-US" sz="1200" dirty="0"/>
+              <a:t>focuses on the </a:t>
+            </a:r>
+            <a:r>
+              <a:rPr lang="en-US" sz="1200" b="1" dirty="0"/>
+              <a:t>most dangerous failure modes first</a:t>
+            </a:r>
+            <a:endParaRPr lang="en-US" sz="1200" dirty="0"/>
+          </a:p>
+          <a:p>
+            <a:pPr lvl="1">
+              <a:buFont typeface="Arial" panose="020B0604020202020204" pitchFamily="34" charset="0"/>
+              <a:buChar char="•"/>
+            </a:pPr>
+            <a:r>
+              <a:rPr lang="en-US" sz="1200" dirty="0"/>
+              <a:t>may revisit requirements and design</a:t>
+            </a:r>
+          </a:p>
+        </p:txBody>
+      </p:sp>
+    </p:spTree>
+    <p:extLst>
+      <p:ext uri="{BB962C8B-B14F-4D97-AF65-F5344CB8AC3E}">
+        <p14:creationId xmlns:p14="http://schemas.microsoft.com/office/powerpoint/2010/main" val="2195717770"/>
+      </p:ext>
+    </p:extLst>
+  </p:cSld>
+  <p:clrMapOvr>
+    <a:masterClrMapping/>
+  </p:clrMapOvr>
+  <p:timing>
+    <p:tnLst>
+      <p:par>
+        <p:cTn id="1" dur="indefinite" restart="never" nodeType="tmRoot">
+          <p:childTnLst>
+            <p:seq concurrent="1" nextAc="seek">
+              <p:cTn id="2" dur="indefinite" nodeType="mainSeq">
+                <p:childTnLst>
+                  <p:par>
+                    <p:cTn id="3" fill="hold">
+                      <p:stCondLst>
+                        <p:cond delay="indefinite"/>
+                      </p:stCondLst>
+                      <p:childTnLst>
+                        <p:par>
+                          <p:cTn id="4" fill="hold">
+                            <p:stCondLst>
+                              <p:cond delay="0"/>
+                            </p:stCondLst>
+                            <p:childTnLst>
+                              <p:par>
+                                <p:cTn id="5" presetID="1" presetClass="entr" presetSubtype="0" fill="hold" nodeType="clickEffect">
+                                  <p:stCondLst>
+                                    <p:cond delay="0"/>
+                                  </p:stCondLst>
+                                  <p:childTnLst>
+                                    <p:set>
+                                      <p:cBhvr>
+                                        <p:cTn id="6" dur="1" fill="hold">
+                                          <p:stCondLst>
+                                            <p:cond delay="0"/>
+                                          </p:stCondLst>
+                                        </p:cTn>
+                                        <p:tgtEl>
+                                          <p:spTgt spid="8"/>
+                                        </p:tgtEl>
+                                        <p:attrNameLst>
+                                          <p:attrName>style.visibility</p:attrName>
+                                        </p:attrNameLst>
+                                      </p:cBhvr>
+                                      <p:to>
+                                        <p:strVal val="visible"/>
+                                      </p:to>
+                                    </p:set>
+                                  </p:childTnLst>
+                                </p:cTn>
+                              </p:par>
+                            </p:childTnLst>
+                          </p:cTn>
+                        </p:par>
+                      </p:childTnLst>
+                    </p:cTn>
+                  </p:par>
+                  <p:par>
+                    <p:cTn id="7" fill="hold">
+                      <p:stCondLst>
+                        <p:cond delay="indefinite"/>
+                      </p:stCondLst>
+                      <p:childTnLst>
+                        <p:par>
+                          <p:cTn id="8" fill="hold">
+                            <p:stCondLst>
+                              <p:cond delay="0"/>
+                            </p:stCondLst>
+                            <p:childTnLst>
+                              <p:par>
+                                <p:cTn id="9" presetID="1" presetClass="entr" presetSubtype="0" fill="hold" grpId="0" nodeType="clickEffect">
+                                  <p:stCondLst>
+                                    <p:cond delay="0"/>
+                                  </p:stCondLst>
+                                  <p:childTnLst>
+                                    <p:set>
+                                      <p:cBhvr>
+                                        <p:cTn id="10" dur="1" fill="hold">
+                                          <p:stCondLst>
+                                            <p:cond delay="0"/>
+                                          </p:stCondLst>
+                                        </p:cTn>
+                                        <p:tgtEl>
+                                          <p:spTgt spid="3">
+                                            <p:txEl>
+                                              <p:pRg st="0" end="0"/>
+                                            </p:txEl>
+                                          </p:spTgt>
+                                        </p:tgtEl>
+                                        <p:attrNameLst>
+                                          <p:attrName>style.visibility</p:attrName>
+                                        </p:attrNameLst>
+                                      </p:cBhvr>
+                                      <p:to>
+                                        <p:strVal val="visible"/>
+                                      </p:to>
+                                    </p:set>
+                                  </p:childTnLst>
+                                </p:cTn>
+                              </p:par>
+                            </p:childTnLst>
+                          </p:cTn>
+                        </p:par>
+                      </p:childTnLst>
+                    </p:cTn>
+                  </p:par>
+                  <p:par>
+                    <p:cTn id="11" fill="hold">
+                      <p:stCondLst>
+                        <p:cond delay="indefinite"/>
+                      </p:stCondLst>
+                      <p:childTnLst>
+                        <p:par>
+                          <p:cTn id="12" fill="hold">
+                            <p:stCondLst>
+                              <p:cond delay="0"/>
+                            </p:stCondLst>
+                            <p:childTnLst>
+                              <p:par>
+                                <p:cTn id="13" presetID="1" presetClass="entr" presetSubtype="0" fill="hold" grpId="0" nodeType="clickEffect">
+                                  <p:stCondLst>
+                                    <p:cond delay="0"/>
+                                  </p:stCondLst>
+                                  <p:childTnLst>
+                                    <p:set>
+                                      <p:cBhvr>
+                                        <p:cTn id="14" dur="1" fill="hold">
+                                          <p:stCondLst>
+                                            <p:cond delay="0"/>
+                                          </p:stCondLst>
+                                        </p:cTn>
+                                        <p:tgtEl>
+                                          <p:spTgt spid="3">
+                                            <p:txEl>
+                                              <p:pRg st="1" end="1"/>
+                                            </p:txEl>
+                                          </p:spTgt>
+                                        </p:tgtEl>
+                                        <p:attrNameLst>
+                                          <p:attrName>style.visibility</p:attrName>
+                                        </p:attrNameLst>
+                                      </p:cBhvr>
+                                      <p:to>
+                                        <p:strVal val="visible"/>
+                                      </p:to>
+                                    </p:set>
+                                  </p:childTnLst>
+                                </p:cTn>
+                              </p:par>
+                            </p:childTnLst>
+                          </p:cTn>
+                        </p:par>
+                      </p:childTnLst>
+                    </p:cTn>
+                  </p:par>
+                  <p:par>
+                    <p:cTn id="15" fill="hold">
+                      <p:stCondLst>
+                        <p:cond delay="indefinite"/>
+                      </p:stCondLst>
+                      <p:childTnLst>
+                        <p:par>
+                          <p:cTn id="16" fill="hold">
+                            <p:stCondLst>
+                              <p:cond delay="0"/>
+                            </p:stCondLst>
+                            <p:childTnLst>
+                              <p:par>
+                                <p:cTn id="17" presetID="1" presetClass="entr" presetSubtype="0" fill="hold" grpId="0" nodeType="clickEffect">
+                                  <p:stCondLst>
+                                    <p:cond delay="0"/>
+                                  </p:stCondLst>
+                                  <p:childTnLst>
+                                    <p:set>
+                                      <p:cBhvr>
+                                        <p:cTn id="18" dur="1" fill="hold">
+                                          <p:stCondLst>
+                                            <p:cond delay="0"/>
+                                          </p:stCondLst>
+                                        </p:cTn>
+                                        <p:tgtEl>
+                                          <p:spTgt spid="3">
+                                            <p:txEl>
+                                              <p:pRg st="3" end="3"/>
+                                            </p:txEl>
+                                          </p:spTgt>
+                                        </p:tgtEl>
+                                        <p:attrNameLst>
+                                          <p:attrName>style.visibility</p:attrName>
+                                        </p:attrNameLst>
+                                      </p:cBhvr>
+                                      <p:to>
+                                        <p:strVal val="visible"/>
+                                      </p:to>
+                                    </p:set>
+                                  </p:childTnLst>
+                                </p:cTn>
+                              </p:par>
+                            </p:childTnLst>
+                          </p:cTn>
+                        </p:par>
+                      </p:childTnLst>
+                    </p:cTn>
+                  </p:par>
+                  <p:par>
+                    <p:cTn id="19" fill="hold">
+                      <p:stCondLst>
+                        <p:cond delay="indefinite"/>
+                      </p:stCondLst>
+                      <p:childTnLst>
+                        <p:par>
+                          <p:cTn id="20" fill="hold">
+                            <p:stCondLst>
+                              <p:cond delay="0"/>
+                            </p:stCondLst>
+                            <p:childTnLst>
+                              <p:par>
+                                <p:cTn id="21" presetID="1" presetClass="entr" presetSubtype="0" fill="hold" grpId="0" nodeType="clickEffect">
+                                  <p:stCondLst>
+                                    <p:cond delay="0"/>
+                                  </p:stCondLst>
+                                  <p:childTnLst>
+                                    <p:set>
+                                      <p:cBhvr>
+                                        <p:cTn id="22" dur="1" fill="hold">
+                                          <p:stCondLst>
+                                            <p:cond delay="0"/>
+                                          </p:stCondLst>
+                                        </p:cTn>
+                                        <p:tgtEl>
+                                          <p:spTgt spid="3">
+                                            <p:txEl>
+                                              <p:pRg st="4" end="4"/>
+                                            </p:txEl>
+                                          </p:spTgt>
+                                        </p:tgtEl>
+                                        <p:attrNameLst>
+                                          <p:attrName>style.visibility</p:attrName>
+                                        </p:attrNameLst>
+                                      </p:cBhvr>
+                                      <p:to>
+                                        <p:strVal val="visible"/>
+                                      </p:to>
+                                    </p:set>
+                                  </p:childTnLst>
+                                </p:cTn>
+                              </p:par>
+                            </p:childTnLst>
+                          </p:cTn>
+                        </p:par>
+                      </p:childTnLst>
+                    </p:cTn>
+                  </p:par>
+                  <p:par>
+                    <p:cTn id="23" fill="hold">
+                      <p:stCondLst>
+                        <p:cond delay="indefinite"/>
+                      </p:stCondLst>
+                      <p:childTnLst>
+                        <p:par>
+                          <p:cTn id="24" fill="hold">
+                            <p:stCondLst>
+                              <p:cond delay="0"/>
+                            </p:stCondLst>
+                            <p:childTnLst>
+                              <p:par>
+                                <p:cTn id="25" presetID="1" presetClass="entr" presetSubtype="0" fill="hold" grpId="0" nodeType="clickEffect">
+                                  <p:stCondLst>
+                                    <p:cond delay="0"/>
+                                  </p:stCondLst>
+                                  <p:childTnLst>
+                                    <p:set>
+                                      <p:cBhvr>
+                                        <p:cTn id="26" dur="1" fill="hold">
+                                          <p:stCondLst>
+                                            <p:cond delay="0"/>
+                                          </p:stCondLst>
+                                        </p:cTn>
+                                        <p:tgtEl>
+                                          <p:spTgt spid="3">
+                                            <p:txEl>
+                                              <p:pRg st="5" end="5"/>
+                                            </p:txEl>
+                                          </p:spTgt>
+                                        </p:tgtEl>
+                                        <p:attrNameLst>
+                                          <p:attrName>style.visibility</p:attrName>
+                                        </p:attrNameLst>
+                                      </p:cBhvr>
+                                      <p:to>
+                                        <p:strVal val="visible"/>
+                                      </p:to>
+                                    </p:set>
+                                  </p:childTnLst>
+                                </p:cTn>
+                              </p:par>
+                            </p:childTnLst>
+                          </p:cTn>
+                        </p:par>
+                      </p:childTnLst>
+                    </p:cTn>
+                  </p:par>
+                  <p:par>
+                    <p:cTn id="27" fill="hold">
+                      <p:stCondLst>
+                        <p:cond delay="indefinite"/>
+                      </p:stCondLst>
+                      <p:childTnLst>
+                        <p:par>
+                          <p:cTn id="28" fill="hold">
+                            <p:stCondLst>
+                              <p:cond delay="0"/>
+                            </p:stCondLst>
+                            <p:childTnLst>
+                              <p:par>
+                                <p:cTn id="29" presetID="1" presetClass="entr" presetSubtype="0" fill="hold" grpId="0" nodeType="clickEffect">
+                                  <p:stCondLst>
+                                    <p:cond delay="0"/>
+                                  </p:stCondLst>
+                                  <p:childTnLst>
+                                    <p:set>
+                                      <p:cBhvr>
+                                        <p:cTn id="30" dur="1" fill="hold">
+                                          <p:stCondLst>
+                                            <p:cond delay="0"/>
+                                          </p:stCondLst>
+                                        </p:cTn>
+                                        <p:tgtEl>
+                                          <p:spTgt spid="11"/>
+                                        </p:tgtEl>
+                                        <p:attrNameLst>
+                                          <p:attrName>style.visibility</p:attrName>
+                                        </p:attrNameLst>
+                                      </p:cBhvr>
+                                      <p:to>
+                                        <p:strVal val="visible"/>
+                                      </p:to>
+                                    </p:set>
+                                  </p:childTnLst>
+                                </p:cTn>
+                              </p:par>
+                            </p:childTnLst>
+                          </p:cTn>
+                        </p:par>
+                      </p:childTnLst>
+                    </p:cTn>
+                  </p:par>
+                </p:childTnLst>
+              </p:cTn>
+              <p:prevCondLst>
+                <p:cond evt="onPrev" delay="0">
+                  <p:tgtEl>
+                    <p:sldTgt/>
+                  </p:tgtEl>
+                </p:cond>
+              </p:prevCondLst>
+              <p:nextCondLst>
+                <p:cond evt="onNext" delay="0">
+                  <p:tgtEl>
+                    <p:sldTgt/>
+                  </p:tgtEl>
+                </p:cond>
+              </p:nextCondLst>
+            </p:seq>
+          </p:childTnLst>
+        </p:cTn>
+      </p:par>
+    </p:tnLst>
+    <p:bldLst>
+      <p:bldP spid="3" grpId="0" build="p"/>
+      <p:bldP spid="11" grpId="0"/>
+    </p:bldLst>
+  </p:timing>
+</p:sld>
+</file>
+
+<file path=ppt/slides/slide38.xml><?xml version="1.0" encoding="utf-8"?>
+<p:sld xmlns:a="http://schemas.openxmlformats.org/drawingml/2006/main" xmlns:r="http://schemas.openxmlformats.org/officeDocument/2006/relationships" xmlns:p="http://schemas.openxmlformats.org/presentationml/2006/main">
+  <p:cSld>
+    <p:spTree>
+      <p:nvGrpSpPr>
+        <p:cNvPr id="1" name=""/>
+        <p:cNvGrpSpPr/>
+        <p:nvPr/>
+      </p:nvGrpSpPr>
+      <p:grpSpPr>
+        <a:xfrm>
+          <a:off x="0" y="0"/>
+          <a:ext cx="0" cy="0"/>
+          <a:chOff x="0" y="0"/>
+          <a:chExt cx="0" cy="0"/>
+        </a:xfrm>
+      </p:grpSpPr>
+      <p:pic>
+        <p:nvPicPr>
+          <p:cNvPr id="3074" name="Picture 2" descr="Image of the V-model software development lifecycle">
+            <a:extLst>
+              <a:ext uri="{FF2B5EF4-FFF2-40B4-BE49-F238E27FC236}">
+                <a16:creationId xmlns:a16="http://schemas.microsoft.com/office/drawing/2014/main" id="{2A702D27-1583-4A8F-8FC9-03A57E1CF4FA}"/>
+              </a:ext>
+            </a:extLst>
+          </p:cNvPr>
+          <p:cNvPicPr>
+            <a:picLocks noChangeAspect="1" noChangeArrowheads="1"/>
+          </p:cNvPicPr>
+          <p:nvPr/>
+        </p:nvPicPr>
+        <p:blipFill>
+          <a:blip r:embed="rId2">
+            <a:extLst>
+              <a:ext uri="{28A0092B-C50C-407E-A947-70E740481C1C}">
+                <a14:useLocalDpi xmlns:a14="http://schemas.microsoft.com/office/drawing/2010/main" val="0"/>
+              </a:ext>
+            </a:extLst>
+          </a:blip>
+          <a:srcRect/>
+          <a:stretch>
+            <a:fillRect/>
+          </a:stretch>
+        </p:blipFill>
+        <p:spPr bwMode="auto">
+          <a:xfrm>
+            <a:off x="3276600" y="2438400"/>
+            <a:ext cx="5867400" cy="3958458"/>
+          </a:xfrm>
+          <a:prstGeom prst="rect">
+            <a:avLst/>
+          </a:prstGeom>
+          <a:noFill/>
+          <a:extLst>
+            <a:ext uri="{909E8E84-426E-40DD-AFC4-6F175D3DCCD1}">
+              <a14:hiddenFill xmlns:a14="http://schemas.microsoft.com/office/drawing/2010/main">
+                <a:solidFill>
+                  <a:srgbClr val="FFFFFF"/>
+                </a:solidFill>
+              </a14:hiddenFill>
+            </a:ext>
+          </a:extLst>
+        </p:spPr>
+      </p:pic>
+      <p:sp>
+        <p:nvSpPr>
+          <p:cNvPr id="2" name="Title 1">
+            <a:extLst>
+              <a:ext uri="{FF2B5EF4-FFF2-40B4-BE49-F238E27FC236}">
+                <a16:creationId xmlns:a16="http://schemas.microsoft.com/office/drawing/2014/main" id="{16434143-F591-43E4-9EDC-7F4E687B4EC3}"/>
+              </a:ext>
+            </a:extLst>
+          </p:cNvPr>
+          <p:cNvSpPr>
+            <a:spLocks noGrp="1"/>
+          </p:cNvSpPr>
+          <p:nvPr>
+            <p:ph type="title"/>
+          </p:nvPr>
+        </p:nvSpPr>
+        <p:spPr/>
+        <p:txBody>
+          <a:bodyPr/>
+          <a:lstStyle/>
+          <a:p>
+            <a:r>
+              <a:rPr lang="en-US" dirty="0"/>
+              <a:t>The V-Model (V = Verification!)</a:t>
+            </a:r>
+          </a:p>
+        </p:txBody>
+      </p:sp>
+      <p:sp>
+        <p:nvSpPr>
+          <p:cNvPr id="3" name="Content Placeholder 2">
+            <a:extLst>
+              <a:ext uri="{FF2B5EF4-FFF2-40B4-BE49-F238E27FC236}">
+                <a16:creationId xmlns:a16="http://schemas.microsoft.com/office/drawing/2014/main" id="{F13C241C-EE35-48C9-A1AA-BC23F1E7D667}"/>
+              </a:ext>
+            </a:extLst>
+          </p:cNvPr>
+          <p:cNvSpPr>
+            <a:spLocks noGrp="1"/>
+          </p:cNvSpPr>
+          <p:nvPr>
+            <p:ph idx="1"/>
+          </p:nvPr>
+        </p:nvSpPr>
+        <p:spPr/>
+        <p:txBody>
+          <a:bodyPr/>
+          <a:lstStyle/>
+          <a:p>
+            <a:r>
+              <a:rPr lang="en-US" sz="2400" dirty="0"/>
+              <a:t>Refinement of the waterfall model (waterfall bent upwards)</a:t>
+            </a:r>
+          </a:p>
+          <a:p>
+            <a:r>
+              <a:rPr lang="en-US" sz="2400" dirty="0"/>
+              <a:t>Testing and design/development are made parallel</a:t>
+            </a:r>
+          </a:p>
+          <a:p>
+            <a:endParaRPr lang="en-US" sz="2400" dirty="0"/>
+          </a:p>
+          <a:p>
+            <a:r>
+              <a:rPr lang="en-US" sz="2400" dirty="0"/>
+              <a:t>Left side is</a:t>
+            </a:r>
+            <a:br>
+              <a:rPr lang="en-US" sz="2400" dirty="0"/>
+            </a:br>
+            <a:r>
+              <a:rPr lang="en-US" sz="2400" dirty="0"/>
+              <a:t>decomposition</a:t>
+            </a:r>
+          </a:p>
+          <a:p>
+            <a:r>
+              <a:rPr lang="en-US" sz="2400" dirty="0"/>
+              <a:t>Right side is integration</a:t>
+            </a:r>
+          </a:p>
+          <a:p>
+            <a:endParaRPr lang="en-US" sz="2400" dirty="0"/>
+          </a:p>
+          <a:p>
+            <a:r>
+              <a:rPr lang="en-US" sz="2400" dirty="0"/>
+              <a:t>Each development stage has</a:t>
+            </a:r>
+            <a:br>
+              <a:rPr lang="en-US" sz="2400" dirty="0"/>
+            </a:br>
+            <a:r>
+              <a:rPr lang="en-US" sz="2400" dirty="0"/>
+              <a:t>corresponding testing stage</a:t>
+            </a:r>
+          </a:p>
+          <a:p>
+            <a:endParaRPr lang="en-US" sz="2400" dirty="0"/>
+          </a:p>
+          <a:p>
+            <a:r>
+              <a:rPr lang="en-US" sz="2400" dirty="0"/>
+              <a:t>Left: Verify; right: validate</a:t>
+            </a:r>
+          </a:p>
+        </p:txBody>
+      </p:sp>
+      <p:sp>
+        <p:nvSpPr>
+          <p:cNvPr id="4" name="Date Placeholder 3">
+            <a:extLst>
+              <a:ext uri="{FF2B5EF4-FFF2-40B4-BE49-F238E27FC236}">
+                <a16:creationId xmlns:a16="http://schemas.microsoft.com/office/drawing/2014/main" id="{6618A6DA-AEBD-4F90-920D-8E7DA6B0CEE3}"/>
+              </a:ext>
+            </a:extLst>
+          </p:cNvPr>
+          <p:cNvSpPr>
+            <a:spLocks noGrp="1"/>
+          </p:cNvSpPr>
+          <p:nvPr>
+            <p:ph type="dt" sz="half" idx="10"/>
+          </p:nvPr>
+        </p:nvSpPr>
+        <p:spPr/>
+        <p:txBody>
+          <a:bodyPr/>
+          <a:lstStyle/>
+          <a:p>
+            <a:pPr>
+              <a:defRPr/>
+            </a:pPr>
+            <a:r>
+              <a:rPr lang="en-US"/>
+              <a:t>21/12/2020</a:t>
+            </a:r>
+          </a:p>
+        </p:txBody>
+      </p:sp>
+      <p:sp>
+        <p:nvSpPr>
+          <p:cNvPr id="5" name="Slide Number Placeholder 4">
+            <a:extLst>
+              <a:ext uri="{FF2B5EF4-FFF2-40B4-BE49-F238E27FC236}">
+                <a16:creationId xmlns:a16="http://schemas.microsoft.com/office/drawing/2014/main" id="{E4D2171E-30BA-4117-80BE-078FD78A2999}"/>
+              </a:ext>
+            </a:extLst>
+          </p:cNvPr>
+          <p:cNvSpPr>
+            <a:spLocks noGrp="1"/>
+          </p:cNvSpPr>
+          <p:nvPr>
+            <p:ph type="sldNum" sz="quarter" idx="12"/>
+          </p:nvPr>
+        </p:nvSpPr>
+        <p:spPr/>
+        <p:txBody>
+          <a:bodyPr/>
+          <a:lstStyle/>
+          <a:p>
+            <a:pPr>
+              <a:defRPr/>
+            </a:pPr>
+            <a:fld id="{CA887A73-1AE0-46F8-856A-18EA1CF30A1B}" type="slidenum">
+              <a:rPr lang="en-US" altLang="en-US" smtClean="0"/>
+              <a:pPr>
+                <a:defRPr/>
+              </a:pPr>
+              <a:t>38</a:t>
+            </a:fld>
+            <a:endParaRPr lang="en-US" altLang="en-US"/>
+          </a:p>
+        </p:txBody>
+      </p:sp>
+    </p:spTree>
+    <p:extLst>
+      <p:ext uri="{BB962C8B-B14F-4D97-AF65-F5344CB8AC3E}">
+        <p14:creationId xmlns:p14="http://schemas.microsoft.com/office/powerpoint/2010/main" val="1661314628"/>
+      </p:ext>
+    </p:extLst>
+  </p:cSld>
+  <p:clrMapOvr>
+    <a:masterClrMapping/>
+  </p:clrMapOvr>
+  <p:timing>
+    <p:tnLst>
+      <p:par>
+        <p:cTn id="1" dur="indefinite" restart="never" nodeType="tmRoot">
+          <p:childTnLst>
+            <p:seq concurrent="1" nextAc="seek">
+              <p:cTn id="2" dur="indefinite" nodeType="mainSeq">
+                <p:childTnLst>
+                  <p:par>
+                    <p:cTn id="3" fill="hold">
+                      <p:stCondLst>
+                        <p:cond delay="indefinite"/>
+                      </p:stCondLst>
+                      <p:childTnLst>
+                        <p:par>
+                          <p:cTn id="4" fill="hold">
+                            <p:stCondLst>
+                              <p:cond delay="0"/>
+                            </p:stCondLst>
+                            <p:childTnLst>
+                              <p:par>
+                                <p:cTn id="5" presetID="1" presetClass="entr" presetSubtype="0" fill="hold" grpId="0" nodeType="clickEffect">
+                                  <p:stCondLst>
+                                    <p:cond delay="0"/>
+                                  </p:stCondLst>
+                                  <p:childTnLst>
+                                    <p:set>
+                                      <p:cBhvr>
+                                        <p:cTn id="6" dur="1" fill="hold">
+                                          <p:stCondLst>
+                                            <p:cond delay="0"/>
+                                          </p:stCondLst>
+                                        </p:cTn>
+                                        <p:tgtEl>
+                                          <p:spTgt spid="3">
+                                            <p:txEl>
+                                              <p:pRg st="0" end="0"/>
+                                            </p:txEl>
+                                          </p:spTgt>
+                                        </p:tgtEl>
+                                        <p:attrNameLst>
+                                          <p:attrName>style.visibility</p:attrName>
+                                        </p:attrNameLst>
+                                      </p:cBhvr>
+                                      <p:to>
+                                        <p:strVal val="visible"/>
+                                      </p:to>
+                                    </p:set>
+                                  </p:childTnLst>
+                                </p:cTn>
+                              </p:par>
+                            </p:childTnLst>
+                          </p:cTn>
+                        </p:par>
+                      </p:childTnLst>
+                    </p:cTn>
+                  </p:par>
+                  <p:par>
+                    <p:cTn id="7" fill="hold">
+                      <p:stCondLst>
+                        <p:cond delay="indefinite"/>
+                      </p:stCondLst>
+                      <p:childTnLst>
+                        <p:par>
+                          <p:cTn id="8" fill="hold">
+                            <p:stCondLst>
+                              <p:cond delay="0"/>
+                            </p:stCondLst>
+                            <p:childTnLst>
+                              <p:par>
+                                <p:cTn id="9" presetID="1" presetClass="entr" presetSubtype="0" fill="hold" grpId="0" nodeType="clickEffect">
+                                  <p:stCondLst>
+                                    <p:cond delay="0"/>
+                                  </p:stCondLst>
+                                  <p:childTnLst>
+                                    <p:set>
+                                      <p:cBhvr>
+                                        <p:cTn id="10" dur="1" fill="hold">
+                                          <p:stCondLst>
+                                            <p:cond delay="0"/>
+                                          </p:stCondLst>
+                                        </p:cTn>
+                                        <p:tgtEl>
+                                          <p:spTgt spid="3">
+                                            <p:txEl>
+                                              <p:pRg st="1" end="1"/>
+                                            </p:txEl>
+                                          </p:spTgt>
+                                        </p:tgtEl>
+                                        <p:attrNameLst>
+                                          <p:attrName>style.visibility</p:attrName>
+                                        </p:attrNameLst>
+                                      </p:cBhvr>
+                                      <p:to>
+                                        <p:strVal val="visible"/>
+                                      </p:to>
+                                    </p:set>
+                                  </p:childTnLst>
+                                </p:cTn>
+                              </p:par>
+                            </p:childTnLst>
+                          </p:cTn>
+                        </p:par>
+                      </p:childTnLst>
+                    </p:cTn>
+                  </p:par>
+                  <p:par>
+                    <p:cTn id="11" fill="hold">
+                      <p:stCondLst>
+                        <p:cond delay="indefinite"/>
+                      </p:stCondLst>
+                      <p:childTnLst>
+                        <p:par>
+                          <p:cTn id="12" fill="hold">
+                            <p:stCondLst>
+                              <p:cond delay="0"/>
+                            </p:stCondLst>
+                            <p:childTnLst>
+                              <p:par>
+                                <p:cTn id="13" presetID="1" presetClass="entr" presetSubtype="0" fill="hold" nodeType="clickEffect">
+                                  <p:stCondLst>
+                                    <p:cond delay="0"/>
+                                  </p:stCondLst>
+                                  <p:childTnLst>
+                                    <p:set>
+                                      <p:cBhvr>
+                                        <p:cTn id="14" dur="1" fill="hold">
+                                          <p:stCondLst>
+                                            <p:cond delay="0"/>
+                                          </p:stCondLst>
+                                        </p:cTn>
+                                        <p:tgtEl>
+                                          <p:spTgt spid="3074"/>
+                                        </p:tgtEl>
+                                        <p:attrNameLst>
+                                          <p:attrName>style.visibility</p:attrName>
+                                        </p:attrNameLst>
+                                      </p:cBhvr>
+                                      <p:to>
+                                        <p:strVal val="visible"/>
+                                      </p:to>
+                                    </p:set>
+                                  </p:childTnLst>
+                                </p:cTn>
+                              </p:par>
+                            </p:childTnLst>
+                          </p:cTn>
+                        </p:par>
+                      </p:childTnLst>
+                    </p:cTn>
+                  </p:par>
+                  <p:par>
+                    <p:cTn id="15" fill="hold">
+                      <p:stCondLst>
+                        <p:cond delay="indefinite"/>
+                      </p:stCondLst>
+                      <p:childTnLst>
+                        <p:par>
+                          <p:cTn id="16" fill="hold">
+                            <p:stCondLst>
+                              <p:cond delay="0"/>
+                            </p:stCondLst>
+                            <p:childTnLst>
+                              <p:par>
+                                <p:cTn id="17" presetID="1" presetClass="entr" presetSubtype="0" fill="hold" grpId="0" nodeType="clickEffect">
+                                  <p:stCondLst>
+                                    <p:cond delay="0"/>
+                                  </p:stCondLst>
+                                  <p:childTnLst>
+                                    <p:set>
+                                      <p:cBhvr>
+                                        <p:cTn id="18" dur="1" fill="hold">
+                                          <p:stCondLst>
+                                            <p:cond delay="0"/>
+                                          </p:stCondLst>
+                                        </p:cTn>
+                                        <p:tgtEl>
+                                          <p:spTgt spid="3">
+                                            <p:txEl>
+                                              <p:pRg st="3" end="3"/>
+                                            </p:txEl>
+                                          </p:spTgt>
+                                        </p:tgtEl>
+                                        <p:attrNameLst>
+                                          <p:attrName>style.visibility</p:attrName>
+                                        </p:attrNameLst>
+                                      </p:cBhvr>
+                                      <p:to>
+                                        <p:strVal val="visible"/>
+                                      </p:to>
+                                    </p:set>
+                                  </p:childTnLst>
+                                </p:cTn>
+                              </p:par>
+                            </p:childTnLst>
+                          </p:cTn>
+                        </p:par>
+                      </p:childTnLst>
+                    </p:cTn>
+                  </p:par>
+                  <p:par>
+                    <p:cTn id="19" fill="hold">
+                      <p:stCondLst>
+                        <p:cond delay="indefinite"/>
+                      </p:stCondLst>
+                      <p:childTnLst>
+                        <p:par>
+                          <p:cTn id="20" fill="hold">
+                            <p:stCondLst>
+                              <p:cond delay="0"/>
+                            </p:stCondLst>
+                            <p:childTnLst>
+                              <p:par>
+                                <p:cTn id="21" presetID="1" presetClass="entr" presetSubtype="0" fill="hold" grpId="0" nodeType="clickEffect">
+                                  <p:stCondLst>
+                                    <p:cond delay="0"/>
+                                  </p:stCondLst>
+                                  <p:childTnLst>
+                                    <p:set>
+                                      <p:cBhvr>
+                                        <p:cTn id="22" dur="1" fill="hold">
+                                          <p:stCondLst>
+                                            <p:cond delay="0"/>
+                                          </p:stCondLst>
+                                        </p:cTn>
+                                        <p:tgtEl>
+                                          <p:spTgt spid="3">
+                                            <p:txEl>
+                                              <p:pRg st="4" end="4"/>
+                                            </p:txEl>
+                                          </p:spTgt>
+                                        </p:tgtEl>
+                                        <p:attrNameLst>
+                                          <p:attrName>style.visibility</p:attrName>
+                                        </p:attrNameLst>
+                                      </p:cBhvr>
+                                      <p:to>
+                                        <p:strVal val="visible"/>
+                                      </p:to>
+                                    </p:set>
+                                  </p:childTnLst>
+                                </p:cTn>
+                              </p:par>
+                            </p:childTnLst>
+                          </p:cTn>
+                        </p:par>
+                      </p:childTnLst>
+                    </p:cTn>
+                  </p:par>
+                  <p:par>
+                    <p:cTn id="23" fill="hold">
+                      <p:stCondLst>
+                        <p:cond delay="indefinite"/>
+                      </p:stCondLst>
+                      <p:childTnLst>
+                        <p:par>
+                          <p:cTn id="24" fill="hold">
+                            <p:stCondLst>
+                              <p:cond delay="0"/>
+                            </p:stCondLst>
+                            <p:childTnLst>
+                              <p:par>
+                                <p:cTn id="25" presetID="1" presetClass="entr" presetSubtype="0" fill="hold" grpId="0" nodeType="clickEffect">
+                                  <p:stCondLst>
+                                    <p:cond delay="0"/>
+                                  </p:stCondLst>
+                                  <p:childTnLst>
+                                    <p:set>
+                                      <p:cBhvr>
+                                        <p:cTn id="26" dur="1" fill="hold">
+                                          <p:stCondLst>
+                                            <p:cond delay="0"/>
+                                          </p:stCondLst>
+                                        </p:cTn>
+                                        <p:tgtEl>
+                                          <p:spTgt spid="3">
+                                            <p:txEl>
+                                              <p:pRg st="6" end="6"/>
+                                            </p:txEl>
+                                          </p:spTgt>
+                                        </p:tgtEl>
+                                        <p:attrNameLst>
+                                          <p:attrName>style.visibility</p:attrName>
+                                        </p:attrNameLst>
+                                      </p:cBhvr>
+                                      <p:to>
+                                        <p:strVal val="visible"/>
+                                      </p:to>
+                                    </p:set>
+                                  </p:childTnLst>
+                                </p:cTn>
+                              </p:par>
+                            </p:childTnLst>
+                          </p:cTn>
+                        </p:par>
+                      </p:childTnLst>
+                    </p:cTn>
+                  </p:par>
+                  <p:par>
+                    <p:cTn id="27" fill="hold">
+                      <p:stCondLst>
+                        <p:cond delay="indefinite"/>
+                      </p:stCondLst>
+                      <p:childTnLst>
+                        <p:par>
+                          <p:cTn id="28" fill="hold">
+                            <p:stCondLst>
+                              <p:cond delay="0"/>
+                            </p:stCondLst>
+                            <p:childTnLst>
+                              <p:par>
+                                <p:cTn id="29" presetID="1" presetClass="entr" presetSubtype="0" fill="hold" grpId="0" nodeType="clickEffect">
+                                  <p:stCondLst>
+                                    <p:cond delay="0"/>
+                                  </p:stCondLst>
+                                  <p:childTnLst>
+                                    <p:set>
+                                      <p:cBhvr>
+                                        <p:cTn id="30" dur="1" fill="hold">
+                                          <p:stCondLst>
+                                            <p:cond delay="0"/>
+                                          </p:stCondLst>
+                                        </p:cTn>
+                                        <p:tgtEl>
+                                          <p:spTgt spid="3">
+                                            <p:txEl>
+                                              <p:pRg st="8" end="8"/>
+                                            </p:txEl>
+                                          </p:spTgt>
+                                        </p:tgtEl>
+                                        <p:attrNameLst>
+                                          <p:attrName>style.visibility</p:attrName>
+                                        </p:attrNameLst>
+                                      </p:cBhvr>
+                                      <p:to>
+                                        <p:strVal val="visible"/>
+                                      </p:to>
+                                    </p:set>
+                                  </p:childTnLst>
+                                </p:cTn>
+                              </p:par>
+                            </p:childTnLst>
+                          </p:cTn>
+                        </p:par>
+                      </p:childTnLst>
+                    </p:cTn>
+                  </p:par>
+                </p:childTnLst>
+              </p:cTn>
+              <p:prevCondLst>
+                <p:cond evt="onPrev" delay="0">
+                  <p:tgtEl>
+                    <p:sldTgt/>
+                  </p:tgtEl>
+                </p:cond>
+              </p:prevCondLst>
+              <p:nextCondLst>
+                <p:cond evt="onNext" delay="0">
+                  <p:tgtEl>
+                    <p:sldTgt/>
+                  </p:tgtEl>
+                </p:cond>
+              </p:nextCondLst>
+            </p:seq>
+          </p:childTnLst>
+        </p:cTn>
+      </p:par>
+    </p:tnLst>
+    <p:bldLst>
+      <p:bldP spid="3" grpId="0" uiExpand="1" build="p"/>
+    </p:bldLst>
+  </p:timing>
+</p:sld>
+</file>
+
+<file path=ppt/slides/slide39.xml><?xml version="1.0" encoding="utf-8"?>
+<p:sld xmlns:a="http://schemas.openxmlformats.org/drawingml/2006/main" xmlns:r="http://schemas.openxmlformats.org/officeDocument/2006/relationships" xmlns:p="http://schemas.openxmlformats.org/presentationml/2006/main">
+  <p:cSld>
+    <p:spTree>
+      <p:nvGrpSpPr>
+        <p:cNvPr id="1" name=""/>
+        <p:cNvGrpSpPr/>
+        <p:nvPr/>
+      </p:nvGrpSpPr>
+      <p:grpSpPr>
+        <a:xfrm>
+          <a:off x="0" y="0"/>
+          <a:ext cx="0" cy="0"/>
+          <a:chOff x="0" y="0"/>
+          <a:chExt cx="0" cy="0"/>
+        </a:xfrm>
+      </p:grpSpPr>
+      <p:sp>
+        <p:nvSpPr>
+          <p:cNvPr id="2" name="Title 1">
+            <a:extLst>
+              <a:ext uri="{FF2B5EF4-FFF2-40B4-BE49-F238E27FC236}">
+                <a16:creationId xmlns:a16="http://schemas.microsoft.com/office/drawing/2014/main" id="{A7185225-5983-40E1-8FDD-052F29E5BC81}"/>
+              </a:ext>
+            </a:extLst>
+          </p:cNvPr>
+          <p:cNvSpPr>
+            <a:spLocks noGrp="1"/>
+          </p:cNvSpPr>
+          <p:nvPr>
+            <p:ph type="title"/>
+          </p:nvPr>
+        </p:nvSpPr>
+        <p:spPr/>
+        <p:txBody>
+          <a:bodyPr/>
+          <a:lstStyle/>
+          <a:p>
+            <a:r>
+              <a:rPr lang="en-US" dirty="0"/>
+              <a:t>Levels of testing in embedded systems</a:t>
+            </a:r>
+          </a:p>
+        </p:txBody>
+      </p:sp>
+      <p:sp>
+        <p:nvSpPr>
+          <p:cNvPr id="3" name="Content Placeholder 2">
+            <a:extLst>
+              <a:ext uri="{FF2B5EF4-FFF2-40B4-BE49-F238E27FC236}">
+                <a16:creationId xmlns:a16="http://schemas.microsoft.com/office/drawing/2014/main" id="{0DD56168-729B-4596-A8BA-083E13B7D952}"/>
+              </a:ext>
+            </a:extLst>
+          </p:cNvPr>
+          <p:cNvSpPr>
+            <a:spLocks noGrp="1"/>
+          </p:cNvSpPr>
+          <p:nvPr>
+            <p:ph idx="1"/>
+          </p:nvPr>
+        </p:nvSpPr>
+        <p:spPr/>
+        <p:txBody>
+          <a:bodyPr/>
+          <a:lstStyle/>
+          <a:p>
+            <a:r>
+              <a:rPr lang="en-US" sz="2400" dirty="0"/>
+              <a:t>Unit Testing: Individual C/C++ modules (often in isolation via mocks).</a:t>
+            </a:r>
+          </a:p>
+          <a:p>
+            <a:endParaRPr lang="en-US" sz="2400" dirty="0"/>
+          </a:p>
+          <a:p>
+            <a:r>
+              <a:rPr lang="en-US" sz="2400" dirty="0"/>
+              <a:t>Integration Testing: Interaction between modules and Hardware-Software Interface (HSI).</a:t>
+            </a:r>
+          </a:p>
+          <a:p>
+            <a:endParaRPr lang="en-US" sz="2400" dirty="0"/>
+          </a:p>
+          <a:p>
+            <a:r>
+              <a:rPr lang="en-US" sz="2400" dirty="0"/>
+              <a:t>System Testing: Testing the full "Black Box" against functional requirements.</a:t>
+            </a:r>
+          </a:p>
+          <a:p>
+            <a:endParaRPr lang="en-US" sz="2400" dirty="0"/>
+          </a:p>
+          <a:p>
+            <a:r>
+              <a:rPr lang="en-US" sz="2400" dirty="0"/>
+              <a:t>Acceptance Testing: Operational testing in the final environment (e.g., in the car or the industrial plant).</a:t>
+            </a:r>
+          </a:p>
+        </p:txBody>
+      </p:sp>
+      <p:sp>
+        <p:nvSpPr>
+          <p:cNvPr id="4" name="Date Placeholder 3">
+            <a:extLst>
+              <a:ext uri="{FF2B5EF4-FFF2-40B4-BE49-F238E27FC236}">
+                <a16:creationId xmlns:a16="http://schemas.microsoft.com/office/drawing/2014/main" id="{3FD14A1C-A76E-4581-A0F8-1087252958E6}"/>
+              </a:ext>
+            </a:extLst>
+          </p:cNvPr>
+          <p:cNvSpPr>
+            <a:spLocks noGrp="1"/>
+          </p:cNvSpPr>
+          <p:nvPr>
+            <p:ph type="dt" sz="half" idx="10"/>
+          </p:nvPr>
+        </p:nvSpPr>
+        <p:spPr/>
+        <p:txBody>
+          <a:bodyPr/>
+          <a:lstStyle/>
+          <a:p>
+            <a:pPr>
+              <a:defRPr/>
+            </a:pPr>
+            <a:r>
+              <a:rPr lang="en-US"/>
+              <a:t>21/12/2020</a:t>
+            </a:r>
+          </a:p>
+        </p:txBody>
+      </p:sp>
+      <p:sp>
+        <p:nvSpPr>
+          <p:cNvPr id="5" name="Slide Number Placeholder 4">
+            <a:extLst>
+              <a:ext uri="{FF2B5EF4-FFF2-40B4-BE49-F238E27FC236}">
+                <a16:creationId xmlns:a16="http://schemas.microsoft.com/office/drawing/2014/main" id="{5C27FE54-AFD0-499D-80FE-F5A8249FC163}"/>
+              </a:ext>
+            </a:extLst>
+          </p:cNvPr>
+          <p:cNvSpPr>
+            <a:spLocks noGrp="1"/>
+          </p:cNvSpPr>
+          <p:nvPr>
+            <p:ph type="sldNum" sz="quarter" idx="12"/>
+          </p:nvPr>
+        </p:nvSpPr>
+        <p:spPr/>
+        <p:txBody>
+          <a:bodyPr/>
+          <a:lstStyle/>
+          <a:p>
+            <a:pPr>
+              <a:defRPr/>
+            </a:pPr>
+            <a:fld id="{CA887A73-1AE0-46F8-856A-18EA1CF30A1B}" type="slidenum">
+              <a:rPr lang="en-US" altLang="en-US" smtClean="0"/>
+              <a:pPr>
+                <a:defRPr/>
+              </a:pPr>
+              <a:t>39</a:t>
+            </a:fld>
+            <a:endParaRPr lang="en-US" altLang="en-US"/>
+          </a:p>
+        </p:txBody>
+      </p:sp>
+    </p:spTree>
+    <p:extLst>
+      <p:ext uri="{BB962C8B-B14F-4D97-AF65-F5344CB8AC3E}">
+        <p14:creationId xmlns:p14="http://schemas.microsoft.com/office/powerpoint/2010/main" val="549393082"/>
+      </p:ext>
+    </p:extLst>
+  </p:cSld>
+  <p:clrMapOvr>
+    <a:masterClrMapping/>
+  </p:clrMapOvr>
+  <p:timing>
+    <p:tnLst>
+      <p:par>
+        <p:cTn id="1" dur="indefinite" restart="never" nodeType="tmRoot">
+          <p:childTnLst>
+            <p:seq concurrent="1" nextAc="seek">
+              <p:cTn id="2" dur="indefinite" nodeType="mainSeq">
+                <p:childTnLst>
+                  <p:par>
+                    <p:cTn id="3" fill="hold">
+                      <p:stCondLst>
+                        <p:cond delay="indefinite"/>
+                      </p:stCondLst>
+                      <p:childTnLst>
+                        <p:par>
+                          <p:cTn id="4" fill="hold">
+                            <p:stCondLst>
+                              <p:cond delay="0"/>
+                            </p:stCondLst>
+                            <p:childTnLst>
+                              <p:par>
+                                <p:cTn id="5" presetID="1" presetClass="entr" presetSubtype="0" fill="hold" grpId="0" nodeType="clickEffect">
+                                  <p:stCondLst>
+                                    <p:cond delay="0"/>
+                                  </p:stCondLst>
+                                  <p:childTnLst>
+                                    <p:set>
+                                      <p:cBhvr>
+                                        <p:cTn id="6" dur="1" fill="hold">
+                                          <p:stCondLst>
+                                            <p:cond delay="0"/>
+                                          </p:stCondLst>
+                                        </p:cTn>
+                                        <p:tgtEl>
+                                          <p:spTgt spid="3">
+                                            <p:txEl>
+                                              <p:pRg st="0" end="0"/>
+                                            </p:txEl>
+                                          </p:spTgt>
+                                        </p:tgtEl>
+                                        <p:attrNameLst>
+                                          <p:attrName>style.visibility</p:attrName>
+                                        </p:attrNameLst>
+                                      </p:cBhvr>
+                                      <p:to>
+                                        <p:strVal val="visible"/>
+                                      </p:to>
+                                    </p:set>
+                                  </p:childTnLst>
+                                </p:cTn>
+                              </p:par>
+                            </p:childTnLst>
+                          </p:cTn>
+                        </p:par>
+                      </p:childTnLst>
+                    </p:cTn>
+                  </p:par>
+                  <p:par>
+                    <p:cTn id="7" fill="hold">
+                      <p:stCondLst>
+                        <p:cond delay="indefinite"/>
+                      </p:stCondLst>
+                      <p:childTnLst>
+                        <p:par>
+                          <p:cTn id="8" fill="hold">
+                            <p:stCondLst>
+                              <p:cond delay="0"/>
+                            </p:stCondLst>
+                            <p:childTnLst>
+                              <p:par>
+                                <p:cTn id="9" presetID="1" presetClass="entr" presetSubtype="0" fill="hold" grpId="0" nodeType="clickEffect">
+                                  <p:stCondLst>
+                                    <p:cond delay="0"/>
+                                  </p:stCondLst>
+                                  <p:childTnLst>
+                                    <p:set>
+                                      <p:cBhvr>
+                                        <p:cTn id="10" dur="1" fill="hold">
+                                          <p:stCondLst>
+                                            <p:cond delay="0"/>
+                                          </p:stCondLst>
+                                        </p:cTn>
+                                        <p:tgtEl>
+                                          <p:spTgt spid="3">
+                                            <p:txEl>
+                                              <p:pRg st="2" end="2"/>
+                                            </p:txEl>
+                                          </p:spTgt>
+                                        </p:tgtEl>
+                                        <p:attrNameLst>
+                                          <p:attrName>style.visibility</p:attrName>
+                                        </p:attrNameLst>
+                                      </p:cBhvr>
+                                      <p:to>
+                                        <p:strVal val="visible"/>
+                                      </p:to>
+                                    </p:set>
+                                  </p:childTnLst>
+                                </p:cTn>
+                              </p:par>
+                            </p:childTnLst>
+                          </p:cTn>
+                        </p:par>
+                      </p:childTnLst>
+                    </p:cTn>
+                  </p:par>
+                  <p:par>
+                    <p:cTn id="11" fill="hold">
+                      <p:stCondLst>
+                        <p:cond delay="indefinite"/>
+                      </p:stCondLst>
+                      <p:childTnLst>
+                        <p:par>
+                          <p:cTn id="12" fill="hold">
+                            <p:stCondLst>
+                              <p:cond delay="0"/>
+                            </p:stCondLst>
+                            <p:childTnLst>
+                              <p:par>
+                                <p:cTn id="13" presetID="1" presetClass="entr" presetSubtype="0" fill="hold" grpId="0" nodeType="clickEffect">
+                                  <p:stCondLst>
+                                    <p:cond delay="0"/>
+                                  </p:stCondLst>
+                                  <p:childTnLst>
+                                    <p:set>
+                                      <p:cBhvr>
+                                        <p:cTn id="14" dur="1" fill="hold">
+                                          <p:stCondLst>
+                                            <p:cond delay="0"/>
+                                          </p:stCondLst>
+                                        </p:cTn>
+                                        <p:tgtEl>
+                                          <p:spTgt spid="3">
+                                            <p:txEl>
+                                              <p:pRg st="4" end="4"/>
+                                            </p:txEl>
+                                          </p:spTgt>
+                                        </p:tgtEl>
+                                        <p:attrNameLst>
+                                          <p:attrName>style.visibility</p:attrName>
+                                        </p:attrNameLst>
+                                      </p:cBhvr>
+                                      <p:to>
+                                        <p:strVal val="visible"/>
+                                      </p:to>
+                                    </p:set>
+                                  </p:childTnLst>
+                                </p:cTn>
+                              </p:par>
+                            </p:childTnLst>
+                          </p:cTn>
+                        </p:par>
+                      </p:childTnLst>
+                    </p:cTn>
+                  </p:par>
+                  <p:par>
+                    <p:cTn id="15" fill="hold">
+                      <p:stCondLst>
+                        <p:cond delay="indefinite"/>
+                      </p:stCondLst>
+                      <p:childTnLst>
+                        <p:par>
+                          <p:cTn id="16" fill="hold">
+                            <p:stCondLst>
+                              <p:cond delay="0"/>
+                            </p:stCondLst>
+                            <p:childTnLst>
+                              <p:par>
+                                <p:cTn id="17" presetID="1" presetClass="entr" presetSubtype="0" fill="hold" grpId="0" nodeType="clickEffect">
+                                  <p:stCondLst>
+                                    <p:cond delay="0"/>
+                                  </p:stCondLst>
+                                  <p:childTnLst>
+                                    <p:set>
+                                      <p:cBhvr>
+                                        <p:cTn id="18" dur="1" fill="hold">
+                                          <p:stCondLst>
+                                            <p:cond delay="0"/>
+                                          </p:stCondLst>
+                                        </p:cTn>
+                                        <p:tgtEl>
+                                          <p:spTgt spid="3">
+                                            <p:txEl>
+                                              <p:pRg st="6" end="6"/>
+                                            </p:txEl>
+                                          </p:spTgt>
+                                        </p:tgtEl>
+                                        <p:attrNameLst>
+                                          <p:attrName>style.visibility</p:attrName>
+                                        </p:attrNameLst>
+                                      </p:cBhvr>
+                                      <p:to>
+                                        <p:strVal val="visible"/>
+                                      </p:to>
+                                    </p:set>
+                                  </p:childTnLst>
+                                </p:cTn>
+                              </p:par>
+                            </p:childTnLst>
+                          </p:cTn>
+                        </p:par>
+                      </p:childTnLst>
+                    </p:cTn>
+                  </p:par>
+                </p:childTnLst>
+              </p:cTn>
+              <p:prevCondLst>
+                <p:cond evt="onPrev" delay="0">
+                  <p:tgtEl>
+                    <p:sldTgt/>
+                  </p:tgtEl>
+                </p:cond>
+              </p:prevCondLst>
+              <p:nextCondLst>
+                <p:cond evt="onNext" delay="0">
+                  <p:tgtEl>
+                    <p:sldTgt/>
+                  </p:tgtEl>
+                </p:cond>
+              </p:nextCondLst>
+            </p:seq>
+          </p:childTnLst>
+        </p:cTn>
+      </p:par>
+    </p:tnLst>
+    <p:bldLst>
+      <p:bldP spid="3" grpId="0" build="p"/>
+    </p:bldLst>
+  </p:timing>
+</p:sld>
+</file>
+
 <file path=ppt/slides/slide4.xml><?xml version="1.0" encoding="utf-8"?>
 <p:sld xmlns:a="http://schemas.openxmlformats.org/drawingml/2006/main" xmlns:r="http://schemas.openxmlformats.org/officeDocument/2006/relationships" xmlns:p="http://schemas.openxmlformats.org/presentationml/2006/main">
   <p:cSld>
@@ -18218,6 +23189,3037 @@
     </p:tnLst>
     <p:bldLst>
       <p:bldP spid="3" grpId="0" uiExpand="1" build="p"/>
+    </p:bldLst>
+  </p:timing>
+</p:sld>
+</file>
+
+<file path=ppt/slides/slide40.xml><?xml version="1.0" encoding="utf-8"?>
+<p:sld xmlns:a="http://schemas.openxmlformats.org/drawingml/2006/main" xmlns:r="http://schemas.openxmlformats.org/officeDocument/2006/relationships" xmlns:p="http://schemas.openxmlformats.org/presentationml/2006/main">
+  <p:cSld>
+    <p:spTree>
+      <p:nvGrpSpPr>
+        <p:cNvPr id="1" name=""/>
+        <p:cNvGrpSpPr/>
+        <p:nvPr/>
+      </p:nvGrpSpPr>
+      <p:grpSpPr>
+        <a:xfrm>
+          <a:off x="0" y="0"/>
+          <a:ext cx="0" cy="0"/>
+          <a:chOff x="0" y="0"/>
+          <a:chExt cx="0" cy="0"/>
+        </a:xfrm>
+      </p:grpSpPr>
+      <p:sp>
+        <p:nvSpPr>
+          <p:cNvPr id="2" name="Title 1">
+            <a:extLst>
+              <a:ext uri="{FF2B5EF4-FFF2-40B4-BE49-F238E27FC236}">
+                <a16:creationId xmlns:a16="http://schemas.microsoft.com/office/drawing/2014/main" id="{0C5D533E-C07F-43F0-B74E-FA0F113D07EB}"/>
+              </a:ext>
+            </a:extLst>
+          </p:cNvPr>
+          <p:cNvSpPr>
+            <a:spLocks noGrp="1"/>
+          </p:cNvSpPr>
+          <p:nvPr>
+            <p:ph type="title"/>
+          </p:nvPr>
+        </p:nvSpPr>
+        <p:spPr/>
+        <p:txBody>
+          <a:bodyPr/>
+          <a:lstStyle/>
+          <a:p>
+            <a:r>
+              <a:rPr lang="en-US" dirty="0"/>
+              <a:t>Traceability is the backbone of the V-Model</a:t>
+            </a:r>
+          </a:p>
+        </p:txBody>
+      </p:sp>
+      <p:sp>
+        <p:nvSpPr>
+          <p:cNvPr id="3" name="Content Placeholder 2">
+            <a:extLst>
+              <a:ext uri="{FF2B5EF4-FFF2-40B4-BE49-F238E27FC236}">
+                <a16:creationId xmlns:a16="http://schemas.microsoft.com/office/drawing/2014/main" id="{BB482F02-124C-4B92-9E84-0DBB8408D4B5}"/>
+              </a:ext>
+            </a:extLst>
+          </p:cNvPr>
+          <p:cNvSpPr>
+            <a:spLocks noGrp="1"/>
+          </p:cNvSpPr>
+          <p:nvPr>
+            <p:ph idx="1"/>
+          </p:nvPr>
+        </p:nvSpPr>
+        <p:spPr/>
+        <p:txBody>
+          <a:bodyPr/>
+          <a:lstStyle/>
+          <a:p>
+            <a:r>
+              <a:rPr lang="en-US" sz="2400" dirty="0"/>
+              <a:t>Change Management: If a customer changes a sensor requirement, which test cases need to be re-run?</a:t>
+            </a:r>
+          </a:p>
+          <a:p>
+            <a:r>
+              <a:rPr lang="en-US" sz="2400" dirty="0">
+                <a:solidFill>
+                  <a:srgbClr val="FF0000"/>
+                </a:solidFill>
+              </a:rPr>
+              <a:t>Traceability:</a:t>
+            </a:r>
+            <a:r>
+              <a:rPr lang="en-US" sz="2800" dirty="0">
+                <a:solidFill>
+                  <a:srgbClr val="FF0000"/>
+                </a:solidFill>
+              </a:rPr>
+              <a:t> </a:t>
+            </a:r>
+            <a:r>
+              <a:rPr lang="en-US" sz="2400" dirty="0">
+                <a:solidFill>
+                  <a:srgbClr val="FF0000"/>
+                </a:solidFill>
+              </a:rPr>
+              <a:t>each requirement is designed for, implemented and verified</a:t>
+            </a:r>
+          </a:p>
+          <a:p>
+            <a:r>
+              <a:rPr lang="en-US" sz="2400" dirty="0"/>
+              <a:t>Regulatory Compliance: Standards like ISO 26262 (Automotive) and DO-178C (Aerospace) mandate 100% traceability.</a:t>
+            </a:r>
+          </a:p>
+        </p:txBody>
+      </p:sp>
+      <p:sp>
+        <p:nvSpPr>
+          <p:cNvPr id="4" name="Date Placeholder 3">
+            <a:extLst>
+              <a:ext uri="{FF2B5EF4-FFF2-40B4-BE49-F238E27FC236}">
+                <a16:creationId xmlns:a16="http://schemas.microsoft.com/office/drawing/2014/main" id="{CB327F77-04B9-4BCE-8502-87A5808B44A6}"/>
+              </a:ext>
+            </a:extLst>
+          </p:cNvPr>
+          <p:cNvSpPr>
+            <a:spLocks noGrp="1"/>
+          </p:cNvSpPr>
+          <p:nvPr>
+            <p:ph type="dt" sz="half" idx="10"/>
+          </p:nvPr>
+        </p:nvSpPr>
+        <p:spPr/>
+        <p:txBody>
+          <a:bodyPr/>
+          <a:lstStyle/>
+          <a:p>
+            <a:pPr>
+              <a:defRPr/>
+            </a:pPr>
+            <a:r>
+              <a:rPr lang="en-US"/>
+              <a:t>21/12/2020</a:t>
+            </a:r>
+          </a:p>
+        </p:txBody>
+      </p:sp>
+      <p:sp>
+        <p:nvSpPr>
+          <p:cNvPr id="5" name="Slide Number Placeholder 4">
+            <a:extLst>
+              <a:ext uri="{FF2B5EF4-FFF2-40B4-BE49-F238E27FC236}">
+                <a16:creationId xmlns:a16="http://schemas.microsoft.com/office/drawing/2014/main" id="{71590AC9-3A2B-4AC9-BB8B-C8E8A37CABBA}"/>
+              </a:ext>
+            </a:extLst>
+          </p:cNvPr>
+          <p:cNvSpPr>
+            <a:spLocks noGrp="1"/>
+          </p:cNvSpPr>
+          <p:nvPr>
+            <p:ph type="sldNum" sz="quarter" idx="12"/>
+          </p:nvPr>
+        </p:nvSpPr>
+        <p:spPr/>
+        <p:txBody>
+          <a:bodyPr/>
+          <a:lstStyle/>
+          <a:p>
+            <a:pPr>
+              <a:defRPr/>
+            </a:pPr>
+            <a:fld id="{CA887A73-1AE0-46F8-856A-18EA1CF30A1B}" type="slidenum">
+              <a:rPr lang="en-US" altLang="en-US" smtClean="0"/>
+              <a:pPr>
+                <a:defRPr/>
+              </a:pPr>
+              <a:t>40</a:t>
+            </a:fld>
+            <a:endParaRPr lang="en-US" altLang="en-US"/>
+          </a:p>
+        </p:txBody>
+      </p:sp>
+    </p:spTree>
+    <p:extLst>
+      <p:ext uri="{BB962C8B-B14F-4D97-AF65-F5344CB8AC3E}">
+        <p14:creationId xmlns:p14="http://schemas.microsoft.com/office/powerpoint/2010/main" val="4017901146"/>
+      </p:ext>
+    </p:extLst>
+  </p:cSld>
+  <p:clrMapOvr>
+    <a:masterClrMapping/>
+  </p:clrMapOvr>
+  <p:timing>
+    <p:tnLst>
+      <p:par>
+        <p:cTn id="1" dur="indefinite" restart="never" nodeType="tmRoot">
+          <p:childTnLst>
+            <p:seq concurrent="1" nextAc="seek">
+              <p:cTn id="2" dur="indefinite" nodeType="mainSeq">
+                <p:childTnLst>
+                  <p:par>
+                    <p:cTn id="3" fill="hold">
+                      <p:stCondLst>
+                        <p:cond delay="indefinite"/>
+                      </p:stCondLst>
+                      <p:childTnLst>
+                        <p:par>
+                          <p:cTn id="4" fill="hold">
+                            <p:stCondLst>
+                              <p:cond delay="0"/>
+                            </p:stCondLst>
+                            <p:childTnLst>
+                              <p:par>
+                                <p:cTn id="5" presetID="1" presetClass="entr" presetSubtype="0" fill="hold" grpId="0" nodeType="clickEffect">
+                                  <p:stCondLst>
+                                    <p:cond delay="0"/>
+                                  </p:stCondLst>
+                                  <p:childTnLst>
+                                    <p:set>
+                                      <p:cBhvr>
+                                        <p:cTn id="6" dur="1" fill="hold">
+                                          <p:stCondLst>
+                                            <p:cond delay="0"/>
+                                          </p:stCondLst>
+                                        </p:cTn>
+                                        <p:tgtEl>
+                                          <p:spTgt spid="3">
+                                            <p:txEl>
+                                              <p:pRg st="0" end="0"/>
+                                            </p:txEl>
+                                          </p:spTgt>
+                                        </p:tgtEl>
+                                        <p:attrNameLst>
+                                          <p:attrName>style.visibility</p:attrName>
+                                        </p:attrNameLst>
+                                      </p:cBhvr>
+                                      <p:to>
+                                        <p:strVal val="visible"/>
+                                      </p:to>
+                                    </p:set>
+                                  </p:childTnLst>
+                                </p:cTn>
+                              </p:par>
+                            </p:childTnLst>
+                          </p:cTn>
+                        </p:par>
+                      </p:childTnLst>
+                    </p:cTn>
+                  </p:par>
+                  <p:par>
+                    <p:cTn id="7" fill="hold">
+                      <p:stCondLst>
+                        <p:cond delay="indefinite"/>
+                      </p:stCondLst>
+                      <p:childTnLst>
+                        <p:par>
+                          <p:cTn id="8" fill="hold">
+                            <p:stCondLst>
+                              <p:cond delay="0"/>
+                            </p:stCondLst>
+                            <p:childTnLst>
+                              <p:par>
+                                <p:cTn id="9" presetID="1" presetClass="entr" presetSubtype="0" fill="hold" grpId="0" nodeType="clickEffect">
+                                  <p:stCondLst>
+                                    <p:cond delay="0"/>
+                                  </p:stCondLst>
+                                  <p:childTnLst>
+                                    <p:set>
+                                      <p:cBhvr>
+                                        <p:cTn id="10" dur="1" fill="hold">
+                                          <p:stCondLst>
+                                            <p:cond delay="0"/>
+                                          </p:stCondLst>
+                                        </p:cTn>
+                                        <p:tgtEl>
+                                          <p:spTgt spid="3">
+                                            <p:txEl>
+                                              <p:pRg st="1" end="1"/>
+                                            </p:txEl>
+                                          </p:spTgt>
+                                        </p:tgtEl>
+                                        <p:attrNameLst>
+                                          <p:attrName>style.visibility</p:attrName>
+                                        </p:attrNameLst>
+                                      </p:cBhvr>
+                                      <p:to>
+                                        <p:strVal val="visible"/>
+                                      </p:to>
+                                    </p:set>
+                                  </p:childTnLst>
+                                </p:cTn>
+                              </p:par>
+                            </p:childTnLst>
+                          </p:cTn>
+                        </p:par>
+                      </p:childTnLst>
+                    </p:cTn>
+                  </p:par>
+                  <p:par>
+                    <p:cTn id="11" fill="hold">
+                      <p:stCondLst>
+                        <p:cond delay="indefinite"/>
+                      </p:stCondLst>
+                      <p:childTnLst>
+                        <p:par>
+                          <p:cTn id="12" fill="hold">
+                            <p:stCondLst>
+                              <p:cond delay="0"/>
+                            </p:stCondLst>
+                            <p:childTnLst>
+                              <p:par>
+                                <p:cTn id="13" presetID="1" presetClass="entr" presetSubtype="0" fill="hold" grpId="0" nodeType="clickEffect">
+                                  <p:stCondLst>
+                                    <p:cond delay="0"/>
+                                  </p:stCondLst>
+                                  <p:childTnLst>
+                                    <p:set>
+                                      <p:cBhvr>
+                                        <p:cTn id="14" dur="1" fill="hold">
+                                          <p:stCondLst>
+                                            <p:cond delay="0"/>
+                                          </p:stCondLst>
+                                        </p:cTn>
+                                        <p:tgtEl>
+                                          <p:spTgt spid="3">
+                                            <p:txEl>
+                                              <p:pRg st="2" end="2"/>
+                                            </p:txEl>
+                                          </p:spTgt>
+                                        </p:tgtEl>
+                                        <p:attrNameLst>
+                                          <p:attrName>style.visibility</p:attrName>
+                                        </p:attrNameLst>
+                                      </p:cBhvr>
+                                      <p:to>
+                                        <p:strVal val="visible"/>
+                                      </p:to>
+                                    </p:set>
+                                  </p:childTnLst>
+                                </p:cTn>
+                              </p:par>
+                            </p:childTnLst>
+                          </p:cTn>
+                        </p:par>
+                      </p:childTnLst>
+                    </p:cTn>
+                  </p:par>
+                </p:childTnLst>
+              </p:cTn>
+              <p:prevCondLst>
+                <p:cond evt="onPrev" delay="0">
+                  <p:tgtEl>
+                    <p:sldTgt/>
+                  </p:tgtEl>
+                </p:cond>
+              </p:prevCondLst>
+              <p:nextCondLst>
+                <p:cond evt="onNext" delay="0">
+                  <p:tgtEl>
+                    <p:sldTgt/>
+                  </p:tgtEl>
+                </p:cond>
+              </p:nextCondLst>
+            </p:seq>
+          </p:childTnLst>
+        </p:cTn>
+      </p:par>
+    </p:tnLst>
+    <p:bldLst>
+      <p:bldP spid="3" grpId="0" build="p"/>
+    </p:bldLst>
+  </p:timing>
+</p:sld>
+</file>
+
+<file path=ppt/slides/slide41.xml><?xml version="1.0" encoding="utf-8"?>
+<p:sld xmlns:a="http://schemas.openxmlformats.org/drawingml/2006/main" xmlns:r="http://schemas.openxmlformats.org/officeDocument/2006/relationships" xmlns:p="http://schemas.openxmlformats.org/presentationml/2006/main">
+  <p:cSld>
+    <p:spTree>
+      <p:nvGrpSpPr>
+        <p:cNvPr id="1" name=""/>
+        <p:cNvGrpSpPr/>
+        <p:nvPr/>
+      </p:nvGrpSpPr>
+      <p:grpSpPr>
+        <a:xfrm>
+          <a:off x="0" y="0"/>
+          <a:ext cx="0" cy="0"/>
+          <a:chOff x="0" y="0"/>
+          <a:chExt cx="0" cy="0"/>
+        </a:xfrm>
+      </p:grpSpPr>
+      <p:pic>
+        <p:nvPicPr>
+          <p:cNvPr id="4098" name="Picture 2" descr="Applying the V-Model in Automotive Software Development">
+            <a:extLst>
+              <a:ext uri="{FF2B5EF4-FFF2-40B4-BE49-F238E27FC236}">
+                <a16:creationId xmlns:a16="http://schemas.microsoft.com/office/drawing/2014/main" id="{9321B193-60CF-4984-972F-A879B0500627}"/>
+              </a:ext>
+            </a:extLst>
+          </p:cNvPr>
+          <p:cNvPicPr>
+            <a:picLocks noChangeAspect="1" noChangeArrowheads="1"/>
+          </p:cNvPicPr>
+          <p:nvPr/>
+        </p:nvPicPr>
+        <p:blipFill>
+          <a:blip r:embed="rId2">
+            <a:alphaModFix amt="35000"/>
+            <a:extLst>
+              <a:ext uri="{28A0092B-C50C-407E-A947-70E740481C1C}">
+                <a14:useLocalDpi xmlns:a14="http://schemas.microsoft.com/office/drawing/2010/main" val="0"/>
+              </a:ext>
+            </a:extLst>
+          </a:blip>
+          <a:srcRect/>
+          <a:stretch>
+            <a:fillRect/>
+          </a:stretch>
+        </p:blipFill>
+        <p:spPr bwMode="auto">
+          <a:xfrm>
+            <a:off x="2604344" y="1524000"/>
+            <a:ext cx="3935311" cy="4937123"/>
+          </a:xfrm>
+          <a:prstGeom prst="rect">
+            <a:avLst/>
+          </a:prstGeom>
+          <a:noFill/>
+          <a:extLst>
+            <a:ext uri="{909E8E84-426E-40DD-AFC4-6F175D3DCCD1}">
+              <a14:hiddenFill xmlns:a14="http://schemas.microsoft.com/office/drawing/2010/main">
+                <a:solidFill>
+                  <a:srgbClr val="FFFFFF"/>
+                </a:solidFill>
+              </a14:hiddenFill>
+            </a:ext>
+          </a:extLst>
+        </p:spPr>
+      </p:pic>
+      <p:sp>
+        <p:nvSpPr>
+          <p:cNvPr id="2" name="Title 1">
+            <a:extLst>
+              <a:ext uri="{FF2B5EF4-FFF2-40B4-BE49-F238E27FC236}">
+                <a16:creationId xmlns:a16="http://schemas.microsoft.com/office/drawing/2014/main" id="{DA0C0E15-C318-4638-B8BB-76331C290C8E}"/>
+              </a:ext>
+            </a:extLst>
+          </p:cNvPr>
+          <p:cNvSpPr>
+            <a:spLocks noGrp="1"/>
+          </p:cNvSpPr>
+          <p:nvPr>
+            <p:ph type="title"/>
+          </p:nvPr>
+        </p:nvSpPr>
+        <p:spPr/>
+        <p:txBody>
+          <a:bodyPr/>
+          <a:lstStyle/>
+          <a:p>
+            <a:r>
+              <a:rPr lang="en-US" dirty="0"/>
+              <a:t>Infusion pump example</a:t>
+            </a:r>
+          </a:p>
+        </p:txBody>
+      </p:sp>
+      <p:sp>
+        <p:nvSpPr>
+          <p:cNvPr id="3" name="Content Placeholder 2">
+            <a:extLst>
+              <a:ext uri="{FF2B5EF4-FFF2-40B4-BE49-F238E27FC236}">
+                <a16:creationId xmlns:a16="http://schemas.microsoft.com/office/drawing/2014/main" id="{99F37650-E849-4CCB-983D-1444A261B3EB}"/>
+              </a:ext>
+            </a:extLst>
+          </p:cNvPr>
+          <p:cNvSpPr>
+            <a:spLocks noGrp="1"/>
+          </p:cNvSpPr>
+          <p:nvPr>
+            <p:ph idx="1"/>
+          </p:nvPr>
+        </p:nvSpPr>
+        <p:spPr>
+          <a:xfrm>
+            <a:off x="152400" y="1446211"/>
+            <a:ext cx="4267200" cy="5014912"/>
+          </a:xfrm>
+        </p:spPr>
+        <p:txBody>
+          <a:bodyPr/>
+          <a:lstStyle/>
+          <a:p>
+            <a:pPr marL="0" indent="0">
+              <a:buNone/>
+            </a:pPr>
+            <a:r>
+              <a:rPr lang="en-US" sz="1800" dirty="0">
+                <a:solidFill>
+                  <a:srgbClr val="72C3E8"/>
+                </a:solidFill>
+              </a:rPr>
+              <a:t>Requirement: The system</a:t>
+            </a:r>
+            <a:br>
+              <a:rPr lang="en-US" sz="1800" dirty="0">
+                <a:solidFill>
+                  <a:srgbClr val="72C3E8"/>
+                </a:solidFill>
+              </a:rPr>
+            </a:br>
+            <a:r>
+              <a:rPr lang="en-US" sz="1800" dirty="0">
+                <a:solidFill>
+                  <a:srgbClr val="72C3E8"/>
+                </a:solidFill>
+              </a:rPr>
+              <a:t>shall stop the pump</a:t>
+            </a:r>
+            <a:br>
+              <a:rPr lang="en-US" sz="1800" dirty="0">
+                <a:solidFill>
+                  <a:srgbClr val="72C3E8"/>
+                </a:solidFill>
+              </a:rPr>
+            </a:br>
+            <a:r>
+              <a:rPr lang="en-US" sz="1800" dirty="0">
+                <a:solidFill>
+                  <a:srgbClr val="72C3E8"/>
+                </a:solidFill>
+              </a:rPr>
+              <a:t>motor within 20 </a:t>
+            </a:r>
+            <a:r>
+              <a:rPr lang="en-US" sz="1800" dirty="0" err="1">
+                <a:solidFill>
+                  <a:srgbClr val="72C3E8"/>
+                </a:solidFill>
+              </a:rPr>
+              <a:t>ms</a:t>
+            </a:r>
+            <a:r>
+              <a:rPr lang="en-US" sz="1800" dirty="0">
+                <a:solidFill>
+                  <a:srgbClr val="72C3E8"/>
+                </a:solidFill>
+              </a:rPr>
+              <a:t> of</a:t>
+            </a:r>
+            <a:br>
+              <a:rPr lang="en-US" sz="1800" dirty="0">
+                <a:solidFill>
+                  <a:srgbClr val="72C3E8"/>
+                </a:solidFill>
+              </a:rPr>
+            </a:br>
+            <a:r>
+              <a:rPr lang="en-US" sz="1800" dirty="0">
+                <a:solidFill>
+                  <a:srgbClr val="72C3E8"/>
+                </a:solidFill>
+              </a:rPr>
+              <a:t>detecting an over-temp</a:t>
+            </a:r>
+          </a:p>
+          <a:p>
+            <a:pPr marL="0" indent="0">
+              <a:buNone/>
+            </a:pPr>
+            <a:endParaRPr lang="en-US" sz="100" dirty="0"/>
+          </a:p>
+          <a:p>
+            <a:pPr marL="0" indent="0">
+              <a:buNone/>
+            </a:pPr>
+            <a:r>
+              <a:rPr lang="en-US" sz="1800" dirty="0">
+                <a:solidFill>
+                  <a:srgbClr val="FFC000"/>
+                </a:solidFill>
+              </a:rPr>
+              <a:t>Define</a:t>
+            </a:r>
+            <a:br>
+              <a:rPr lang="en-US" sz="1800" dirty="0">
+                <a:solidFill>
+                  <a:srgbClr val="FFC000"/>
+                </a:solidFill>
+              </a:rPr>
+            </a:br>
+            <a:r>
+              <a:rPr lang="en-US" sz="1800" dirty="0">
+                <a:solidFill>
+                  <a:srgbClr val="FFC000"/>
+                </a:solidFill>
+              </a:rPr>
+              <a:t>What constitutes over-temp?</a:t>
+            </a:r>
+            <a:br>
+              <a:rPr lang="en-US" sz="1800" dirty="0">
+                <a:solidFill>
+                  <a:srgbClr val="FFC000"/>
+                </a:solidFill>
+              </a:rPr>
+            </a:br>
+            <a:r>
+              <a:rPr lang="en-US" sz="1800" dirty="0">
+                <a:solidFill>
+                  <a:srgbClr val="FFC000"/>
+                </a:solidFill>
+              </a:rPr>
+              <a:t>What it means to ‘stop pump’</a:t>
+            </a:r>
+          </a:p>
+          <a:p>
+            <a:pPr marL="0" indent="0">
+              <a:buNone/>
+            </a:pPr>
+            <a:r>
+              <a:rPr lang="en-US" sz="1800" dirty="0">
+                <a:solidFill>
+                  <a:srgbClr val="FFC000"/>
+                </a:solidFill>
+              </a:rPr>
+              <a:t>Identify systems involved:</a:t>
+            </a:r>
+          </a:p>
+          <a:p>
+            <a:pPr marL="0" indent="0">
+              <a:buNone/>
+            </a:pPr>
+            <a:r>
+              <a:rPr lang="en-US" sz="1800" dirty="0">
+                <a:solidFill>
+                  <a:srgbClr val="FFC000"/>
+                </a:solidFill>
+              </a:rPr>
+              <a:t>Temperature sensing, control logic,</a:t>
+            </a:r>
+            <a:br>
+              <a:rPr lang="en-US" sz="1800" dirty="0">
+                <a:solidFill>
+                  <a:srgbClr val="FFC000"/>
+                </a:solidFill>
+              </a:rPr>
+            </a:br>
+            <a:r>
+              <a:rPr lang="en-US" sz="1800" dirty="0">
+                <a:solidFill>
+                  <a:srgbClr val="FFC000"/>
+                </a:solidFill>
+              </a:rPr>
+              <a:t>motor actuation</a:t>
+            </a:r>
+            <a:br>
+              <a:rPr lang="en-US" sz="1800" dirty="0"/>
+            </a:br>
+            <a:br>
+              <a:rPr lang="en-US" sz="100" dirty="0"/>
+            </a:br>
+            <a:r>
+              <a:rPr lang="en-US" sz="1800" dirty="0">
+                <a:solidFill>
+                  <a:srgbClr val="EA3F26"/>
+                </a:solidFill>
+              </a:rPr>
+              <a:t>Behavior definition:</a:t>
+            </a:r>
+            <a:br>
+              <a:rPr lang="en-US" sz="1800" dirty="0">
+                <a:solidFill>
+                  <a:srgbClr val="EA3F26"/>
+                </a:solidFill>
+              </a:rPr>
+            </a:br>
+            <a:r>
+              <a:rPr lang="en-US" sz="1800" dirty="0">
+                <a:solidFill>
+                  <a:srgbClr val="EA3F26"/>
+                </a:solidFill>
+              </a:rPr>
+              <a:t>normal and over-temperature state</a:t>
+            </a:r>
+            <a:br>
+              <a:rPr lang="en-US" sz="1800" dirty="0">
+                <a:solidFill>
+                  <a:srgbClr val="EA3F26"/>
+                </a:solidFill>
+              </a:rPr>
+            </a:br>
+            <a:r>
+              <a:rPr lang="en-US" sz="1800" dirty="0">
+                <a:solidFill>
+                  <a:srgbClr val="EA3F26"/>
+                </a:solidFill>
+              </a:rPr>
+              <a:t>Transition:</a:t>
+            </a:r>
+          </a:p>
+          <a:p>
+            <a:pPr marL="0" indent="0">
+              <a:buNone/>
+            </a:pPr>
+            <a:r>
+              <a:rPr lang="en-US" sz="1800" dirty="0">
+                <a:solidFill>
+                  <a:srgbClr val="EA3F26"/>
+                </a:solidFill>
+              </a:rPr>
+              <a:t>event: temp&gt;thresh </a:t>
+            </a:r>
+            <a:r>
+              <a:rPr lang="en-US" sz="1800" dirty="0">
+                <a:solidFill>
+                  <a:srgbClr val="EA3F26"/>
+                </a:solidFill>
+                <a:sym typeface="Wingdings" panose="05000000000000000000" pitchFamily="2" charset="2"/>
+              </a:rPr>
+              <a:t> action: motor stop</a:t>
+            </a:r>
+          </a:p>
+          <a:p>
+            <a:pPr marL="0" indent="0">
+              <a:buNone/>
+            </a:pPr>
+            <a:endParaRPr lang="en-US" sz="100" dirty="0">
+              <a:sym typeface="Wingdings" panose="05000000000000000000" pitchFamily="2" charset="2"/>
+            </a:endParaRPr>
+          </a:p>
+          <a:p>
+            <a:pPr marL="0" indent="0">
+              <a:buNone/>
+            </a:pPr>
+            <a:r>
+              <a:rPr lang="en-US" sz="1800" dirty="0">
+                <a:sym typeface="Wingdings" panose="05000000000000000000" pitchFamily="2" charset="2"/>
+              </a:rPr>
+              <a:t>Code elements:</a:t>
+            </a:r>
+            <a:br>
+              <a:rPr lang="en-US" sz="1800" dirty="0">
+                <a:sym typeface="Wingdings" panose="05000000000000000000" pitchFamily="2" charset="2"/>
+              </a:rPr>
+            </a:br>
+            <a:r>
+              <a:rPr lang="en-US" sz="1800" dirty="0">
+                <a:sym typeface="Wingdings" panose="05000000000000000000" pitchFamily="2" charset="2"/>
+              </a:rPr>
+              <a:t>temp monitor, motor control, timing</a:t>
+            </a:r>
+          </a:p>
+        </p:txBody>
+      </p:sp>
+      <p:sp>
+        <p:nvSpPr>
+          <p:cNvPr id="4" name="Date Placeholder 3">
+            <a:extLst>
+              <a:ext uri="{FF2B5EF4-FFF2-40B4-BE49-F238E27FC236}">
+                <a16:creationId xmlns:a16="http://schemas.microsoft.com/office/drawing/2014/main" id="{E2E2D681-8DC5-440A-94F7-85BC5DA035BE}"/>
+              </a:ext>
+            </a:extLst>
+          </p:cNvPr>
+          <p:cNvSpPr>
+            <a:spLocks noGrp="1"/>
+          </p:cNvSpPr>
+          <p:nvPr>
+            <p:ph type="dt" sz="half" idx="10"/>
+          </p:nvPr>
+        </p:nvSpPr>
+        <p:spPr/>
+        <p:txBody>
+          <a:bodyPr/>
+          <a:lstStyle/>
+          <a:p>
+            <a:pPr>
+              <a:defRPr/>
+            </a:pPr>
+            <a:r>
+              <a:rPr lang="en-US"/>
+              <a:t>21/12/2020</a:t>
+            </a:r>
+          </a:p>
+        </p:txBody>
+      </p:sp>
+      <p:sp>
+        <p:nvSpPr>
+          <p:cNvPr id="5" name="Slide Number Placeholder 4">
+            <a:extLst>
+              <a:ext uri="{FF2B5EF4-FFF2-40B4-BE49-F238E27FC236}">
+                <a16:creationId xmlns:a16="http://schemas.microsoft.com/office/drawing/2014/main" id="{87F62E08-FB92-4D9A-B3E8-71D128937CBB}"/>
+              </a:ext>
+            </a:extLst>
+          </p:cNvPr>
+          <p:cNvSpPr>
+            <a:spLocks noGrp="1"/>
+          </p:cNvSpPr>
+          <p:nvPr>
+            <p:ph type="sldNum" sz="quarter" idx="12"/>
+          </p:nvPr>
+        </p:nvSpPr>
+        <p:spPr/>
+        <p:txBody>
+          <a:bodyPr/>
+          <a:lstStyle/>
+          <a:p>
+            <a:pPr>
+              <a:defRPr/>
+            </a:pPr>
+            <a:fld id="{CA887A73-1AE0-46F8-856A-18EA1CF30A1B}" type="slidenum">
+              <a:rPr lang="en-US" altLang="en-US" smtClean="0"/>
+              <a:pPr>
+                <a:defRPr/>
+              </a:pPr>
+              <a:t>41</a:t>
+            </a:fld>
+            <a:endParaRPr lang="en-US" altLang="en-US"/>
+          </a:p>
+        </p:txBody>
+      </p:sp>
+      <p:sp>
+        <p:nvSpPr>
+          <p:cNvPr id="7" name="Content Placeholder 2">
+            <a:extLst>
+              <a:ext uri="{FF2B5EF4-FFF2-40B4-BE49-F238E27FC236}">
+                <a16:creationId xmlns:a16="http://schemas.microsoft.com/office/drawing/2014/main" id="{128BEFA5-6522-430C-A0D0-75E6E687DEB3}"/>
+              </a:ext>
+            </a:extLst>
+          </p:cNvPr>
+          <p:cNvSpPr txBox="1">
+            <a:spLocks/>
+          </p:cNvSpPr>
+          <p:nvPr/>
+        </p:nvSpPr>
+        <p:spPr bwMode="auto">
+          <a:xfrm>
+            <a:off x="4737944" y="1446211"/>
+            <a:ext cx="4267200" cy="5014912"/>
+          </a:xfrm>
+          <a:prstGeom prst="rect">
+            <a:avLst/>
+          </a:prstGeom>
+          <a:noFill/>
+          <a:ln>
+            <a:noFill/>
+          </a:ln>
+          <a:extLst>
+            <a:ext uri="{909E8E84-426E-40DD-AFC4-6F175D3DCCD1}">
+              <a14:hiddenFill xmlns:a14="http://schemas.microsoft.com/office/drawing/2010/main">
+                <a:solidFill>
+                  <a:srgbClr val="FFFFFF"/>
+                </a:solidFill>
+              </a14:hiddenFill>
+            </a:ext>
+            <a:ext uri="{91240B29-F687-4F45-9708-019B960494DF}">
+              <a14:hiddenLine xmlns:a14="http://schemas.microsoft.com/office/drawing/2010/main" w="9525">
+                <a:solidFill>
+                  <a:srgbClr val="000000"/>
+                </a:solidFill>
+                <a:miter lim="800000"/>
+                <a:headEnd/>
+                <a:tailEnd/>
+              </a14:hiddenLine>
+            </a:ext>
+          </a:extLst>
+        </p:spPr>
+        <p:txBody>
+          <a:bodyPr vert="horz" wrap="square" lIns="91440" tIns="45720" rIns="91440" bIns="45720" numCol="1" anchor="t" anchorCtr="0" compatLnSpc="1">
+            <a:prstTxWarp prst="textNoShape">
+              <a:avLst/>
+            </a:prstTxWarp>
+          </a:bodyPr>
+          <a:lstStyle>
+            <a:lvl1pPr marL="342900" indent="-342900" algn="l" rtl="0" eaLnBrk="0" fontAlgn="base" hangingPunct="0">
+              <a:spcBef>
+                <a:spcPct val="20000"/>
+              </a:spcBef>
+              <a:spcAft>
+                <a:spcPct val="0"/>
+              </a:spcAft>
+              <a:buFont typeface="Arial" panose="020B0604020202020204" pitchFamily="34" charset="0"/>
+              <a:buChar char="•"/>
+              <a:defRPr sz="3200" kern="1200">
+                <a:solidFill>
+                  <a:schemeClr val="tx1">
+                    <a:lumMod val="50000"/>
+                    <a:lumOff val="50000"/>
+                  </a:schemeClr>
+                </a:solidFill>
+                <a:latin typeface="+mn-lt"/>
+                <a:ea typeface="+mn-ea"/>
+                <a:cs typeface="+mn-cs"/>
+              </a:defRPr>
+            </a:lvl1pPr>
+            <a:lvl2pPr marL="742950" indent="-285750" algn="l" rtl="0" eaLnBrk="0" fontAlgn="base" hangingPunct="0">
+              <a:spcBef>
+                <a:spcPct val="20000"/>
+              </a:spcBef>
+              <a:spcAft>
+                <a:spcPct val="0"/>
+              </a:spcAft>
+              <a:buFont typeface="Arial" panose="020B0604020202020204" pitchFamily="34" charset="0"/>
+              <a:buChar char="–"/>
+              <a:defRPr sz="2800" kern="1200">
+                <a:solidFill>
+                  <a:schemeClr val="tx1">
+                    <a:lumMod val="50000"/>
+                    <a:lumOff val="50000"/>
+                  </a:schemeClr>
+                </a:solidFill>
+                <a:latin typeface="+mn-lt"/>
+                <a:ea typeface="+mn-ea"/>
+                <a:cs typeface="+mn-cs"/>
+              </a:defRPr>
+            </a:lvl2pPr>
+            <a:lvl3pPr marL="1143000" indent="-228600" algn="l" rtl="0" eaLnBrk="0" fontAlgn="base" hangingPunct="0">
+              <a:spcBef>
+                <a:spcPct val="20000"/>
+              </a:spcBef>
+              <a:spcAft>
+                <a:spcPct val="0"/>
+              </a:spcAft>
+              <a:buFont typeface="Arial" panose="020B0604020202020204" pitchFamily="34" charset="0"/>
+              <a:buChar char="•"/>
+              <a:defRPr sz="2400" kern="1200">
+                <a:solidFill>
+                  <a:schemeClr val="tx1">
+                    <a:lumMod val="50000"/>
+                    <a:lumOff val="50000"/>
+                  </a:schemeClr>
+                </a:solidFill>
+                <a:latin typeface="+mn-lt"/>
+                <a:ea typeface="+mn-ea"/>
+                <a:cs typeface="+mn-cs"/>
+              </a:defRPr>
+            </a:lvl3pPr>
+            <a:lvl4pPr marL="1600200" indent="-228600" algn="l" rtl="0" eaLnBrk="0" fontAlgn="base" hangingPunct="0">
+              <a:spcBef>
+                <a:spcPct val="20000"/>
+              </a:spcBef>
+              <a:spcAft>
+                <a:spcPct val="0"/>
+              </a:spcAft>
+              <a:buFont typeface="Arial" panose="020B0604020202020204" pitchFamily="34" charset="0"/>
+              <a:buChar char="–"/>
+              <a:defRPr sz="2000" kern="1200">
+                <a:solidFill>
+                  <a:schemeClr val="tx1">
+                    <a:lumMod val="50000"/>
+                    <a:lumOff val="50000"/>
+                  </a:schemeClr>
+                </a:solidFill>
+                <a:latin typeface="+mn-lt"/>
+                <a:ea typeface="+mn-ea"/>
+                <a:cs typeface="+mn-cs"/>
+              </a:defRPr>
+            </a:lvl4pPr>
+            <a:lvl5pPr marL="2057400" indent="-228600" algn="l" rtl="0" eaLnBrk="0" fontAlgn="base" hangingPunct="0">
+              <a:spcBef>
+                <a:spcPct val="20000"/>
+              </a:spcBef>
+              <a:spcAft>
+                <a:spcPct val="0"/>
+              </a:spcAft>
+              <a:buFont typeface="Arial" panose="020B0604020202020204" pitchFamily="34" charset="0"/>
+              <a:buChar char="»"/>
+              <a:defRPr sz="2000" kern="1200">
+                <a:solidFill>
+                  <a:schemeClr val="tx1">
+                    <a:lumMod val="50000"/>
+                    <a:lumOff val="50000"/>
+                  </a:schemeClr>
+                </a:solidFill>
+                <a:latin typeface="+mn-lt"/>
+                <a:ea typeface="+mn-ea"/>
+                <a:cs typeface="+mn-cs"/>
+              </a:defRPr>
+            </a:lvl5pPr>
+            <a:lvl6pPr marL="2514600" indent="-228600" algn="l" defTabSz="914400" rtl="0" eaLnBrk="1" latinLnBrk="0" hangingPunct="1">
+              <a:spcBef>
+                <a:spcPct val="20000"/>
+              </a:spcBef>
+              <a:buFont typeface="Arial" pitchFamily="34" charset="0"/>
+              <a:buChar char="•"/>
+              <a:defRPr sz="2000" kern="1200">
+                <a:solidFill>
+                  <a:schemeClr val="tx1"/>
+                </a:solidFill>
+                <a:latin typeface="+mn-lt"/>
+                <a:ea typeface="+mn-ea"/>
+                <a:cs typeface="+mn-cs"/>
+              </a:defRPr>
+            </a:lvl6pPr>
+            <a:lvl7pPr marL="2971800" indent="-228600" algn="l" defTabSz="914400" rtl="0" eaLnBrk="1" latinLnBrk="0" hangingPunct="1">
+              <a:spcBef>
+                <a:spcPct val="20000"/>
+              </a:spcBef>
+              <a:buFont typeface="Arial" pitchFamily="34" charset="0"/>
+              <a:buChar char="•"/>
+              <a:defRPr sz="2000" kern="1200">
+                <a:solidFill>
+                  <a:schemeClr val="tx1"/>
+                </a:solidFill>
+                <a:latin typeface="+mn-lt"/>
+                <a:ea typeface="+mn-ea"/>
+                <a:cs typeface="+mn-cs"/>
+              </a:defRPr>
+            </a:lvl7pPr>
+            <a:lvl8pPr marL="3429000" indent="-228600" algn="l" defTabSz="914400" rtl="0" eaLnBrk="1" latinLnBrk="0" hangingPunct="1">
+              <a:spcBef>
+                <a:spcPct val="20000"/>
+              </a:spcBef>
+              <a:buFont typeface="Arial" pitchFamily="34" charset="0"/>
+              <a:buChar char="•"/>
+              <a:defRPr sz="2000" kern="1200">
+                <a:solidFill>
+                  <a:schemeClr val="tx1"/>
+                </a:solidFill>
+                <a:latin typeface="+mn-lt"/>
+                <a:ea typeface="+mn-ea"/>
+                <a:cs typeface="+mn-cs"/>
+              </a:defRPr>
+            </a:lvl8pPr>
+            <a:lvl9pPr marL="3886200" indent="-228600" algn="l" defTabSz="914400" rtl="0" eaLnBrk="1" latinLnBrk="0" hangingPunct="1">
+              <a:spcBef>
+                <a:spcPct val="20000"/>
+              </a:spcBef>
+              <a:buFont typeface="Arial" pitchFamily="34" charset="0"/>
+              <a:buChar char="•"/>
+              <a:defRPr sz="2000" kern="1200">
+                <a:solidFill>
+                  <a:schemeClr val="tx1"/>
+                </a:solidFill>
+                <a:latin typeface="+mn-lt"/>
+                <a:ea typeface="+mn-ea"/>
+                <a:cs typeface="+mn-cs"/>
+              </a:defRPr>
+            </a:lvl9pPr>
+          </a:lstStyle>
+          <a:p>
+            <a:pPr marL="0" indent="0" algn="r">
+              <a:buFont typeface="Arial" panose="020B0604020202020204" pitchFamily="34" charset="0"/>
+              <a:buNone/>
+            </a:pPr>
+            <a:r>
+              <a:rPr lang="en-US" sz="1800" dirty="0">
+                <a:solidFill>
+                  <a:srgbClr val="72C3E8"/>
+                </a:solidFill>
+              </a:rPr>
+              <a:t>Patient safety</a:t>
+            </a:r>
+            <a:br>
+              <a:rPr lang="en-US" sz="1800" dirty="0">
+                <a:solidFill>
+                  <a:srgbClr val="72C3E8"/>
+                </a:solidFill>
+              </a:rPr>
+            </a:br>
+            <a:r>
+              <a:rPr lang="en-US" sz="1800" dirty="0">
+                <a:solidFill>
+                  <a:srgbClr val="72C3E8"/>
+                </a:solidFill>
+              </a:rPr>
+              <a:t>Prevent tissue damage</a:t>
+            </a:r>
+            <a:br>
+              <a:rPr lang="en-US" sz="1800" dirty="0">
+                <a:solidFill>
+                  <a:srgbClr val="72C3E8"/>
+                </a:solidFill>
+              </a:rPr>
+            </a:br>
+            <a:r>
+              <a:rPr lang="en-US" sz="1800" dirty="0">
+                <a:solidFill>
+                  <a:srgbClr val="72C3E8"/>
+                </a:solidFill>
+              </a:rPr>
+              <a:t>Lifecycle and safety constraints</a:t>
+            </a:r>
+          </a:p>
+          <a:p>
+            <a:pPr marL="0" indent="0" algn="r">
+              <a:buFont typeface="Arial" panose="020B0604020202020204" pitchFamily="34" charset="0"/>
+              <a:buNone/>
+            </a:pPr>
+            <a:endParaRPr lang="en-US" sz="100" dirty="0"/>
+          </a:p>
+          <a:p>
+            <a:pPr marL="0" indent="0" algn="r">
+              <a:buFont typeface="Arial" panose="020B0604020202020204" pitchFamily="34" charset="0"/>
+              <a:buNone/>
+            </a:pPr>
+            <a:r>
+              <a:rPr lang="en-US" sz="1800" dirty="0">
+                <a:solidFill>
+                  <a:srgbClr val="FFC000"/>
+                </a:solidFill>
+              </a:rPr>
+              <a:t>System verification:</a:t>
+            </a:r>
+            <a:br>
+              <a:rPr lang="en-US" sz="1800" dirty="0">
+                <a:solidFill>
+                  <a:srgbClr val="FFC000"/>
+                </a:solidFill>
+              </a:rPr>
+            </a:br>
+            <a:r>
+              <a:rPr lang="en-US" sz="1800" dirty="0">
+                <a:solidFill>
+                  <a:srgbClr val="FFC000"/>
+                </a:solidFill>
+              </a:rPr>
+              <a:t>Inject over-temperature condition</a:t>
+            </a:r>
+            <a:br>
+              <a:rPr lang="en-US" sz="1800" dirty="0">
+                <a:solidFill>
+                  <a:srgbClr val="FFC000"/>
+                </a:solidFill>
+              </a:rPr>
+            </a:br>
+            <a:r>
+              <a:rPr lang="en-US" sz="1800" dirty="0">
+                <a:solidFill>
+                  <a:srgbClr val="FFC000"/>
+                </a:solidFill>
+              </a:rPr>
+              <a:t>Measure motor stop time and document</a:t>
+            </a:r>
+            <a:endParaRPr lang="en-US" sz="100" dirty="0"/>
+          </a:p>
+          <a:p>
+            <a:pPr marL="0" indent="0" algn="r">
+              <a:buFont typeface="Arial" panose="020B0604020202020204" pitchFamily="34" charset="0"/>
+              <a:buNone/>
+            </a:pPr>
+            <a:r>
+              <a:rPr lang="en-US" sz="1800" dirty="0">
+                <a:solidFill>
+                  <a:srgbClr val="EA3F26"/>
+                </a:solidFill>
+              </a:rPr>
+              <a:t>Integration verification:</a:t>
+            </a:r>
+            <a:br>
+              <a:rPr lang="en-US" sz="1800" dirty="0">
+                <a:solidFill>
+                  <a:srgbClr val="EA3F26"/>
+                </a:solidFill>
+              </a:rPr>
+            </a:br>
+            <a:r>
+              <a:rPr lang="en-US" sz="1800" dirty="0">
+                <a:solidFill>
+                  <a:srgbClr val="EA3F26"/>
+                </a:solidFill>
+              </a:rPr>
+              <a:t>verify sensor</a:t>
+            </a:r>
+            <a:r>
+              <a:rPr lang="en-US" sz="1800" dirty="0">
+                <a:solidFill>
+                  <a:srgbClr val="EA3F26"/>
+                </a:solidFill>
+                <a:sym typeface="Wingdings" panose="05000000000000000000" pitchFamily="2" charset="2"/>
+              </a:rPr>
+              <a:t></a:t>
+            </a:r>
+            <a:r>
+              <a:rPr lang="en-US" sz="1800" dirty="0">
+                <a:solidFill>
+                  <a:srgbClr val="EA3F26"/>
+                </a:solidFill>
+              </a:rPr>
+              <a:t> control </a:t>
+            </a:r>
+            <a:r>
+              <a:rPr lang="en-US" sz="1800" dirty="0">
+                <a:solidFill>
+                  <a:srgbClr val="EA3F26"/>
+                </a:solidFill>
+                <a:sym typeface="Wingdings" panose="05000000000000000000" pitchFamily="2" charset="2"/>
+              </a:rPr>
+              <a:t> actuator path</a:t>
+            </a:r>
+            <a:br>
+              <a:rPr lang="en-US" sz="1800" dirty="0">
+                <a:solidFill>
+                  <a:srgbClr val="EA3F26"/>
+                </a:solidFill>
+                <a:sym typeface="Wingdings" panose="05000000000000000000" pitchFamily="2" charset="2"/>
+              </a:rPr>
+            </a:br>
+            <a:r>
+              <a:rPr lang="en-US" sz="1800" dirty="0">
+                <a:solidFill>
+                  <a:srgbClr val="EA3F26"/>
+                </a:solidFill>
+                <a:sym typeface="Wingdings" panose="05000000000000000000" pitchFamily="2" charset="2"/>
+              </a:rPr>
+              <a:t>sensor reading reaches control, control decision reaches motor module, no data is dropped, overwritten, delayed, no duplicate events</a:t>
+            </a:r>
+            <a:br>
+              <a:rPr lang="en-US" sz="1800" dirty="0">
+                <a:solidFill>
+                  <a:srgbClr val="EA3F26"/>
+                </a:solidFill>
+                <a:sym typeface="Wingdings" panose="05000000000000000000" pitchFamily="2" charset="2"/>
+              </a:rPr>
+            </a:br>
+            <a:r>
+              <a:rPr lang="en-US" sz="1800" dirty="0">
+                <a:solidFill>
+                  <a:srgbClr val="EA3F26"/>
+                </a:solidFill>
+                <a:sym typeface="Wingdings" panose="05000000000000000000" pitchFamily="2" charset="2"/>
+              </a:rPr>
+              <a:t>Example bugs caught: sensor event detected, but not handled by control logic</a:t>
+            </a:r>
+            <a:br>
+              <a:rPr lang="en-US" sz="1800" dirty="0">
+                <a:solidFill>
+                  <a:srgbClr val="EA3F26"/>
+                </a:solidFill>
+                <a:sym typeface="Wingdings" panose="05000000000000000000" pitchFamily="2" charset="2"/>
+              </a:rPr>
+            </a:br>
+            <a:r>
+              <a:rPr lang="en-US" sz="1800" dirty="0">
+                <a:solidFill>
+                  <a:srgbClr val="EA3F26"/>
+                </a:solidFill>
+                <a:sym typeface="Wingdings" panose="05000000000000000000" pitchFamily="2" charset="2"/>
+              </a:rPr>
+              <a:t>Wrong unit conversion in the chain</a:t>
+            </a:r>
+            <a:endParaRPr lang="en-US" sz="1800" dirty="0">
+              <a:solidFill>
+                <a:srgbClr val="EA3F26"/>
+              </a:solidFill>
+            </a:endParaRPr>
+          </a:p>
+          <a:p>
+            <a:pPr marL="0" indent="0" algn="r">
+              <a:buFont typeface="Arial" panose="020B0604020202020204" pitchFamily="34" charset="0"/>
+              <a:buNone/>
+            </a:pPr>
+            <a:r>
+              <a:rPr lang="en-US" sz="1800" dirty="0"/>
+              <a:t>Unit verification:</a:t>
+            </a:r>
+            <a:br>
+              <a:rPr lang="en-US" sz="1800" dirty="0"/>
+            </a:br>
+            <a:r>
+              <a:rPr lang="en-US" sz="1800" dirty="0"/>
+              <a:t>Correct temperature read, motor stops when commanded</a:t>
+            </a:r>
+          </a:p>
+        </p:txBody>
+      </p:sp>
+    </p:spTree>
+    <p:extLst>
+      <p:ext uri="{BB962C8B-B14F-4D97-AF65-F5344CB8AC3E}">
+        <p14:creationId xmlns:p14="http://schemas.microsoft.com/office/powerpoint/2010/main" val="15322607"/>
+      </p:ext>
+    </p:extLst>
+  </p:cSld>
+  <p:clrMapOvr>
+    <a:masterClrMapping/>
+  </p:clrMapOvr>
+  <p:timing>
+    <p:tnLst>
+      <p:par>
+        <p:cTn id="1" dur="indefinite" restart="never" nodeType="tmRoot">
+          <p:childTnLst>
+            <p:seq concurrent="1" nextAc="seek">
+              <p:cTn id="2" dur="indefinite" nodeType="mainSeq">
+                <p:childTnLst>
+                  <p:par>
+                    <p:cTn id="3" fill="hold">
+                      <p:stCondLst>
+                        <p:cond delay="indefinite"/>
+                      </p:stCondLst>
+                      <p:childTnLst>
+                        <p:par>
+                          <p:cTn id="4" fill="hold">
+                            <p:stCondLst>
+                              <p:cond delay="0"/>
+                            </p:stCondLst>
+                            <p:childTnLst>
+                              <p:par>
+                                <p:cTn id="5" presetID="1" presetClass="entr" presetSubtype="0" fill="hold" grpId="0" nodeType="clickEffect">
+                                  <p:stCondLst>
+                                    <p:cond delay="0"/>
+                                  </p:stCondLst>
+                                  <p:childTnLst>
+                                    <p:set>
+                                      <p:cBhvr>
+                                        <p:cTn id="6" dur="1" fill="hold">
+                                          <p:stCondLst>
+                                            <p:cond delay="0"/>
+                                          </p:stCondLst>
+                                        </p:cTn>
+                                        <p:tgtEl>
+                                          <p:spTgt spid="3">
+                                            <p:txEl>
+                                              <p:pRg st="0" end="0"/>
+                                            </p:txEl>
+                                          </p:spTgt>
+                                        </p:tgtEl>
+                                        <p:attrNameLst>
+                                          <p:attrName>style.visibility</p:attrName>
+                                        </p:attrNameLst>
+                                      </p:cBhvr>
+                                      <p:to>
+                                        <p:strVal val="visible"/>
+                                      </p:to>
+                                    </p:set>
+                                  </p:childTnLst>
+                                </p:cTn>
+                              </p:par>
+                            </p:childTnLst>
+                          </p:cTn>
+                        </p:par>
+                      </p:childTnLst>
+                    </p:cTn>
+                  </p:par>
+                  <p:par>
+                    <p:cTn id="7" fill="hold">
+                      <p:stCondLst>
+                        <p:cond delay="indefinite"/>
+                      </p:stCondLst>
+                      <p:childTnLst>
+                        <p:par>
+                          <p:cTn id="8" fill="hold">
+                            <p:stCondLst>
+                              <p:cond delay="0"/>
+                            </p:stCondLst>
+                            <p:childTnLst>
+                              <p:par>
+                                <p:cTn id="9" presetID="1" presetClass="entr" presetSubtype="0" fill="hold" grpId="0" nodeType="clickEffect">
+                                  <p:stCondLst>
+                                    <p:cond delay="0"/>
+                                  </p:stCondLst>
+                                  <p:childTnLst>
+                                    <p:set>
+                                      <p:cBhvr>
+                                        <p:cTn id="10" dur="1" fill="hold">
+                                          <p:stCondLst>
+                                            <p:cond delay="0"/>
+                                          </p:stCondLst>
+                                        </p:cTn>
+                                        <p:tgtEl>
+                                          <p:spTgt spid="3">
+                                            <p:txEl>
+                                              <p:pRg st="2" end="2"/>
+                                            </p:txEl>
+                                          </p:spTgt>
+                                        </p:tgtEl>
+                                        <p:attrNameLst>
+                                          <p:attrName>style.visibility</p:attrName>
+                                        </p:attrNameLst>
+                                      </p:cBhvr>
+                                      <p:to>
+                                        <p:strVal val="visible"/>
+                                      </p:to>
+                                    </p:set>
+                                  </p:childTnLst>
+                                </p:cTn>
+                              </p:par>
+                            </p:childTnLst>
+                          </p:cTn>
+                        </p:par>
+                      </p:childTnLst>
+                    </p:cTn>
+                  </p:par>
+                  <p:par>
+                    <p:cTn id="11" fill="hold">
+                      <p:stCondLst>
+                        <p:cond delay="indefinite"/>
+                      </p:stCondLst>
+                      <p:childTnLst>
+                        <p:par>
+                          <p:cTn id="12" fill="hold">
+                            <p:stCondLst>
+                              <p:cond delay="0"/>
+                            </p:stCondLst>
+                            <p:childTnLst>
+                              <p:par>
+                                <p:cTn id="13" presetID="1" presetClass="entr" presetSubtype="0" fill="hold" grpId="0" nodeType="clickEffect">
+                                  <p:stCondLst>
+                                    <p:cond delay="0"/>
+                                  </p:stCondLst>
+                                  <p:childTnLst>
+                                    <p:set>
+                                      <p:cBhvr>
+                                        <p:cTn id="14" dur="1" fill="hold">
+                                          <p:stCondLst>
+                                            <p:cond delay="0"/>
+                                          </p:stCondLst>
+                                        </p:cTn>
+                                        <p:tgtEl>
+                                          <p:spTgt spid="3">
+                                            <p:txEl>
+                                              <p:pRg st="3" end="3"/>
+                                            </p:txEl>
+                                          </p:spTgt>
+                                        </p:tgtEl>
+                                        <p:attrNameLst>
+                                          <p:attrName>style.visibility</p:attrName>
+                                        </p:attrNameLst>
+                                      </p:cBhvr>
+                                      <p:to>
+                                        <p:strVal val="visible"/>
+                                      </p:to>
+                                    </p:set>
+                                  </p:childTnLst>
+                                </p:cTn>
+                              </p:par>
+                            </p:childTnLst>
+                          </p:cTn>
+                        </p:par>
+                      </p:childTnLst>
+                    </p:cTn>
+                  </p:par>
+                  <p:par>
+                    <p:cTn id="15" fill="hold">
+                      <p:stCondLst>
+                        <p:cond delay="indefinite"/>
+                      </p:stCondLst>
+                      <p:childTnLst>
+                        <p:par>
+                          <p:cTn id="16" fill="hold">
+                            <p:stCondLst>
+                              <p:cond delay="0"/>
+                            </p:stCondLst>
+                            <p:childTnLst>
+                              <p:par>
+                                <p:cTn id="17" presetID="1" presetClass="entr" presetSubtype="0" fill="hold" grpId="0" nodeType="clickEffect">
+                                  <p:stCondLst>
+                                    <p:cond delay="0"/>
+                                  </p:stCondLst>
+                                  <p:childTnLst>
+                                    <p:set>
+                                      <p:cBhvr>
+                                        <p:cTn id="18" dur="1" fill="hold">
+                                          <p:stCondLst>
+                                            <p:cond delay="0"/>
+                                          </p:stCondLst>
+                                        </p:cTn>
+                                        <p:tgtEl>
+                                          <p:spTgt spid="3">
+                                            <p:txEl>
+                                              <p:pRg st="4" end="4"/>
+                                            </p:txEl>
+                                          </p:spTgt>
+                                        </p:tgtEl>
+                                        <p:attrNameLst>
+                                          <p:attrName>style.visibility</p:attrName>
+                                        </p:attrNameLst>
+                                      </p:cBhvr>
+                                      <p:to>
+                                        <p:strVal val="visible"/>
+                                      </p:to>
+                                    </p:set>
+                                  </p:childTnLst>
+                                </p:cTn>
+                              </p:par>
+                            </p:childTnLst>
+                          </p:cTn>
+                        </p:par>
+                      </p:childTnLst>
+                    </p:cTn>
+                  </p:par>
+                  <p:par>
+                    <p:cTn id="19" fill="hold">
+                      <p:stCondLst>
+                        <p:cond delay="indefinite"/>
+                      </p:stCondLst>
+                      <p:childTnLst>
+                        <p:par>
+                          <p:cTn id="20" fill="hold">
+                            <p:stCondLst>
+                              <p:cond delay="0"/>
+                            </p:stCondLst>
+                            <p:childTnLst>
+                              <p:par>
+                                <p:cTn id="21" presetID="1" presetClass="entr" presetSubtype="0" fill="hold" grpId="0" nodeType="clickEffect">
+                                  <p:stCondLst>
+                                    <p:cond delay="0"/>
+                                  </p:stCondLst>
+                                  <p:childTnLst>
+                                    <p:set>
+                                      <p:cBhvr>
+                                        <p:cTn id="22" dur="1" fill="hold">
+                                          <p:stCondLst>
+                                            <p:cond delay="0"/>
+                                          </p:stCondLst>
+                                        </p:cTn>
+                                        <p:tgtEl>
+                                          <p:spTgt spid="3">
+                                            <p:txEl>
+                                              <p:pRg st="5" end="5"/>
+                                            </p:txEl>
+                                          </p:spTgt>
+                                        </p:tgtEl>
+                                        <p:attrNameLst>
+                                          <p:attrName>style.visibility</p:attrName>
+                                        </p:attrNameLst>
+                                      </p:cBhvr>
+                                      <p:to>
+                                        <p:strVal val="visible"/>
+                                      </p:to>
+                                    </p:set>
+                                  </p:childTnLst>
+                                </p:cTn>
+                              </p:par>
+                            </p:childTnLst>
+                          </p:cTn>
+                        </p:par>
+                      </p:childTnLst>
+                    </p:cTn>
+                  </p:par>
+                  <p:par>
+                    <p:cTn id="23" fill="hold">
+                      <p:stCondLst>
+                        <p:cond delay="indefinite"/>
+                      </p:stCondLst>
+                      <p:childTnLst>
+                        <p:par>
+                          <p:cTn id="24" fill="hold">
+                            <p:stCondLst>
+                              <p:cond delay="0"/>
+                            </p:stCondLst>
+                            <p:childTnLst>
+                              <p:par>
+                                <p:cTn id="25" presetID="1" presetClass="entr" presetSubtype="0" fill="hold" grpId="0" nodeType="clickEffect">
+                                  <p:stCondLst>
+                                    <p:cond delay="0"/>
+                                  </p:stCondLst>
+                                  <p:childTnLst>
+                                    <p:set>
+                                      <p:cBhvr>
+                                        <p:cTn id="26" dur="1" fill="hold">
+                                          <p:stCondLst>
+                                            <p:cond delay="0"/>
+                                          </p:stCondLst>
+                                        </p:cTn>
+                                        <p:tgtEl>
+                                          <p:spTgt spid="3">
+                                            <p:txEl>
+                                              <p:pRg st="7" end="7"/>
+                                            </p:txEl>
+                                          </p:spTgt>
+                                        </p:tgtEl>
+                                        <p:attrNameLst>
+                                          <p:attrName>style.visibility</p:attrName>
+                                        </p:attrNameLst>
+                                      </p:cBhvr>
+                                      <p:to>
+                                        <p:strVal val="visible"/>
+                                      </p:to>
+                                    </p:set>
+                                  </p:childTnLst>
+                                </p:cTn>
+                              </p:par>
+                            </p:childTnLst>
+                          </p:cTn>
+                        </p:par>
+                      </p:childTnLst>
+                    </p:cTn>
+                  </p:par>
+                  <p:par>
+                    <p:cTn id="27" fill="hold">
+                      <p:stCondLst>
+                        <p:cond delay="indefinite"/>
+                      </p:stCondLst>
+                      <p:childTnLst>
+                        <p:par>
+                          <p:cTn id="28" fill="hold">
+                            <p:stCondLst>
+                              <p:cond delay="0"/>
+                            </p:stCondLst>
+                            <p:childTnLst>
+                              <p:par>
+                                <p:cTn id="29" presetID="1" presetClass="entr" presetSubtype="0" fill="hold" grpId="0" nodeType="clickEffect">
+                                  <p:stCondLst>
+                                    <p:cond delay="0"/>
+                                  </p:stCondLst>
+                                  <p:childTnLst>
+                                    <p:set>
+                                      <p:cBhvr>
+                                        <p:cTn id="30" dur="1" fill="hold">
+                                          <p:stCondLst>
+                                            <p:cond delay="0"/>
+                                          </p:stCondLst>
+                                        </p:cTn>
+                                        <p:tgtEl>
+                                          <p:spTgt spid="7">
+                                            <p:txEl>
+                                              <p:pRg st="4" end="4"/>
+                                            </p:txEl>
+                                          </p:spTgt>
+                                        </p:tgtEl>
+                                        <p:attrNameLst>
+                                          <p:attrName>style.visibility</p:attrName>
+                                        </p:attrNameLst>
+                                      </p:cBhvr>
+                                      <p:to>
+                                        <p:strVal val="visible"/>
+                                      </p:to>
+                                    </p:set>
+                                  </p:childTnLst>
+                                </p:cTn>
+                              </p:par>
+                            </p:childTnLst>
+                          </p:cTn>
+                        </p:par>
+                      </p:childTnLst>
+                    </p:cTn>
+                  </p:par>
+                  <p:par>
+                    <p:cTn id="31" fill="hold">
+                      <p:stCondLst>
+                        <p:cond delay="indefinite"/>
+                      </p:stCondLst>
+                      <p:childTnLst>
+                        <p:par>
+                          <p:cTn id="32" fill="hold">
+                            <p:stCondLst>
+                              <p:cond delay="0"/>
+                            </p:stCondLst>
+                            <p:childTnLst>
+                              <p:par>
+                                <p:cTn id="33" presetID="1" presetClass="entr" presetSubtype="0" fill="hold" grpId="0" nodeType="clickEffect">
+                                  <p:stCondLst>
+                                    <p:cond delay="0"/>
+                                  </p:stCondLst>
+                                  <p:childTnLst>
+                                    <p:set>
+                                      <p:cBhvr>
+                                        <p:cTn id="34" dur="1" fill="hold">
+                                          <p:stCondLst>
+                                            <p:cond delay="0"/>
+                                          </p:stCondLst>
+                                        </p:cTn>
+                                        <p:tgtEl>
+                                          <p:spTgt spid="7">
+                                            <p:txEl>
+                                              <p:pRg st="3" end="3"/>
+                                            </p:txEl>
+                                          </p:spTgt>
+                                        </p:tgtEl>
+                                        <p:attrNameLst>
+                                          <p:attrName>style.visibility</p:attrName>
+                                        </p:attrNameLst>
+                                      </p:cBhvr>
+                                      <p:to>
+                                        <p:strVal val="visible"/>
+                                      </p:to>
+                                    </p:set>
+                                  </p:childTnLst>
+                                </p:cTn>
+                              </p:par>
+                            </p:childTnLst>
+                          </p:cTn>
+                        </p:par>
+                      </p:childTnLst>
+                    </p:cTn>
+                  </p:par>
+                  <p:par>
+                    <p:cTn id="35" fill="hold">
+                      <p:stCondLst>
+                        <p:cond delay="indefinite"/>
+                      </p:stCondLst>
+                      <p:childTnLst>
+                        <p:par>
+                          <p:cTn id="36" fill="hold">
+                            <p:stCondLst>
+                              <p:cond delay="0"/>
+                            </p:stCondLst>
+                            <p:childTnLst>
+                              <p:par>
+                                <p:cTn id="37" presetID="1" presetClass="entr" presetSubtype="0" fill="hold" grpId="0" nodeType="clickEffect">
+                                  <p:stCondLst>
+                                    <p:cond delay="0"/>
+                                  </p:stCondLst>
+                                  <p:childTnLst>
+                                    <p:set>
+                                      <p:cBhvr>
+                                        <p:cTn id="38" dur="1" fill="hold">
+                                          <p:stCondLst>
+                                            <p:cond delay="0"/>
+                                          </p:stCondLst>
+                                        </p:cTn>
+                                        <p:tgtEl>
+                                          <p:spTgt spid="7">
+                                            <p:txEl>
+                                              <p:pRg st="2" end="2"/>
+                                            </p:txEl>
+                                          </p:spTgt>
+                                        </p:tgtEl>
+                                        <p:attrNameLst>
+                                          <p:attrName>style.visibility</p:attrName>
+                                        </p:attrNameLst>
+                                      </p:cBhvr>
+                                      <p:to>
+                                        <p:strVal val="visible"/>
+                                      </p:to>
+                                    </p:set>
+                                  </p:childTnLst>
+                                </p:cTn>
+                              </p:par>
+                            </p:childTnLst>
+                          </p:cTn>
+                        </p:par>
+                      </p:childTnLst>
+                    </p:cTn>
+                  </p:par>
+                  <p:par>
+                    <p:cTn id="39" fill="hold">
+                      <p:stCondLst>
+                        <p:cond delay="indefinite"/>
+                      </p:stCondLst>
+                      <p:childTnLst>
+                        <p:par>
+                          <p:cTn id="40" fill="hold">
+                            <p:stCondLst>
+                              <p:cond delay="0"/>
+                            </p:stCondLst>
+                            <p:childTnLst>
+                              <p:par>
+                                <p:cTn id="41" presetID="1" presetClass="entr" presetSubtype="0" fill="hold" grpId="0" nodeType="clickEffect">
+                                  <p:stCondLst>
+                                    <p:cond delay="0"/>
+                                  </p:stCondLst>
+                                  <p:childTnLst>
+                                    <p:set>
+                                      <p:cBhvr>
+                                        <p:cTn id="42" dur="1" fill="hold">
+                                          <p:stCondLst>
+                                            <p:cond delay="0"/>
+                                          </p:stCondLst>
+                                        </p:cTn>
+                                        <p:tgtEl>
+                                          <p:spTgt spid="7">
+                                            <p:txEl>
+                                              <p:pRg st="0" end="0"/>
+                                            </p:txEl>
+                                          </p:spTgt>
+                                        </p:tgtEl>
+                                        <p:attrNameLst>
+                                          <p:attrName>style.visibility</p:attrName>
+                                        </p:attrNameLst>
+                                      </p:cBhvr>
+                                      <p:to>
+                                        <p:strVal val="visible"/>
+                                      </p:to>
+                                    </p:set>
+                                  </p:childTnLst>
+                                </p:cTn>
+                              </p:par>
+                            </p:childTnLst>
+                          </p:cTn>
+                        </p:par>
+                      </p:childTnLst>
+                    </p:cTn>
+                  </p:par>
+                </p:childTnLst>
+              </p:cTn>
+              <p:prevCondLst>
+                <p:cond evt="onPrev" delay="0">
+                  <p:tgtEl>
+                    <p:sldTgt/>
+                  </p:tgtEl>
+                </p:cond>
+              </p:prevCondLst>
+              <p:nextCondLst>
+                <p:cond evt="onNext" delay="0">
+                  <p:tgtEl>
+                    <p:sldTgt/>
+                  </p:tgtEl>
+                </p:cond>
+              </p:nextCondLst>
+            </p:seq>
+          </p:childTnLst>
+        </p:cTn>
+      </p:par>
+    </p:tnLst>
+    <p:bldLst>
+      <p:bldP spid="3" grpId="0" uiExpand="1" build="p"/>
+      <p:bldP spid="7" grpId="0" uiExpand="1" build="p"/>
+    </p:bldLst>
+  </p:timing>
+</p:sld>
+</file>
+
+<file path=ppt/slides/slide42.xml><?xml version="1.0" encoding="utf-8"?>
+<p:sld xmlns:a="http://schemas.openxmlformats.org/drawingml/2006/main" xmlns:r="http://schemas.openxmlformats.org/officeDocument/2006/relationships" xmlns:p="http://schemas.openxmlformats.org/presentationml/2006/main">
+  <p:cSld>
+    <p:spTree>
+      <p:nvGrpSpPr>
+        <p:cNvPr id="1" name=""/>
+        <p:cNvGrpSpPr/>
+        <p:nvPr/>
+      </p:nvGrpSpPr>
+      <p:grpSpPr>
+        <a:xfrm>
+          <a:off x="0" y="0"/>
+          <a:ext cx="0" cy="0"/>
+          <a:chOff x="0" y="0"/>
+          <a:chExt cx="0" cy="0"/>
+        </a:xfrm>
+      </p:grpSpPr>
+      <p:sp>
+        <p:nvSpPr>
+          <p:cNvPr id="2" name="Title 1">
+            <a:extLst>
+              <a:ext uri="{FF2B5EF4-FFF2-40B4-BE49-F238E27FC236}">
+                <a16:creationId xmlns:a16="http://schemas.microsoft.com/office/drawing/2014/main" id="{D57ECCD7-4534-43FE-9762-FFF4775E4556}"/>
+              </a:ext>
+            </a:extLst>
+          </p:cNvPr>
+          <p:cNvSpPr>
+            <a:spLocks noGrp="1"/>
+          </p:cNvSpPr>
+          <p:nvPr>
+            <p:ph type="title"/>
+          </p:nvPr>
+        </p:nvSpPr>
+        <p:spPr/>
+        <p:txBody>
+          <a:bodyPr/>
+          <a:lstStyle/>
+          <a:p>
+            <a:r>
+              <a:rPr lang="en-US" dirty="0"/>
+              <a:t>Verification planning</a:t>
+            </a:r>
+          </a:p>
+        </p:txBody>
+      </p:sp>
+      <p:sp>
+        <p:nvSpPr>
+          <p:cNvPr id="3" name="Content Placeholder 2">
+            <a:extLst>
+              <a:ext uri="{FF2B5EF4-FFF2-40B4-BE49-F238E27FC236}">
+                <a16:creationId xmlns:a16="http://schemas.microsoft.com/office/drawing/2014/main" id="{66F6E960-9F77-4B27-9E1E-68520FC6BB14}"/>
+              </a:ext>
+            </a:extLst>
+          </p:cNvPr>
+          <p:cNvSpPr>
+            <a:spLocks noGrp="1"/>
+          </p:cNvSpPr>
+          <p:nvPr>
+            <p:ph idx="1"/>
+          </p:nvPr>
+        </p:nvSpPr>
+        <p:spPr/>
+        <p:txBody>
+          <a:bodyPr/>
+          <a:lstStyle/>
+          <a:p>
+            <a:r>
+              <a:rPr lang="en-US" sz="2400" dirty="0"/>
+              <a:t>How each requirement will be verified?</a:t>
+            </a:r>
+          </a:p>
+          <a:p>
+            <a:pPr lvl="1"/>
+            <a:r>
+              <a:rPr lang="en-US" sz="2000" dirty="0"/>
+              <a:t>At what level?</a:t>
+            </a:r>
+          </a:p>
+          <a:p>
+            <a:pPr lvl="1"/>
+            <a:r>
+              <a:rPr lang="en-US" sz="2000" dirty="0"/>
+              <a:t>What will count as evidence?</a:t>
+            </a:r>
+          </a:p>
+          <a:p>
+            <a:r>
+              <a:rPr lang="en-US" sz="2400" dirty="0"/>
+              <a:t>Verification methods:</a:t>
+            </a:r>
+          </a:p>
+          <a:p>
+            <a:pPr lvl="1"/>
+            <a:r>
+              <a:rPr lang="en-US" sz="2000" dirty="0"/>
+              <a:t>Inspection, analysis, testing, documentation</a:t>
+            </a:r>
+          </a:p>
+          <a:p>
+            <a:r>
+              <a:rPr lang="en-US" sz="2400" dirty="0"/>
+              <a:t>Software Verification and Validation Plan (SVVP): A document that defines the "Who, What, When, and How" of testing.</a:t>
+            </a:r>
+          </a:p>
+          <a:p>
+            <a:r>
+              <a:rPr lang="en-US" sz="2400" dirty="0"/>
+              <a:t>Key Content (based on IEEE 1012):</a:t>
+            </a:r>
+          </a:p>
+          <a:p>
+            <a:pPr lvl="1"/>
+            <a:r>
+              <a:rPr lang="en-US" sz="2000" dirty="0"/>
+              <a:t>Verification Tasks (e.g., Code Reviews, Unit Testing)</a:t>
+            </a:r>
+          </a:p>
+          <a:p>
+            <a:pPr lvl="1"/>
+            <a:r>
+              <a:rPr lang="en-US" sz="2000" dirty="0"/>
+              <a:t>Pass/Fail Criteria</a:t>
+            </a:r>
+          </a:p>
+          <a:p>
+            <a:pPr lvl="1"/>
+            <a:r>
+              <a:rPr lang="en-US" sz="2000" dirty="0"/>
+              <a:t>Hardware/Software tools needed (Debuggers, Oscilloscopes)</a:t>
+            </a:r>
+          </a:p>
+        </p:txBody>
+      </p:sp>
+      <p:sp>
+        <p:nvSpPr>
+          <p:cNvPr id="4" name="Date Placeholder 3">
+            <a:extLst>
+              <a:ext uri="{FF2B5EF4-FFF2-40B4-BE49-F238E27FC236}">
+                <a16:creationId xmlns:a16="http://schemas.microsoft.com/office/drawing/2014/main" id="{4C97B885-DB36-4957-8038-5169C9FAE5DB}"/>
+              </a:ext>
+            </a:extLst>
+          </p:cNvPr>
+          <p:cNvSpPr>
+            <a:spLocks noGrp="1"/>
+          </p:cNvSpPr>
+          <p:nvPr>
+            <p:ph type="dt" sz="half" idx="10"/>
+          </p:nvPr>
+        </p:nvSpPr>
+        <p:spPr/>
+        <p:txBody>
+          <a:bodyPr/>
+          <a:lstStyle/>
+          <a:p>
+            <a:pPr>
+              <a:defRPr/>
+            </a:pPr>
+            <a:r>
+              <a:rPr lang="en-US"/>
+              <a:t>21/12/2020</a:t>
+            </a:r>
+          </a:p>
+        </p:txBody>
+      </p:sp>
+      <p:sp>
+        <p:nvSpPr>
+          <p:cNvPr id="5" name="Slide Number Placeholder 4">
+            <a:extLst>
+              <a:ext uri="{FF2B5EF4-FFF2-40B4-BE49-F238E27FC236}">
+                <a16:creationId xmlns:a16="http://schemas.microsoft.com/office/drawing/2014/main" id="{D28A7798-B7EE-4044-A849-BA1F109776D1}"/>
+              </a:ext>
+            </a:extLst>
+          </p:cNvPr>
+          <p:cNvSpPr>
+            <a:spLocks noGrp="1"/>
+          </p:cNvSpPr>
+          <p:nvPr>
+            <p:ph type="sldNum" sz="quarter" idx="12"/>
+          </p:nvPr>
+        </p:nvSpPr>
+        <p:spPr/>
+        <p:txBody>
+          <a:bodyPr/>
+          <a:lstStyle/>
+          <a:p>
+            <a:pPr>
+              <a:defRPr/>
+            </a:pPr>
+            <a:fld id="{CA887A73-1AE0-46F8-856A-18EA1CF30A1B}" type="slidenum">
+              <a:rPr lang="en-US" altLang="en-US" smtClean="0"/>
+              <a:pPr>
+                <a:defRPr/>
+              </a:pPr>
+              <a:t>42</a:t>
+            </a:fld>
+            <a:endParaRPr lang="en-US" altLang="en-US"/>
+          </a:p>
+        </p:txBody>
+      </p:sp>
+    </p:spTree>
+    <p:extLst>
+      <p:ext uri="{BB962C8B-B14F-4D97-AF65-F5344CB8AC3E}">
+        <p14:creationId xmlns:p14="http://schemas.microsoft.com/office/powerpoint/2010/main" val="1455896106"/>
+      </p:ext>
+    </p:extLst>
+  </p:cSld>
+  <p:clrMapOvr>
+    <a:masterClrMapping/>
+  </p:clrMapOvr>
+  <p:timing>
+    <p:tnLst>
+      <p:par>
+        <p:cTn id="1" dur="indefinite" restart="never" nodeType="tmRoot">
+          <p:childTnLst>
+            <p:seq concurrent="1" nextAc="seek">
+              <p:cTn id="2" dur="indefinite" nodeType="mainSeq">
+                <p:childTnLst>
+                  <p:par>
+                    <p:cTn id="3" fill="hold">
+                      <p:stCondLst>
+                        <p:cond delay="indefinite"/>
+                      </p:stCondLst>
+                      <p:childTnLst>
+                        <p:par>
+                          <p:cTn id="4" fill="hold">
+                            <p:stCondLst>
+                              <p:cond delay="0"/>
+                            </p:stCondLst>
+                            <p:childTnLst>
+                              <p:par>
+                                <p:cTn id="5" presetID="1" presetClass="entr" presetSubtype="0" fill="hold" grpId="0" nodeType="clickEffect">
+                                  <p:stCondLst>
+                                    <p:cond delay="0"/>
+                                  </p:stCondLst>
+                                  <p:childTnLst>
+                                    <p:set>
+                                      <p:cBhvr>
+                                        <p:cTn id="6" dur="1" fill="hold">
+                                          <p:stCondLst>
+                                            <p:cond delay="0"/>
+                                          </p:stCondLst>
+                                        </p:cTn>
+                                        <p:tgtEl>
+                                          <p:spTgt spid="3">
+                                            <p:txEl>
+                                              <p:pRg st="0" end="0"/>
+                                            </p:txEl>
+                                          </p:spTgt>
+                                        </p:tgtEl>
+                                        <p:attrNameLst>
+                                          <p:attrName>style.visibility</p:attrName>
+                                        </p:attrNameLst>
+                                      </p:cBhvr>
+                                      <p:to>
+                                        <p:strVal val="visible"/>
+                                      </p:to>
+                                    </p:set>
+                                  </p:childTnLst>
+                                </p:cTn>
+                              </p:par>
+                            </p:childTnLst>
+                          </p:cTn>
+                        </p:par>
+                      </p:childTnLst>
+                    </p:cTn>
+                  </p:par>
+                  <p:par>
+                    <p:cTn id="7" fill="hold">
+                      <p:stCondLst>
+                        <p:cond delay="indefinite"/>
+                      </p:stCondLst>
+                      <p:childTnLst>
+                        <p:par>
+                          <p:cTn id="8" fill="hold">
+                            <p:stCondLst>
+                              <p:cond delay="0"/>
+                            </p:stCondLst>
+                            <p:childTnLst>
+                              <p:par>
+                                <p:cTn id="9" presetID="1" presetClass="entr" presetSubtype="0" fill="hold" grpId="0" nodeType="clickEffect">
+                                  <p:stCondLst>
+                                    <p:cond delay="0"/>
+                                  </p:stCondLst>
+                                  <p:childTnLst>
+                                    <p:set>
+                                      <p:cBhvr>
+                                        <p:cTn id="10" dur="1" fill="hold">
+                                          <p:stCondLst>
+                                            <p:cond delay="0"/>
+                                          </p:stCondLst>
+                                        </p:cTn>
+                                        <p:tgtEl>
+                                          <p:spTgt spid="3">
+                                            <p:txEl>
+                                              <p:pRg st="1" end="1"/>
+                                            </p:txEl>
+                                          </p:spTgt>
+                                        </p:tgtEl>
+                                        <p:attrNameLst>
+                                          <p:attrName>style.visibility</p:attrName>
+                                        </p:attrNameLst>
+                                      </p:cBhvr>
+                                      <p:to>
+                                        <p:strVal val="visible"/>
+                                      </p:to>
+                                    </p:set>
+                                  </p:childTnLst>
+                                </p:cTn>
+                              </p:par>
+                            </p:childTnLst>
+                          </p:cTn>
+                        </p:par>
+                      </p:childTnLst>
+                    </p:cTn>
+                  </p:par>
+                  <p:par>
+                    <p:cTn id="11" fill="hold">
+                      <p:stCondLst>
+                        <p:cond delay="indefinite"/>
+                      </p:stCondLst>
+                      <p:childTnLst>
+                        <p:par>
+                          <p:cTn id="12" fill="hold">
+                            <p:stCondLst>
+                              <p:cond delay="0"/>
+                            </p:stCondLst>
+                            <p:childTnLst>
+                              <p:par>
+                                <p:cTn id="13" presetID="1" presetClass="entr" presetSubtype="0" fill="hold" grpId="0" nodeType="clickEffect">
+                                  <p:stCondLst>
+                                    <p:cond delay="0"/>
+                                  </p:stCondLst>
+                                  <p:childTnLst>
+                                    <p:set>
+                                      <p:cBhvr>
+                                        <p:cTn id="14" dur="1" fill="hold">
+                                          <p:stCondLst>
+                                            <p:cond delay="0"/>
+                                          </p:stCondLst>
+                                        </p:cTn>
+                                        <p:tgtEl>
+                                          <p:spTgt spid="3">
+                                            <p:txEl>
+                                              <p:pRg st="2" end="2"/>
+                                            </p:txEl>
+                                          </p:spTgt>
+                                        </p:tgtEl>
+                                        <p:attrNameLst>
+                                          <p:attrName>style.visibility</p:attrName>
+                                        </p:attrNameLst>
+                                      </p:cBhvr>
+                                      <p:to>
+                                        <p:strVal val="visible"/>
+                                      </p:to>
+                                    </p:set>
+                                  </p:childTnLst>
+                                </p:cTn>
+                              </p:par>
+                            </p:childTnLst>
+                          </p:cTn>
+                        </p:par>
+                      </p:childTnLst>
+                    </p:cTn>
+                  </p:par>
+                  <p:par>
+                    <p:cTn id="15" fill="hold">
+                      <p:stCondLst>
+                        <p:cond delay="indefinite"/>
+                      </p:stCondLst>
+                      <p:childTnLst>
+                        <p:par>
+                          <p:cTn id="16" fill="hold">
+                            <p:stCondLst>
+                              <p:cond delay="0"/>
+                            </p:stCondLst>
+                            <p:childTnLst>
+                              <p:par>
+                                <p:cTn id="17" presetID="1" presetClass="entr" presetSubtype="0" fill="hold" grpId="0" nodeType="clickEffect">
+                                  <p:stCondLst>
+                                    <p:cond delay="0"/>
+                                  </p:stCondLst>
+                                  <p:childTnLst>
+                                    <p:set>
+                                      <p:cBhvr>
+                                        <p:cTn id="18" dur="1" fill="hold">
+                                          <p:stCondLst>
+                                            <p:cond delay="0"/>
+                                          </p:stCondLst>
+                                        </p:cTn>
+                                        <p:tgtEl>
+                                          <p:spTgt spid="3">
+                                            <p:txEl>
+                                              <p:pRg st="3" end="3"/>
+                                            </p:txEl>
+                                          </p:spTgt>
+                                        </p:tgtEl>
+                                        <p:attrNameLst>
+                                          <p:attrName>style.visibility</p:attrName>
+                                        </p:attrNameLst>
+                                      </p:cBhvr>
+                                      <p:to>
+                                        <p:strVal val="visible"/>
+                                      </p:to>
+                                    </p:set>
+                                  </p:childTnLst>
+                                </p:cTn>
+                              </p:par>
+                            </p:childTnLst>
+                          </p:cTn>
+                        </p:par>
+                      </p:childTnLst>
+                    </p:cTn>
+                  </p:par>
+                  <p:par>
+                    <p:cTn id="19" fill="hold">
+                      <p:stCondLst>
+                        <p:cond delay="indefinite"/>
+                      </p:stCondLst>
+                      <p:childTnLst>
+                        <p:par>
+                          <p:cTn id="20" fill="hold">
+                            <p:stCondLst>
+                              <p:cond delay="0"/>
+                            </p:stCondLst>
+                            <p:childTnLst>
+                              <p:par>
+                                <p:cTn id="21" presetID="1" presetClass="entr" presetSubtype="0" fill="hold" grpId="0" nodeType="clickEffect">
+                                  <p:stCondLst>
+                                    <p:cond delay="0"/>
+                                  </p:stCondLst>
+                                  <p:childTnLst>
+                                    <p:set>
+                                      <p:cBhvr>
+                                        <p:cTn id="22" dur="1" fill="hold">
+                                          <p:stCondLst>
+                                            <p:cond delay="0"/>
+                                          </p:stCondLst>
+                                        </p:cTn>
+                                        <p:tgtEl>
+                                          <p:spTgt spid="3">
+                                            <p:txEl>
+                                              <p:pRg st="4" end="4"/>
+                                            </p:txEl>
+                                          </p:spTgt>
+                                        </p:tgtEl>
+                                        <p:attrNameLst>
+                                          <p:attrName>style.visibility</p:attrName>
+                                        </p:attrNameLst>
+                                      </p:cBhvr>
+                                      <p:to>
+                                        <p:strVal val="visible"/>
+                                      </p:to>
+                                    </p:set>
+                                  </p:childTnLst>
+                                </p:cTn>
+                              </p:par>
+                            </p:childTnLst>
+                          </p:cTn>
+                        </p:par>
+                      </p:childTnLst>
+                    </p:cTn>
+                  </p:par>
+                  <p:par>
+                    <p:cTn id="23" fill="hold">
+                      <p:stCondLst>
+                        <p:cond delay="indefinite"/>
+                      </p:stCondLst>
+                      <p:childTnLst>
+                        <p:par>
+                          <p:cTn id="24" fill="hold">
+                            <p:stCondLst>
+                              <p:cond delay="0"/>
+                            </p:stCondLst>
+                            <p:childTnLst>
+                              <p:par>
+                                <p:cTn id="25" presetID="1" presetClass="entr" presetSubtype="0" fill="hold" grpId="0" nodeType="clickEffect">
+                                  <p:stCondLst>
+                                    <p:cond delay="0"/>
+                                  </p:stCondLst>
+                                  <p:childTnLst>
+                                    <p:set>
+                                      <p:cBhvr>
+                                        <p:cTn id="26" dur="1" fill="hold">
+                                          <p:stCondLst>
+                                            <p:cond delay="0"/>
+                                          </p:stCondLst>
+                                        </p:cTn>
+                                        <p:tgtEl>
+                                          <p:spTgt spid="3">
+                                            <p:txEl>
+                                              <p:pRg st="5" end="5"/>
+                                            </p:txEl>
+                                          </p:spTgt>
+                                        </p:tgtEl>
+                                        <p:attrNameLst>
+                                          <p:attrName>style.visibility</p:attrName>
+                                        </p:attrNameLst>
+                                      </p:cBhvr>
+                                      <p:to>
+                                        <p:strVal val="visible"/>
+                                      </p:to>
+                                    </p:set>
+                                  </p:childTnLst>
+                                </p:cTn>
+                              </p:par>
+                            </p:childTnLst>
+                          </p:cTn>
+                        </p:par>
+                      </p:childTnLst>
+                    </p:cTn>
+                  </p:par>
+                  <p:par>
+                    <p:cTn id="27" fill="hold">
+                      <p:stCondLst>
+                        <p:cond delay="indefinite"/>
+                      </p:stCondLst>
+                      <p:childTnLst>
+                        <p:par>
+                          <p:cTn id="28" fill="hold">
+                            <p:stCondLst>
+                              <p:cond delay="0"/>
+                            </p:stCondLst>
+                            <p:childTnLst>
+                              <p:par>
+                                <p:cTn id="29" presetID="1" presetClass="entr" presetSubtype="0" fill="hold" grpId="0" nodeType="clickEffect">
+                                  <p:stCondLst>
+                                    <p:cond delay="0"/>
+                                  </p:stCondLst>
+                                  <p:childTnLst>
+                                    <p:set>
+                                      <p:cBhvr>
+                                        <p:cTn id="30" dur="1" fill="hold">
+                                          <p:stCondLst>
+                                            <p:cond delay="0"/>
+                                          </p:stCondLst>
+                                        </p:cTn>
+                                        <p:tgtEl>
+                                          <p:spTgt spid="3">
+                                            <p:txEl>
+                                              <p:pRg st="6" end="6"/>
+                                            </p:txEl>
+                                          </p:spTgt>
+                                        </p:tgtEl>
+                                        <p:attrNameLst>
+                                          <p:attrName>style.visibility</p:attrName>
+                                        </p:attrNameLst>
+                                      </p:cBhvr>
+                                      <p:to>
+                                        <p:strVal val="visible"/>
+                                      </p:to>
+                                    </p:set>
+                                  </p:childTnLst>
+                                </p:cTn>
+                              </p:par>
+                            </p:childTnLst>
+                          </p:cTn>
+                        </p:par>
+                      </p:childTnLst>
+                    </p:cTn>
+                  </p:par>
+                  <p:par>
+                    <p:cTn id="31" fill="hold">
+                      <p:stCondLst>
+                        <p:cond delay="indefinite"/>
+                      </p:stCondLst>
+                      <p:childTnLst>
+                        <p:par>
+                          <p:cTn id="32" fill="hold">
+                            <p:stCondLst>
+                              <p:cond delay="0"/>
+                            </p:stCondLst>
+                            <p:childTnLst>
+                              <p:par>
+                                <p:cTn id="33" presetID="1" presetClass="entr" presetSubtype="0" fill="hold" grpId="0" nodeType="clickEffect">
+                                  <p:stCondLst>
+                                    <p:cond delay="0"/>
+                                  </p:stCondLst>
+                                  <p:childTnLst>
+                                    <p:set>
+                                      <p:cBhvr>
+                                        <p:cTn id="34" dur="1" fill="hold">
+                                          <p:stCondLst>
+                                            <p:cond delay="0"/>
+                                          </p:stCondLst>
+                                        </p:cTn>
+                                        <p:tgtEl>
+                                          <p:spTgt spid="3">
+                                            <p:txEl>
+                                              <p:pRg st="7" end="7"/>
+                                            </p:txEl>
+                                          </p:spTgt>
+                                        </p:tgtEl>
+                                        <p:attrNameLst>
+                                          <p:attrName>style.visibility</p:attrName>
+                                        </p:attrNameLst>
+                                      </p:cBhvr>
+                                      <p:to>
+                                        <p:strVal val="visible"/>
+                                      </p:to>
+                                    </p:set>
+                                  </p:childTnLst>
+                                </p:cTn>
+                              </p:par>
+                            </p:childTnLst>
+                          </p:cTn>
+                        </p:par>
+                      </p:childTnLst>
+                    </p:cTn>
+                  </p:par>
+                  <p:par>
+                    <p:cTn id="35" fill="hold">
+                      <p:stCondLst>
+                        <p:cond delay="indefinite"/>
+                      </p:stCondLst>
+                      <p:childTnLst>
+                        <p:par>
+                          <p:cTn id="36" fill="hold">
+                            <p:stCondLst>
+                              <p:cond delay="0"/>
+                            </p:stCondLst>
+                            <p:childTnLst>
+                              <p:par>
+                                <p:cTn id="37" presetID="1" presetClass="entr" presetSubtype="0" fill="hold" grpId="0" nodeType="clickEffect">
+                                  <p:stCondLst>
+                                    <p:cond delay="0"/>
+                                  </p:stCondLst>
+                                  <p:childTnLst>
+                                    <p:set>
+                                      <p:cBhvr>
+                                        <p:cTn id="38" dur="1" fill="hold">
+                                          <p:stCondLst>
+                                            <p:cond delay="0"/>
+                                          </p:stCondLst>
+                                        </p:cTn>
+                                        <p:tgtEl>
+                                          <p:spTgt spid="3">
+                                            <p:txEl>
+                                              <p:pRg st="8" end="8"/>
+                                            </p:txEl>
+                                          </p:spTgt>
+                                        </p:tgtEl>
+                                        <p:attrNameLst>
+                                          <p:attrName>style.visibility</p:attrName>
+                                        </p:attrNameLst>
+                                      </p:cBhvr>
+                                      <p:to>
+                                        <p:strVal val="visible"/>
+                                      </p:to>
+                                    </p:set>
+                                  </p:childTnLst>
+                                </p:cTn>
+                              </p:par>
+                            </p:childTnLst>
+                          </p:cTn>
+                        </p:par>
+                      </p:childTnLst>
+                    </p:cTn>
+                  </p:par>
+                  <p:par>
+                    <p:cTn id="39" fill="hold">
+                      <p:stCondLst>
+                        <p:cond delay="indefinite"/>
+                      </p:stCondLst>
+                      <p:childTnLst>
+                        <p:par>
+                          <p:cTn id="40" fill="hold">
+                            <p:stCondLst>
+                              <p:cond delay="0"/>
+                            </p:stCondLst>
+                            <p:childTnLst>
+                              <p:par>
+                                <p:cTn id="41" presetID="1" presetClass="entr" presetSubtype="0" fill="hold" grpId="0" nodeType="clickEffect">
+                                  <p:stCondLst>
+                                    <p:cond delay="0"/>
+                                  </p:stCondLst>
+                                  <p:childTnLst>
+                                    <p:set>
+                                      <p:cBhvr>
+                                        <p:cTn id="42" dur="1" fill="hold">
+                                          <p:stCondLst>
+                                            <p:cond delay="0"/>
+                                          </p:stCondLst>
+                                        </p:cTn>
+                                        <p:tgtEl>
+                                          <p:spTgt spid="3">
+                                            <p:txEl>
+                                              <p:pRg st="9" end="9"/>
+                                            </p:txEl>
+                                          </p:spTgt>
+                                        </p:tgtEl>
+                                        <p:attrNameLst>
+                                          <p:attrName>style.visibility</p:attrName>
+                                        </p:attrNameLst>
+                                      </p:cBhvr>
+                                      <p:to>
+                                        <p:strVal val="visible"/>
+                                      </p:to>
+                                    </p:set>
+                                  </p:childTnLst>
+                                </p:cTn>
+                              </p:par>
+                            </p:childTnLst>
+                          </p:cTn>
+                        </p:par>
+                      </p:childTnLst>
+                    </p:cTn>
+                  </p:par>
+                </p:childTnLst>
+              </p:cTn>
+              <p:prevCondLst>
+                <p:cond evt="onPrev" delay="0">
+                  <p:tgtEl>
+                    <p:sldTgt/>
+                  </p:tgtEl>
+                </p:cond>
+              </p:prevCondLst>
+              <p:nextCondLst>
+                <p:cond evt="onNext" delay="0">
+                  <p:tgtEl>
+                    <p:sldTgt/>
+                  </p:tgtEl>
+                </p:cond>
+              </p:nextCondLst>
+            </p:seq>
+          </p:childTnLst>
+        </p:cTn>
+      </p:par>
+    </p:tnLst>
+    <p:bldLst>
+      <p:bldP spid="3" grpId="0" build="p"/>
+    </p:bldLst>
+  </p:timing>
+</p:sld>
+</file>
+
+<file path=ppt/slides/slide43.xml><?xml version="1.0" encoding="utf-8"?>
+<p:sld xmlns:a="http://schemas.openxmlformats.org/drawingml/2006/main" xmlns:r="http://schemas.openxmlformats.org/officeDocument/2006/relationships" xmlns:p="http://schemas.openxmlformats.org/presentationml/2006/main">
+  <p:cSld>
+    <p:spTree>
+      <p:nvGrpSpPr>
+        <p:cNvPr id="1" name=""/>
+        <p:cNvGrpSpPr/>
+        <p:nvPr/>
+      </p:nvGrpSpPr>
+      <p:grpSpPr>
+        <a:xfrm>
+          <a:off x="0" y="0"/>
+          <a:ext cx="0" cy="0"/>
+          <a:chOff x="0" y="0"/>
+          <a:chExt cx="0" cy="0"/>
+        </a:xfrm>
+      </p:grpSpPr>
+      <p:sp>
+        <p:nvSpPr>
+          <p:cNvPr id="2" name="Title 1">
+            <a:extLst>
+              <a:ext uri="{FF2B5EF4-FFF2-40B4-BE49-F238E27FC236}">
+                <a16:creationId xmlns:a16="http://schemas.microsoft.com/office/drawing/2014/main" id="{A664F1FA-AEEC-4A78-9FE7-7E961FCA69DB}"/>
+              </a:ext>
+            </a:extLst>
+          </p:cNvPr>
+          <p:cNvSpPr>
+            <a:spLocks noGrp="1"/>
+          </p:cNvSpPr>
+          <p:nvPr>
+            <p:ph type="title"/>
+          </p:nvPr>
+        </p:nvSpPr>
+        <p:spPr/>
+        <p:txBody>
+          <a:bodyPr/>
+          <a:lstStyle/>
+          <a:p>
+            <a:r>
+              <a:rPr lang="en-US" dirty="0"/>
+              <a:t>Requirements Traceability Matrix</a:t>
+            </a:r>
+          </a:p>
+        </p:txBody>
+      </p:sp>
+      <p:sp>
+        <p:nvSpPr>
+          <p:cNvPr id="3" name="Content Placeholder 2">
+            <a:extLst>
+              <a:ext uri="{FF2B5EF4-FFF2-40B4-BE49-F238E27FC236}">
+                <a16:creationId xmlns:a16="http://schemas.microsoft.com/office/drawing/2014/main" id="{4D1068CB-4E29-4DBA-BA03-A467B39613BE}"/>
+              </a:ext>
+            </a:extLst>
+          </p:cNvPr>
+          <p:cNvSpPr>
+            <a:spLocks noGrp="1"/>
+          </p:cNvSpPr>
+          <p:nvPr>
+            <p:ph idx="1"/>
+          </p:nvPr>
+        </p:nvSpPr>
+        <p:spPr/>
+        <p:txBody>
+          <a:bodyPr/>
+          <a:lstStyle/>
+          <a:p>
+            <a:pPr marL="0" indent="0">
+              <a:buNone/>
+            </a:pPr>
+            <a:r>
+              <a:rPr lang="en-US" sz="2000" dirty="0">
+                <a:solidFill>
+                  <a:srgbClr val="EA3F26"/>
+                </a:solidFill>
+              </a:rPr>
+              <a:t>A traceability matrix is a structured way to show how each requirement is designed, implemented, and verified across the V-model.</a:t>
+            </a:r>
+          </a:p>
+          <a:p>
+            <a:pPr marL="0" indent="0">
+              <a:buNone/>
+            </a:pPr>
+            <a:endParaRPr lang="en-US" sz="2000" dirty="0">
+              <a:solidFill>
+                <a:schemeClr val="tx1">
+                  <a:lumMod val="65000"/>
+                  <a:lumOff val="35000"/>
+                </a:schemeClr>
+              </a:solidFill>
+            </a:endParaRPr>
+          </a:p>
+        </p:txBody>
+      </p:sp>
+      <p:sp>
+        <p:nvSpPr>
+          <p:cNvPr id="4" name="Date Placeholder 3">
+            <a:extLst>
+              <a:ext uri="{FF2B5EF4-FFF2-40B4-BE49-F238E27FC236}">
+                <a16:creationId xmlns:a16="http://schemas.microsoft.com/office/drawing/2014/main" id="{7B0398BD-558E-4A48-9236-B5D7968EC49B}"/>
+              </a:ext>
+            </a:extLst>
+          </p:cNvPr>
+          <p:cNvSpPr>
+            <a:spLocks noGrp="1"/>
+          </p:cNvSpPr>
+          <p:nvPr>
+            <p:ph type="dt" sz="half" idx="10"/>
+          </p:nvPr>
+        </p:nvSpPr>
+        <p:spPr/>
+        <p:txBody>
+          <a:bodyPr/>
+          <a:lstStyle/>
+          <a:p>
+            <a:pPr>
+              <a:defRPr/>
+            </a:pPr>
+            <a:r>
+              <a:rPr lang="en-US"/>
+              <a:t>21/12/2020</a:t>
+            </a:r>
+          </a:p>
+        </p:txBody>
+      </p:sp>
+      <p:sp>
+        <p:nvSpPr>
+          <p:cNvPr id="5" name="Slide Number Placeholder 4">
+            <a:extLst>
+              <a:ext uri="{FF2B5EF4-FFF2-40B4-BE49-F238E27FC236}">
+                <a16:creationId xmlns:a16="http://schemas.microsoft.com/office/drawing/2014/main" id="{F5D8088E-5D3D-4289-BD8F-97B5549673CC}"/>
+              </a:ext>
+            </a:extLst>
+          </p:cNvPr>
+          <p:cNvSpPr>
+            <a:spLocks noGrp="1"/>
+          </p:cNvSpPr>
+          <p:nvPr>
+            <p:ph type="sldNum" sz="quarter" idx="12"/>
+          </p:nvPr>
+        </p:nvSpPr>
+        <p:spPr/>
+        <p:txBody>
+          <a:bodyPr/>
+          <a:lstStyle/>
+          <a:p>
+            <a:pPr>
+              <a:defRPr/>
+            </a:pPr>
+            <a:fld id="{CA887A73-1AE0-46F8-856A-18EA1CF30A1B}" type="slidenum">
+              <a:rPr lang="en-US" altLang="en-US" smtClean="0"/>
+              <a:pPr>
+                <a:defRPr/>
+              </a:pPr>
+              <a:t>43</a:t>
+            </a:fld>
+            <a:endParaRPr lang="en-US" altLang="en-US"/>
+          </a:p>
+        </p:txBody>
+      </p:sp>
+      <p:sp>
+        <p:nvSpPr>
+          <p:cNvPr id="7" name="TextBox 6">
+            <a:extLst>
+              <a:ext uri="{FF2B5EF4-FFF2-40B4-BE49-F238E27FC236}">
+                <a16:creationId xmlns:a16="http://schemas.microsoft.com/office/drawing/2014/main" id="{548C2691-8215-4B06-944A-61C356D940D7}"/>
+              </a:ext>
+            </a:extLst>
+          </p:cNvPr>
+          <p:cNvSpPr txBox="1"/>
+          <p:nvPr/>
+        </p:nvSpPr>
+        <p:spPr>
+          <a:xfrm>
+            <a:off x="152400" y="2286000"/>
+            <a:ext cx="5209032" cy="923330"/>
+          </a:xfrm>
+          <a:prstGeom prst="rect">
+            <a:avLst/>
+          </a:prstGeom>
+          <a:noFill/>
+        </p:spPr>
+        <p:txBody>
+          <a:bodyPr wrap="square">
+            <a:spAutoFit/>
+          </a:bodyPr>
+          <a:lstStyle/>
+          <a:p>
+            <a:r>
+              <a:rPr lang="en-US" dirty="0"/>
+              <a:t>Requirements   ←→   Acceptance / System Tests</a:t>
+            </a:r>
+          </a:p>
+          <a:p>
+            <a:r>
+              <a:rPr lang="en-US" dirty="0"/>
+              <a:t>Design              ←→   Integration Tests</a:t>
+            </a:r>
+          </a:p>
+          <a:p>
+            <a:r>
+              <a:rPr lang="en-US" dirty="0"/>
+              <a:t>Implementation ←→   Unit Tests</a:t>
+            </a:r>
+          </a:p>
+        </p:txBody>
+      </p:sp>
+      <p:sp>
+        <p:nvSpPr>
+          <p:cNvPr id="9" name="TextBox 8">
+            <a:extLst>
+              <a:ext uri="{FF2B5EF4-FFF2-40B4-BE49-F238E27FC236}">
+                <a16:creationId xmlns:a16="http://schemas.microsoft.com/office/drawing/2014/main" id="{2582EF3C-4483-49FC-8514-A43C2BACDF41}"/>
+              </a:ext>
+            </a:extLst>
+          </p:cNvPr>
+          <p:cNvSpPr txBox="1"/>
+          <p:nvPr/>
+        </p:nvSpPr>
+        <p:spPr>
+          <a:xfrm>
+            <a:off x="762000" y="3244334"/>
+            <a:ext cx="2791968" cy="369332"/>
+          </a:xfrm>
+          <a:prstGeom prst="rect">
+            <a:avLst/>
+          </a:prstGeom>
+          <a:noFill/>
+        </p:spPr>
+        <p:txBody>
+          <a:bodyPr wrap="square">
+            <a:spAutoFit/>
+          </a:bodyPr>
+          <a:lstStyle/>
+          <a:p>
+            <a:pPr algn="ctr"/>
+            <a:r>
+              <a:rPr lang="en-US" dirty="0"/>
+              <a:t>RTM records these links</a:t>
+            </a:r>
+          </a:p>
+        </p:txBody>
+      </p:sp>
+      <p:pic>
+        <p:nvPicPr>
+          <p:cNvPr id="11" name="Picture 10">
+            <a:extLst>
+              <a:ext uri="{FF2B5EF4-FFF2-40B4-BE49-F238E27FC236}">
+                <a16:creationId xmlns:a16="http://schemas.microsoft.com/office/drawing/2014/main" id="{11508677-6504-47E7-8733-286B63A098FE}"/>
+              </a:ext>
+            </a:extLst>
+          </p:cNvPr>
+          <p:cNvPicPr>
+            <a:picLocks noChangeAspect="1"/>
+          </p:cNvPicPr>
+          <p:nvPr/>
+        </p:nvPicPr>
+        <p:blipFill>
+          <a:blip r:embed="rId2"/>
+          <a:stretch>
+            <a:fillRect/>
+          </a:stretch>
+        </p:blipFill>
+        <p:spPr>
+          <a:xfrm>
+            <a:off x="2438400" y="3731471"/>
+            <a:ext cx="6344184" cy="2611847"/>
+          </a:xfrm>
+          <a:prstGeom prst="rect">
+            <a:avLst/>
+          </a:prstGeom>
+        </p:spPr>
+      </p:pic>
+    </p:spTree>
+    <p:extLst>
+      <p:ext uri="{BB962C8B-B14F-4D97-AF65-F5344CB8AC3E}">
+        <p14:creationId xmlns:p14="http://schemas.microsoft.com/office/powerpoint/2010/main" val="3304293724"/>
+      </p:ext>
+    </p:extLst>
+  </p:cSld>
+  <p:clrMapOvr>
+    <a:masterClrMapping/>
+  </p:clrMapOvr>
+  <p:timing>
+    <p:tnLst>
+      <p:par>
+        <p:cTn id="1" dur="indefinite" restart="never" nodeType="tmRoot">
+          <p:childTnLst>
+            <p:seq concurrent="1" nextAc="seek">
+              <p:cTn id="2" dur="indefinite" nodeType="mainSeq">
+                <p:childTnLst>
+                  <p:par>
+                    <p:cTn id="3" fill="hold">
+                      <p:stCondLst>
+                        <p:cond delay="indefinite"/>
+                      </p:stCondLst>
+                      <p:childTnLst>
+                        <p:par>
+                          <p:cTn id="4" fill="hold">
+                            <p:stCondLst>
+                              <p:cond delay="0"/>
+                            </p:stCondLst>
+                            <p:childTnLst>
+                              <p:par>
+                                <p:cTn id="5" presetID="1" presetClass="entr" presetSubtype="0" fill="hold" grpId="0" nodeType="clickEffect">
+                                  <p:stCondLst>
+                                    <p:cond delay="0"/>
+                                  </p:stCondLst>
+                                  <p:childTnLst>
+                                    <p:set>
+                                      <p:cBhvr>
+                                        <p:cTn id="6" dur="1" fill="hold">
+                                          <p:stCondLst>
+                                            <p:cond delay="0"/>
+                                          </p:stCondLst>
+                                        </p:cTn>
+                                        <p:tgtEl>
+                                          <p:spTgt spid="3">
+                                            <p:txEl>
+                                              <p:pRg st="0" end="0"/>
+                                            </p:txEl>
+                                          </p:spTgt>
+                                        </p:tgtEl>
+                                        <p:attrNameLst>
+                                          <p:attrName>style.visibility</p:attrName>
+                                        </p:attrNameLst>
+                                      </p:cBhvr>
+                                      <p:to>
+                                        <p:strVal val="visible"/>
+                                      </p:to>
+                                    </p:set>
+                                  </p:childTnLst>
+                                </p:cTn>
+                              </p:par>
+                            </p:childTnLst>
+                          </p:cTn>
+                        </p:par>
+                      </p:childTnLst>
+                    </p:cTn>
+                  </p:par>
+                  <p:par>
+                    <p:cTn id="7" fill="hold">
+                      <p:stCondLst>
+                        <p:cond delay="indefinite"/>
+                      </p:stCondLst>
+                      <p:childTnLst>
+                        <p:par>
+                          <p:cTn id="8" fill="hold">
+                            <p:stCondLst>
+                              <p:cond delay="0"/>
+                            </p:stCondLst>
+                            <p:childTnLst>
+                              <p:par>
+                                <p:cTn id="9" presetID="1" presetClass="entr" presetSubtype="0" fill="hold" grpId="0" nodeType="clickEffect">
+                                  <p:stCondLst>
+                                    <p:cond delay="0"/>
+                                  </p:stCondLst>
+                                  <p:childTnLst>
+                                    <p:set>
+                                      <p:cBhvr>
+                                        <p:cTn id="10" dur="1" fill="hold">
+                                          <p:stCondLst>
+                                            <p:cond delay="0"/>
+                                          </p:stCondLst>
+                                        </p:cTn>
+                                        <p:tgtEl>
+                                          <p:spTgt spid="7"/>
+                                        </p:tgtEl>
+                                        <p:attrNameLst>
+                                          <p:attrName>style.visibility</p:attrName>
+                                        </p:attrNameLst>
+                                      </p:cBhvr>
+                                      <p:to>
+                                        <p:strVal val="visible"/>
+                                      </p:to>
+                                    </p:set>
+                                  </p:childTnLst>
+                                </p:cTn>
+                              </p:par>
+                            </p:childTnLst>
+                          </p:cTn>
+                        </p:par>
+                      </p:childTnLst>
+                    </p:cTn>
+                  </p:par>
+                  <p:par>
+                    <p:cTn id="11" fill="hold">
+                      <p:stCondLst>
+                        <p:cond delay="indefinite"/>
+                      </p:stCondLst>
+                      <p:childTnLst>
+                        <p:par>
+                          <p:cTn id="12" fill="hold">
+                            <p:stCondLst>
+                              <p:cond delay="0"/>
+                            </p:stCondLst>
+                            <p:childTnLst>
+                              <p:par>
+                                <p:cTn id="13" presetID="1" presetClass="entr" presetSubtype="0" fill="hold" grpId="0" nodeType="clickEffect">
+                                  <p:stCondLst>
+                                    <p:cond delay="0"/>
+                                  </p:stCondLst>
+                                  <p:childTnLst>
+                                    <p:set>
+                                      <p:cBhvr>
+                                        <p:cTn id="14" dur="1" fill="hold">
+                                          <p:stCondLst>
+                                            <p:cond delay="0"/>
+                                          </p:stCondLst>
+                                        </p:cTn>
+                                        <p:tgtEl>
+                                          <p:spTgt spid="9"/>
+                                        </p:tgtEl>
+                                        <p:attrNameLst>
+                                          <p:attrName>style.visibility</p:attrName>
+                                        </p:attrNameLst>
+                                      </p:cBhvr>
+                                      <p:to>
+                                        <p:strVal val="visible"/>
+                                      </p:to>
+                                    </p:set>
+                                  </p:childTnLst>
+                                </p:cTn>
+                              </p:par>
+                            </p:childTnLst>
+                          </p:cTn>
+                        </p:par>
+                      </p:childTnLst>
+                    </p:cTn>
+                  </p:par>
+                  <p:par>
+                    <p:cTn id="15" fill="hold">
+                      <p:stCondLst>
+                        <p:cond delay="indefinite"/>
+                      </p:stCondLst>
+                      <p:childTnLst>
+                        <p:par>
+                          <p:cTn id="16" fill="hold">
+                            <p:stCondLst>
+                              <p:cond delay="0"/>
+                            </p:stCondLst>
+                            <p:childTnLst>
+                              <p:par>
+                                <p:cTn id="17" presetID="1" presetClass="entr" presetSubtype="0" fill="hold" nodeType="clickEffect">
+                                  <p:stCondLst>
+                                    <p:cond delay="0"/>
+                                  </p:stCondLst>
+                                  <p:childTnLst>
+                                    <p:set>
+                                      <p:cBhvr>
+                                        <p:cTn id="18" dur="1" fill="hold">
+                                          <p:stCondLst>
+                                            <p:cond delay="0"/>
+                                          </p:stCondLst>
+                                        </p:cTn>
+                                        <p:tgtEl>
+                                          <p:spTgt spid="11"/>
+                                        </p:tgtEl>
+                                        <p:attrNameLst>
+                                          <p:attrName>style.visibility</p:attrName>
+                                        </p:attrNameLst>
+                                      </p:cBhvr>
+                                      <p:to>
+                                        <p:strVal val="visible"/>
+                                      </p:to>
+                                    </p:set>
+                                  </p:childTnLst>
+                                </p:cTn>
+                              </p:par>
+                            </p:childTnLst>
+                          </p:cTn>
+                        </p:par>
+                      </p:childTnLst>
+                    </p:cTn>
+                  </p:par>
+                </p:childTnLst>
+              </p:cTn>
+              <p:prevCondLst>
+                <p:cond evt="onPrev" delay="0">
+                  <p:tgtEl>
+                    <p:sldTgt/>
+                  </p:tgtEl>
+                </p:cond>
+              </p:prevCondLst>
+              <p:nextCondLst>
+                <p:cond evt="onNext" delay="0">
+                  <p:tgtEl>
+                    <p:sldTgt/>
+                  </p:tgtEl>
+                </p:cond>
+              </p:nextCondLst>
+            </p:seq>
+          </p:childTnLst>
+        </p:cTn>
+      </p:par>
+    </p:tnLst>
+    <p:bldLst>
+      <p:bldP spid="3" grpId="0" build="p"/>
+      <p:bldP spid="7" grpId="0"/>
+      <p:bldP spid="9" grpId="0"/>
     </p:bldLst>
   </p:timing>
 </p:sld>
